--- a/毕业答辩报告.pptx
+++ b/毕业答辩报告.pptx
@@ -275,7 +275,7 @@
               <a:pPr>
                 <a:defRPr/>
               </a:pPr>
-              <a:t>2017/12/10</a:t>
+              <a:t>2017/12/12</a:t>
             </a:fld>
             <a:endParaRPr lang="zh-CN" altLang="en-US"/>
           </a:p>
@@ -4453,19 +4453,11 @@
             </a:r>
             <a:r>
               <a:rPr lang="zh-CN" altLang="zh-CN" dirty="0" smtClean="0"/>
-              <a:t>废物</a:t>
-            </a:r>
-            <a:r>
-              <a:rPr lang="zh-CN" altLang="zh-CN" dirty="0" smtClean="0"/>
-              <a:t>桶</a:t>
+              <a:t>废物桶</a:t>
             </a:r>
             <a:r>
               <a:rPr lang="zh-CN" altLang="en-US" dirty="0" smtClean="0"/>
-              <a:t>改进型伽</a:t>
-            </a:r>
-            <a:r>
-              <a:rPr lang="zh-CN" altLang="en-US" dirty="0" smtClean="0"/>
-              <a:t>马扫描技术研究</a:t>
+              <a:t>改进型伽马扫描技术研究</a:t>
             </a:r>
             <a:endParaRPr kumimoji="1" lang="zh-CN" altLang="en-US" dirty="0" smtClean="0"/>
           </a:p>
@@ -4579,11 +4571,6 @@
               </a:rPr>
               <a:t>日</a:t>
             </a:r>
-            <a:endParaRPr kumimoji="1" lang="zh-CN" altLang="en-US" sz="2800" dirty="0" smtClean="0">
-              <a:solidFill>
-                <a:srgbClr val="004195"/>
-              </a:solidFill>
-            </a:endParaRPr>
           </a:p>
         </p:txBody>
       </p:sp>
@@ -4664,17 +4651,12 @@
             </a:r>
             <a:r>
               <a:rPr lang="zh-CN" altLang="en-US" b="1" dirty="0" smtClean="0"/>
-              <a:t>-改进型</a:t>
-            </a:r>
-            <a:r>
-              <a:rPr lang="zh-CN" altLang="en-US" b="1" dirty="0" smtClean="0"/>
-              <a:t>方法</a:t>
+              <a:t>-改进型方法</a:t>
             </a:r>
             <a:r>
               <a:rPr lang="en-US" altLang="zh-CN" b="1" dirty="0" smtClean="0"/>
               <a:t>3</a:t>
             </a:r>
-            <a:endParaRPr lang="en-US" altLang="zh-CN" b="1" dirty="0" smtClean="0"/>
           </a:p>
         </p:txBody>
       </p:sp>
@@ -4717,11 +4699,7 @@
             </a:r>
             <a:r>
               <a:rPr lang="zh-CN" altLang="en-US" dirty="0" smtClean="0"/>
-              <a:t>增加两个</a:t>
-            </a:r>
-            <a:r>
-              <a:rPr lang="zh-CN" altLang="en-US" dirty="0" smtClean="0"/>
-              <a:t>探测器，探测结果用以优化</a:t>
+              <a:t>增加两个探测器，探测结果用以优化</a:t>
             </a:r>
             <a:r>
               <a:rPr lang="en-US" altLang="zh-CN" dirty="0" smtClean="0"/>
@@ -4848,11 +4826,7 @@
             </a:r>
             <a:r>
               <a:rPr lang="zh-CN" altLang="en-US" b="1" dirty="0" smtClean="0"/>
-              <a:t>-改进型</a:t>
-            </a:r>
-            <a:r>
-              <a:rPr lang="zh-CN" altLang="en-US" b="1" dirty="0" smtClean="0"/>
-              <a:t>方法</a:t>
+              <a:t>-改进型方法</a:t>
             </a:r>
             <a:r>
               <a:rPr lang="en-US" altLang="zh-CN" b="1" dirty="0" smtClean="0"/>
@@ -5231,15 +5205,7 @@
             </a:r>
             <a:r>
               <a:rPr lang="zh-CN" altLang="en-US" sz="2800" dirty="0" smtClean="0"/>
-              <a:t>在快速</a:t>
-            </a:r>
-            <a:r>
-              <a:rPr lang="zh-CN" altLang="en-US" sz="2800" dirty="0" smtClean="0"/>
-              <a:t>准确</a:t>
-            </a:r>
-            <a:r>
-              <a:rPr lang="zh-CN" altLang="en-US" sz="2800" dirty="0" smtClean="0"/>
-              <a:t>的测量低中放废物桶上都存在一定的局限性，尤其是针对</a:t>
+              <a:t>在快速准确的测量低中放废物桶上都存在一定的局限性，尤其是针对</a:t>
             </a:r>
             <a:r>
               <a:rPr lang="en-US" altLang="zh-CN" sz="2800" dirty="0" smtClean="0"/>
@@ -5257,19 +5223,13 @@
               <a:rPr lang="zh-CN" altLang="en-US" sz="2800" dirty="0" smtClean="0"/>
               <a:t>均匀分布的情况；</a:t>
             </a:r>
-            <a:endParaRPr lang="zh-CN" altLang="en-US" sz="2800" dirty="0" smtClean="0"/>
           </a:p>
           <a:p>
             <a:pPr marL="609600" indent="-609600" eaLnBrk="1" hangingPunct="1"/>
             <a:r>
               <a:rPr lang="zh-CN" altLang="en-US" sz="2800" dirty="0" smtClean="0"/>
-              <a:t>前述的改进型测量技术都基于一定的假设，难以满足各种类型废物桶准确测量的</a:t>
-            </a:r>
-            <a:r>
-              <a:rPr lang="zh-CN" altLang="en-US" sz="2800" dirty="0" smtClean="0"/>
-              <a:t>需要；</a:t>
-            </a:r>
-            <a:endParaRPr lang="zh-CN" altLang="en-US" sz="2800" dirty="0" smtClean="0"/>
+              <a:t>前述的改进型测量技术都基于一定的假设，难以满足各种类型废物桶准确测量的需要；</a:t>
+            </a:r>
           </a:p>
           <a:p>
             <a:pPr marL="609600" indent="-609600" eaLnBrk="1" hangingPunct="1"/>
@@ -5464,7 +5424,6 @@
               <a:rPr lang="zh-CN" altLang="en-US" dirty="0" smtClean="0"/>
               <a:t>并验证了测量效果</a:t>
             </a:r>
-            <a:endParaRPr lang="zh-CN" altLang="en-US" dirty="0" smtClean="0"/>
           </a:p>
         </p:txBody>
       </p:sp>
@@ -5636,7 +5595,7 @@
           <a:graphicData uri="http://schemas.openxmlformats.org/presentationml/2006/ole">
             <mc:AlternateContent xmlns:mc="http://schemas.openxmlformats.org/markup-compatibility/2006">
               <mc:Choice xmlns:v="urn:schemas-microsoft-com:vml" Requires="v">
-                <p:oleObj spid="_x0000_s58383" name="Visio" r:id="rId3" imgW="3000258" imgH="5191270" progId="Visio.Drawing.15">
+                <p:oleObj spid="_x0000_s58386" name="Visio" r:id="rId3" imgW="3000258" imgH="5191270" progId="Visio.Drawing.15">
                   <p:embed/>
                 </p:oleObj>
               </mc:Choice>
@@ -6070,11 +6029,7 @@
             </a:r>
             <a:r>
               <a:rPr lang="zh-CN" altLang="en-US" dirty="0" smtClean="0"/>
-              <a:t>的层析技术</a:t>
-            </a:r>
-            <a:r>
-              <a:rPr lang="zh-CN" altLang="en-US" dirty="0" smtClean="0"/>
-              <a:t>分别进行透射重建和发射重建，得到环状体素的核素活度</a:t>
+              <a:t>的层析技术分别进行透射重建和发射重建，得到环状体素的核素活度</a:t>
             </a:r>
             <a:endParaRPr lang="en-US" altLang="zh-CN" dirty="0" smtClean="0"/>
           </a:p>
@@ -6321,7 +6276,15 @@
             <a:pPr eaLnBrk="1" hangingPunct="1"/>
             <a:r>
               <a:rPr lang="zh-CN" altLang="en-US" dirty="0" smtClean="0"/>
-              <a:t>两种核素</a:t>
+              <a:t>不同位置单点源，</a:t>
+            </a:r>
+            <a:r>
+              <a:rPr lang="zh-CN" altLang="en-US" dirty="0" smtClean="0"/>
+              <a:t>两种</a:t>
+            </a:r>
+            <a:r>
+              <a:rPr lang="zh-CN" altLang="en-US" dirty="0" smtClean="0"/>
+              <a:t>核素</a:t>
             </a:r>
             <a:r>
               <a:rPr lang="en-US" altLang="zh-CN" dirty="0" smtClean="0"/>
@@ -6339,12 +6302,12 @@
           <a:p>
             <a:pPr eaLnBrk="1" hangingPunct="1"/>
             <a:r>
-              <a:rPr lang="zh-CN" altLang="en-US" dirty="0"/>
-              <a:t>均匀</a:t>
-            </a:r>
-            <a:r>
               <a:rPr lang="zh-CN" altLang="en-US" dirty="0" smtClean="0"/>
-              <a:t>介质密度为</a:t>
+              <a:t>均匀介质</a:t>
+            </a:r>
+            <a:r>
+              <a:rPr lang="zh-CN" altLang="en-US" dirty="0" smtClean="0"/>
+              <a:t>密度为</a:t>
             </a:r>
             <a:r>
               <a:rPr lang="en-US" altLang="zh-CN" dirty="0" smtClean="0"/>
@@ -6769,14 +6732,14 @@
             <p:ph idx="1"/>
             <p:extLst>
               <p:ext uri="{D42A27DB-BD31-4B8C-83A1-F6EECF244321}">
-                <p14:modId xmlns:p14="http://schemas.microsoft.com/office/powerpoint/2010/main" val="3326000930"/>
+                <p14:modId xmlns:p14="http://schemas.microsoft.com/office/powerpoint/2010/main" val="671775364"/>
               </p:ext>
             </p:extLst>
           </p:nvPr>
         </p:nvGraphicFramePr>
         <p:xfrm>
           <a:off x="3231557" y="1339184"/>
-          <a:ext cx="5734685" cy="1905000"/>
+          <a:ext cx="4044315" cy="1905000"/>
         </p:xfrm>
         <a:graphic>
           <a:graphicData uri="http://schemas.openxmlformats.org/drawingml/2006/table">
@@ -6787,9 +6750,6 @@
               <a:tblGrid>
                 <a:gridCol w="533400"/>
                 <a:gridCol w="533400"/>
-                <a:gridCol w="605790"/>
-                <a:gridCol w="605790"/>
-                <a:gridCol w="478790"/>
                 <a:gridCol w="563880"/>
                 <a:gridCol w="563880"/>
                 <a:gridCol w="442595"/>
@@ -6868,12 +6828,12 @@
                         </a:spcAft>
                       </a:pPr>
                       <a:r>
-                        <a:rPr lang="en-US" sz="900" kern="0">
-                          <a:effectLst/>
-                        </a:rPr>
-                        <a:t>Cr-51</a:t>
-                      </a:r>
-                      <a:endParaRPr lang="zh-CN" sz="1050" kern="100">
+                        <a:rPr lang="en-US" sz="900" kern="0" dirty="0">
+                          <a:effectLst/>
+                        </a:rPr>
+                        <a:t>CS-137</a:t>
+                      </a:r>
+                      <a:endParaRPr lang="zh-CN" sz="1050" kern="100" dirty="0">
                         <a:effectLst/>
                         <a:latin typeface="Times New Roman" panose="02020603050405020304" pitchFamily="18" charset="0"/>
                         <a:ea typeface="宋体" panose="02010600030101010101" pitchFamily="2" charset="-122"/>
@@ -6919,7 +6879,7 @@
                         <a:rPr lang="en-US" sz="900" kern="0">
                           <a:effectLst/>
                         </a:rPr>
-                        <a:t>CS-137</a:t>
+                        <a:t>Co-60</a:t>
                       </a:r>
                       <a:endParaRPr lang="zh-CN" sz="1050" kern="100">
                         <a:effectLst/>
@@ -6950,7 +6910,29 @@
                   </a:txBody>
                   <a:tcPr/>
                 </a:tc>
-                <a:tc gridSpan="3">
+              </a:tr>
+              <a:tr h="180340">
+                <a:tc vMerge="1">
+                  <a:txBody>
+                    <a:bodyPr/>
+                    <a:lstStyle/>
+                    <a:p>
+                      <a:endParaRPr lang="zh-CN" altLang="en-US"/>
+                    </a:p>
+                  </a:txBody>
+                  <a:tcPr/>
+                </a:tc>
+                <a:tc vMerge="1">
+                  <a:txBody>
+                    <a:bodyPr/>
+                    <a:lstStyle/>
+                    <a:p>
+                      <a:endParaRPr lang="zh-CN" altLang="en-US"/>
+                    </a:p>
+                  </a:txBody>
+                  <a:tcPr/>
+                </a:tc>
+                <a:tc>
                   <a:txBody>
                     <a:bodyPr/>
                     <a:lstStyle/>
@@ -6967,7 +6949,7 @@
                         <a:rPr lang="en-US" sz="900" kern="0">
                           <a:effectLst/>
                         </a:rPr>
-                        <a:t>Co-60</a:t>
+                        <a:t>Max.</a:t>
                       </a:r>
                       <a:endParaRPr lang="zh-CN" sz="1050" kern="100">
                         <a:effectLst/>
@@ -6977,48 +6959,6 @@
                     </a:p>
                   </a:txBody>
                   <a:tcPr marL="0" marR="0" marT="0" marB="0" anchor="ctr"/>
-                </a:tc>
-                <a:tc hMerge="1">
-                  <a:txBody>
-                    <a:bodyPr/>
-                    <a:lstStyle/>
-                    <a:p>
-                      <a:endParaRPr lang="zh-CN" altLang="en-US"/>
-                    </a:p>
-                  </a:txBody>
-                  <a:tcPr/>
-                </a:tc>
-                <a:tc hMerge="1">
-                  <a:txBody>
-                    <a:bodyPr/>
-                    <a:lstStyle/>
-                    <a:p>
-                      <a:endParaRPr lang="zh-CN" altLang="en-US"/>
-                    </a:p>
-                  </a:txBody>
-                  <a:tcPr/>
-                </a:tc>
-              </a:tr>
-              <a:tr h="180340">
-                <a:tc vMerge="1">
-                  <a:txBody>
-                    <a:bodyPr/>
-                    <a:lstStyle/>
-                    <a:p>
-                      <a:endParaRPr lang="zh-CN" altLang="en-US"/>
-                    </a:p>
-                  </a:txBody>
-                  <a:tcPr/>
-                </a:tc>
-                <a:tc vMerge="1">
-                  <a:txBody>
-                    <a:bodyPr/>
-                    <a:lstStyle/>
-                    <a:p>
-                      <a:endParaRPr lang="zh-CN" altLang="en-US"/>
-                    </a:p>
-                  </a:txBody>
-                  <a:tcPr/>
                 </a:tc>
                 <a:tc>
                   <a:txBody>
@@ -7037,7 +6977,7 @@
                         <a:rPr lang="en-US" sz="900" kern="0">
                           <a:effectLst/>
                         </a:rPr>
-                        <a:t>Max.</a:t>
+                        <a:t>Min.</a:t>
                       </a:r>
                       <a:endParaRPr lang="zh-CN" sz="1050" kern="100">
                         <a:effectLst/>
@@ -7065,7 +7005,7 @@
                         <a:rPr lang="en-US" sz="900" kern="0">
                           <a:effectLst/>
                         </a:rPr>
-                        <a:t>Min.</a:t>
+                        <a:t>RMS</a:t>
                       </a:r>
                       <a:endParaRPr lang="zh-CN" sz="1050" kern="100">
                         <a:effectLst/>
@@ -7093,7 +7033,7 @@
                         <a:rPr lang="en-US" sz="900" kern="0">
                           <a:effectLst/>
                         </a:rPr>
-                        <a:t>RMS</a:t>
+                        <a:t>Max.</a:t>
                       </a:r>
                       <a:endParaRPr lang="zh-CN" sz="1050" kern="100">
                         <a:effectLst/>
@@ -7121,7 +7061,7 @@
                         <a:rPr lang="en-US" sz="900" kern="0">
                           <a:effectLst/>
                         </a:rPr>
-                        <a:t>Max.</a:t>
+                        <a:t>Min.</a:t>
                       </a:r>
                       <a:endParaRPr lang="zh-CN" sz="1050" kern="100">
                         <a:effectLst/>
@@ -7149,7 +7089,7 @@
                         <a:rPr lang="en-US" sz="900" kern="0">
                           <a:effectLst/>
                         </a:rPr>
-                        <a:t>Min.</a:t>
+                        <a:t>RMS</a:t>
                       </a:r>
                       <a:endParaRPr lang="zh-CN" sz="1050" kern="100">
                         <a:effectLst/>
@@ -7160,7 +7100,9 @@
                   </a:txBody>
                   <a:tcPr marL="0" marR="0" marT="0" marB="0" anchor="ctr"/>
                 </a:tc>
-                <a:tc>
+              </a:tr>
+              <a:tr h="180340">
+                <a:tc rowSpan="2">
                   <a:txBody>
                     <a:bodyPr/>
                     <a:lstStyle/>
@@ -7174,10 +7116,16 @@
                         </a:spcAft>
                       </a:pPr>
                       <a:r>
+                        <a:rPr lang="zh-CN" sz="900" kern="0">
+                          <a:effectLst/>
+                        </a:rPr>
+                        <a:t>形式</a:t>
+                      </a:r>
+                      <a:r>
                         <a:rPr lang="en-US" sz="900" kern="0">
                           <a:effectLst/>
                         </a:rPr>
-                        <a:t>RMS</a:t>
+                        <a:t>1</a:t>
                       </a:r>
                       <a:endParaRPr lang="zh-CN" sz="1050" kern="100">
                         <a:effectLst/>
@@ -7205,7 +7153,7 @@
                         <a:rPr lang="en-US" sz="900" kern="0">
                           <a:effectLst/>
                         </a:rPr>
-                        <a:t>Max.</a:t>
+                        <a:t>SGS</a:t>
                       </a:r>
                       <a:endParaRPr lang="zh-CN" sz="1050" kern="100">
                         <a:effectLst/>
@@ -7215,6 +7163,168 @@
                     </a:p>
                   </a:txBody>
                   <a:tcPr marL="0" marR="0" marT="0" marB="0" anchor="ctr"/>
+                </a:tc>
+                <a:tc>
+                  <a:txBody>
+                    <a:bodyPr/>
+                    <a:lstStyle/>
+                    <a:p>
+                      <a:pPr algn="ctr">
+                        <a:spcAft>
+                          <a:spcPts val="0"/>
+                        </a:spcAft>
+                      </a:pPr>
+                      <a:r>
+                        <a:rPr lang="en-US" sz="900" kern="100">
+                          <a:effectLst/>
+                        </a:rPr>
+                        <a:t>38.17</a:t>
+                      </a:r>
+                      <a:endParaRPr lang="zh-CN" sz="1050" kern="100">
+                        <a:effectLst/>
+                        <a:latin typeface="Times New Roman" panose="02020603050405020304" pitchFamily="18" charset="0"/>
+                        <a:ea typeface="宋体" panose="02010600030101010101" pitchFamily="2" charset="-122"/>
+                      </a:endParaRPr>
+                    </a:p>
+                  </a:txBody>
+                  <a:tcPr marL="0" marR="0" marT="0" marB="0"/>
+                </a:tc>
+                <a:tc>
+                  <a:txBody>
+                    <a:bodyPr/>
+                    <a:lstStyle/>
+                    <a:p>
+                      <a:pPr algn="ctr">
+                        <a:spcAft>
+                          <a:spcPts val="0"/>
+                        </a:spcAft>
+                      </a:pPr>
+                      <a:r>
+                        <a:rPr lang="en-US" sz="900" kern="100">
+                          <a:effectLst/>
+                        </a:rPr>
+                        <a:t>-12.55</a:t>
+                      </a:r>
+                      <a:endParaRPr lang="zh-CN" sz="1050" kern="100">
+                        <a:effectLst/>
+                        <a:latin typeface="Times New Roman" panose="02020603050405020304" pitchFamily="18" charset="0"/>
+                        <a:ea typeface="宋体" panose="02010600030101010101" pitchFamily="2" charset="-122"/>
+                      </a:endParaRPr>
+                    </a:p>
+                  </a:txBody>
+                  <a:tcPr marL="0" marR="0" marT="0" marB="0"/>
+                </a:tc>
+                <a:tc>
+                  <a:txBody>
+                    <a:bodyPr/>
+                    <a:lstStyle/>
+                    <a:p>
+                      <a:pPr algn="ctr">
+                        <a:spcAft>
+                          <a:spcPts val="0"/>
+                        </a:spcAft>
+                      </a:pPr>
+                      <a:r>
+                        <a:rPr lang="en-US" sz="900" kern="100">
+                          <a:effectLst/>
+                        </a:rPr>
+                        <a:t>15.39</a:t>
+                      </a:r>
+                      <a:endParaRPr lang="zh-CN" sz="1050" kern="100">
+                        <a:effectLst/>
+                        <a:latin typeface="Times New Roman" panose="02020603050405020304" pitchFamily="18" charset="0"/>
+                        <a:ea typeface="宋体" panose="02010600030101010101" pitchFamily="2" charset="-122"/>
+                      </a:endParaRPr>
+                    </a:p>
+                  </a:txBody>
+                  <a:tcPr marL="0" marR="0" marT="0" marB="0"/>
+                </a:tc>
+                <a:tc>
+                  <a:txBody>
+                    <a:bodyPr/>
+                    <a:lstStyle/>
+                    <a:p>
+                      <a:pPr algn="ctr">
+                        <a:spcAft>
+                          <a:spcPts val="0"/>
+                        </a:spcAft>
+                      </a:pPr>
+                      <a:r>
+                        <a:rPr lang="en-US" sz="900" kern="100">
+                          <a:effectLst/>
+                        </a:rPr>
+                        <a:t>19.99</a:t>
+                      </a:r>
+                      <a:endParaRPr lang="zh-CN" sz="1050" kern="100">
+                        <a:effectLst/>
+                        <a:latin typeface="Times New Roman" panose="02020603050405020304" pitchFamily="18" charset="0"/>
+                        <a:ea typeface="宋体" panose="02010600030101010101" pitchFamily="2" charset="-122"/>
+                      </a:endParaRPr>
+                    </a:p>
+                  </a:txBody>
+                  <a:tcPr marL="0" marR="0" marT="0" marB="0"/>
+                </a:tc>
+                <a:tc>
+                  <a:txBody>
+                    <a:bodyPr/>
+                    <a:lstStyle/>
+                    <a:p>
+                      <a:pPr algn="ctr">
+                        <a:spcAft>
+                          <a:spcPts val="0"/>
+                        </a:spcAft>
+                      </a:pPr>
+                      <a:r>
+                        <a:rPr lang="en-US" sz="900" kern="100">
+                          <a:effectLst/>
+                        </a:rPr>
+                        <a:t>5.12</a:t>
+                      </a:r>
+                      <a:endParaRPr lang="zh-CN" sz="1050" kern="100">
+                        <a:effectLst/>
+                        <a:latin typeface="Times New Roman" panose="02020603050405020304" pitchFamily="18" charset="0"/>
+                        <a:ea typeface="宋体" panose="02010600030101010101" pitchFamily="2" charset="-122"/>
+                      </a:endParaRPr>
+                    </a:p>
+                  </a:txBody>
+                  <a:tcPr marL="0" marR="0" marT="0" marB="0"/>
+                </a:tc>
+                <a:tc>
+                  <a:txBody>
+                    <a:bodyPr/>
+                    <a:lstStyle/>
+                    <a:p>
+                      <a:pPr algn="ctr">
+                        <a:spcAft>
+                          <a:spcPts val="0"/>
+                        </a:spcAft>
+                      </a:pPr>
+                      <a:r>
+                        <a:rPr lang="en-US" sz="900" kern="100">
+                          <a:effectLst/>
+                        </a:rPr>
+                        <a:t>15.15</a:t>
+                      </a:r>
+                      <a:endParaRPr lang="zh-CN" sz="1050" kern="100">
+                        <a:effectLst/>
+                        <a:latin typeface="Times New Roman" panose="02020603050405020304" pitchFamily="18" charset="0"/>
+                        <a:ea typeface="宋体" panose="02010600030101010101" pitchFamily="2" charset="-122"/>
+                      </a:endParaRPr>
+                    </a:p>
+                  </a:txBody>
+                  <a:tcPr marL="0" marR="0" marT="0" marB="0"/>
+                </a:tc>
+              </a:tr>
+              <a:tr h="180340">
+                <a:tc vMerge="1">
+                  <a:txBody>
+                    <a:bodyPr/>
+                    <a:lstStyle/>
+                    <a:p>
+                      <a:endParaRPr lang="zh-CN" altLang="en-US"/>
+                    </a:p>
+                  </a:txBody>
+                  <a:tcPr/>
                 </a:tc>
                 <a:tc>
                   <a:txBody>
@@ -7233,7 +7343,7 @@
                         <a:rPr lang="en-US" sz="900" kern="0">
                           <a:effectLst/>
                         </a:rPr>
-                        <a:t>Min.</a:t>
+                        <a:t>STGS4ER</a:t>
                       </a:r>
                       <a:endParaRPr lang="zh-CN" sz="1050" kern="100">
                         <a:effectLst/>
@@ -7245,6 +7355,158 @@
                   <a:tcPr marL="0" marR="0" marT="0" marB="0" anchor="ctr"/>
                 </a:tc>
                 <a:tc>
+                  <a:txBody>
+                    <a:bodyPr/>
+                    <a:lstStyle/>
+                    <a:p>
+                      <a:pPr algn="ctr">
+                        <a:spcAft>
+                          <a:spcPts val="0"/>
+                        </a:spcAft>
+                      </a:pPr>
+                      <a:r>
+                        <a:rPr lang="en-US" sz="900" kern="100">
+                          <a:effectLst/>
+                        </a:rPr>
+                        <a:t>17.90</a:t>
+                      </a:r>
+                      <a:endParaRPr lang="zh-CN" sz="1050" kern="100">
+                        <a:effectLst/>
+                        <a:latin typeface="Times New Roman" panose="02020603050405020304" pitchFamily="18" charset="0"/>
+                        <a:ea typeface="宋体" panose="02010600030101010101" pitchFamily="2" charset="-122"/>
+                      </a:endParaRPr>
+                    </a:p>
+                  </a:txBody>
+                  <a:tcPr marL="0" marR="0" marT="0" marB="0"/>
+                </a:tc>
+                <a:tc>
+                  <a:txBody>
+                    <a:bodyPr/>
+                    <a:lstStyle/>
+                    <a:p>
+                      <a:pPr algn="ctr">
+                        <a:spcAft>
+                          <a:spcPts val="0"/>
+                        </a:spcAft>
+                      </a:pPr>
+                      <a:r>
+                        <a:rPr lang="en-US" sz="900" kern="100">
+                          <a:effectLst/>
+                        </a:rPr>
+                        <a:t>-24.75</a:t>
+                      </a:r>
+                      <a:endParaRPr lang="zh-CN" sz="1050" kern="100">
+                        <a:effectLst/>
+                        <a:latin typeface="Times New Roman" panose="02020603050405020304" pitchFamily="18" charset="0"/>
+                        <a:ea typeface="宋体" panose="02010600030101010101" pitchFamily="2" charset="-122"/>
+                      </a:endParaRPr>
+                    </a:p>
+                  </a:txBody>
+                  <a:tcPr marL="0" marR="0" marT="0" marB="0"/>
+                </a:tc>
+                <a:tc>
+                  <a:txBody>
+                    <a:bodyPr/>
+                    <a:lstStyle/>
+                    <a:p>
+                      <a:pPr algn="ctr">
+                        <a:spcAft>
+                          <a:spcPts val="0"/>
+                        </a:spcAft>
+                      </a:pPr>
+                      <a:r>
+                        <a:rPr lang="en-US" sz="900" kern="100">
+                          <a:effectLst/>
+                        </a:rPr>
+                        <a:t>14.16</a:t>
+                      </a:r>
+                      <a:endParaRPr lang="zh-CN" sz="1050" kern="100">
+                        <a:effectLst/>
+                        <a:latin typeface="Times New Roman" panose="02020603050405020304" pitchFamily="18" charset="0"/>
+                        <a:ea typeface="宋体" panose="02010600030101010101" pitchFamily="2" charset="-122"/>
+                      </a:endParaRPr>
+                    </a:p>
+                  </a:txBody>
+                  <a:tcPr marL="0" marR="0" marT="0" marB="0"/>
+                </a:tc>
+                <a:tc>
+                  <a:txBody>
+                    <a:bodyPr/>
+                    <a:lstStyle/>
+                    <a:p>
+                      <a:pPr algn="ctr">
+                        <a:spcAft>
+                          <a:spcPts val="0"/>
+                        </a:spcAft>
+                      </a:pPr>
+                      <a:r>
+                        <a:rPr lang="en-US" sz="900" kern="100">
+                          <a:effectLst/>
+                        </a:rPr>
+                        <a:t>13.18</a:t>
+                      </a:r>
+                      <a:endParaRPr lang="zh-CN" sz="1050" kern="100">
+                        <a:effectLst/>
+                        <a:latin typeface="Times New Roman" panose="02020603050405020304" pitchFamily="18" charset="0"/>
+                        <a:ea typeface="宋体" panose="02010600030101010101" pitchFamily="2" charset="-122"/>
+                      </a:endParaRPr>
+                    </a:p>
+                  </a:txBody>
+                  <a:tcPr marL="0" marR="0" marT="0" marB="0"/>
+                </a:tc>
+                <a:tc>
+                  <a:txBody>
+                    <a:bodyPr/>
+                    <a:lstStyle/>
+                    <a:p>
+                      <a:pPr algn="ctr">
+                        <a:spcAft>
+                          <a:spcPts val="0"/>
+                        </a:spcAft>
+                      </a:pPr>
+                      <a:r>
+                        <a:rPr lang="en-US" sz="900" kern="100">
+                          <a:effectLst/>
+                        </a:rPr>
+                        <a:t>-18.02</a:t>
+                      </a:r>
+                      <a:endParaRPr lang="zh-CN" sz="1050" kern="100">
+                        <a:effectLst/>
+                        <a:latin typeface="Times New Roman" panose="02020603050405020304" pitchFamily="18" charset="0"/>
+                        <a:ea typeface="宋体" panose="02010600030101010101" pitchFamily="2" charset="-122"/>
+                      </a:endParaRPr>
+                    </a:p>
+                  </a:txBody>
+                  <a:tcPr marL="0" marR="0" marT="0" marB="0"/>
+                </a:tc>
+                <a:tc>
+                  <a:txBody>
+                    <a:bodyPr/>
+                    <a:lstStyle/>
+                    <a:p>
+                      <a:pPr algn="ctr">
+                        <a:spcAft>
+                          <a:spcPts val="0"/>
+                        </a:spcAft>
+                      </a:pPr>
+                      <a:r>
+                        <a:rPr lang="en-US" sz="900" kern="100">
+                          <a:effectLst/>
+                        </a:rPr>
+                        <a:t>10.16</a:t>
+                      </a:r>
+                      <a:endParaRPr lang="zh-CN" sz="1050" kern="100">
+                        <a:effectLst/>
+                        <a:latin typeface="Times New Roman" panose="02020603050405020304" pitchFamily="18" charset="0"/>
+                        <a:ea typeface="宋体" panose="02010600030101010101" pitchFamily="2" charset="-122"/>
+                      </a:endParaRPr>
+                    </a:p>
+                  </a:txBody>
+                  <a:tcPr marL="0" marR="0" marT="0" marB="0"/>
+                </a:tc>
+              </a:tr>
+              <a:tr h="180340">
+                <a:tc rowSpan="2">
                   <a:txBody>
                     <a:bodyPr/>
                     <a:lstStyle/>
@@ -7258,10 +7520,16 @@
                         </a:spcAft>
                       </a:pPr>
                       <a:r>
+                        <a:rPr lang="zh-CN" sz="900" kern="0">
+                          <a:effectLst/>
+                        </a:rPr>
+                        <a:t>形式</a:t>
+                      </a:r>
+                      <a:r>
                         <a:rPr lang="en-US" sz="900" kern="0">
                           <a:effectLst/>
                         </a:rPr>
-                        <a:t>RMS</a:t>
+                        <a:t>2</a:t>
                       </a:r>
                       <a:endParaRPr lang="zh-CN" sz="1050" kern="100">
                         <a:effectLst/>
@@ -7272,9 +7540,7 @@
                   </a:txBody>
                   <a:tcPr marL="0" marR="0" marT="0" marB="0" anchor="ctr"/>
                 </a:tc>
-              </a:tr>
-              <a:tr h="180340">
-                <a:tc rowSpan="2">
+                <a:tc>
                   <a:txBody>
                     <a:bodyPr/>
                     <a:lstStyle/>
@@ -7288,16 +7554,10 @@
                         </a:spcAft>
                       </a:pPr>
                       <a:r>
-                        <a:rPr lang="zh-CN" sz="900" kern="0">
-                          <a:effectLst/>
-                        </a:rPr>
-                        <a:t>形式</a:t>
-                      </a:r>
-                      <a:r>
                         <a:rPr lang="en-US" sz="900" kern="0">
                           <a:effectLst/>
                         </a:rPr>
-                        <a:t>1</a:t>
+                        <a:t>SGS</a:t>
                       </a:r>
                       <a:endParaRPr lang="zh-CN" sz="1050" kern="100">
                         <a:effectLst/>
@@ -7307,6 +7567,168 @@
                     </a:p>
                   </a:txBody>
                   <a:tcPr marL="0" marR="0" marT="0" marB="0" anchor="ctr"/>
+                </a:tc>
+                <a:tc>
+                  <a:txBody>
+                    <a:bodyPr/>
+                    <a:lstStyle/>
+                    <a:p>
+                      <a:pPr algn="ctr">
+                        <a:spcAft>
+                          <a:spcPts val="0"/>
+                        </a:spcAft>
+                      </a:pPr>
+                      <a:r>
+                        <a:rPr lang="en-US" sz="900" kern="100">
+                          <a:effectLst/>
+                        </a:rPr>
+                        <a:t>12.52</a:t>
+                      </a:r>
+                      <a:endParaRPr lang="zh-CN" sz="1050" kern="100">
+                        <a:effectLst/>
+                        <a:latin typeface="Times New Roman" panose="02020603050405020304" pitchFamily="18" charset="0"/>
+                        <a:ea typeface="宋体" panose="02010600030101010101" pitchFamily="2" charset="-122"/>
+                      </a:endParaRPr>
+                    </a:p>
+                  </a:txBody>
+                  <a:tcPr marL="0" marR="0" marT="0" marB="0"/>
+                </a:tc>
+                <a:tc>
+                  <a:txBody>
+                    <a:bodyPr/>
+                    <a:lstStyle/>
+                    <a:p>
+                      <a:pPr algn="ctr">
+                        <a:spcAft>
+                          <a:spcPts val="0"/>
+                        </a:spcAft>
+                      </a:pPr>
+                      <a:r>
+                        <a:rPr lang="en-US" sz="900" kern="100">
+                          <a:effectLst/>
+                        </a:rPr>
+                        <a:t>-19.86</a:t>
+                      </a:r>
+                      <a:endParaRPr lang="zh-CN" sz="1050" kern="100">
+                        <a:effectLst/>
+                        <a:latin typeface="Times New Roman" panose="02020603050405020304" pitchFamily="18" charset="0"/>
+                        <a:ea typeface="宋体" panose="02010600030101010101" pitchFamily="2" charset="-122"/>
+                      </a:endParaRPr>
+                    </a:p>
+                  </a:txBody>
+                  <a:tcPr marL="0" marR="0" marT="0" marB="0"/>
+                </a:tc>
+                <a:tc>
+                  <a:txBody>
+                    <a:bodyPr/>
+                    <a:lstStyle/>
+                    <a:p>
+                      <a:pPr algn="ctr">
+                        <a:spcAft>
+                          <a:spcPts val="0"/>
+                        </a:spcAft>
+                      </a:pPr>
+                      <a:r>
+                        <a:rPr lang="en-US" sz="900" kern="100">
+                          <a:effectLst/>
+                        </a:rPr>
+                        <a:t>12.40</a:t>
+                      </a:r>
+                      <a:endParaRPr lang="zh-CN" sz="1050" kern="100">
+                        <a:effectLst/>
+                        <a:latin typeface="Times New Roman" panose="02020603050405020304" pitchFamily="18" charset="0"/>
+                        <a:ea typeface="宋体" panose="02010600030101010101" pitchFamily="2" charset="-122"/>
+                      </a:endParaRPr>
+                    </a:p>
+                  </a:txBody>
+                  <a:tcPr marL="0" marR="0" marT="0" marB="0"/>
+                </a:tc>
+                <a:tc>
+                  <a:txBody>
+                    <a:bodyPr/>
+                    <a:lstStyle/>
+                    <a:p>
+                      <a:pPr algn="ctr">
+                        <a:spcAft>
+                          <a:spcPts val="0"/>
+                        </a:spcAft>
+                      </a:pPr>
+                      <a:r>
+                        <a:rPr lang="en-US" sz="900" kern="100">
+                          <a:effectLst/>
+                        </a:rPr>
+                        <a:t>34.53</a:t>
+                      </a:r>
+                      <a:endParaRPr lang="zh-CN" sz="1050" kern="100">
+                        <a:effectLst/>
+                        <a:latin typeface="Times New Roman" panose="02020603050405020304" pitchFamily="18" charset="0"/>
+                        <a:ea typeface="宋体" panose="02010600030101010101" pitchFamily="2" charset="-122"/>
+                      </a:endParaRPr>
+                    </a:p>
+                  </a:txBody>
+                  <a:tcPr marL="0" marR="0" marT="0" marB="0"/>
+                </a:tc>
+                <a:tc>
+                  <a:txBody>
+                    <a:bodyPr/>
+                    <a:lstStyle/>
+                    <a:p>
+                      <a:pPr algn="ctr">
+                        <a:spcAft>
+                          <a:spcPts val="0"/>
+                        </a:spcAft>
+                      </a:pPr>
+                      <a:r>
+                        <a:rPr lang="en-US" sz="900" kern="100">
+                          <a:effectLst/>
+                        </a:rPr>
+                        <a:t>-15.66</a:t>
+                      </a:r>
+                      <a:endParaRPr lang="zh-CN" sz="1050" kern="100">
+                        <a:effectLst/>
+                        <a:latin typeface="Times New Roman" panose="02020603050405020304" pitchFamily="18" charset="0"/>
+                        <a:ea typeface="宋体" panose="02010600030101010101" pitchFamily="2" charset="-122"/>
+                      </a:endParaRPr>
+                    </a:p>
+                  </a:txBody>
+                  <a:tcPr marL="0" marR="0" marT="0" marB="0"/>
+                </a:tc>
+                <a:tc>
+                  <a:txBody>
+                    <a:bodyPr/>
+                    <a:lstStyle/>
+                    <a:p>
+                      <a:pPr algn="ctr">
+                        <a:spcAft>
+                          <a:spcPts val="0"/>
+                        </a:spcAft>
+                      </a:pPr>
+                      <a:r>
+                        <a:rPr lang="en-US" sz="900" kern="100">
+                          <a:effectLst/>
+                        </a:rPr>
+                        <a:t>20.23</a:t>
+                      </a:r>
+                      <a:endParaRPr lang="zh-CN" sz="1050" kern="100">
+                        <a:effectLst/>
+                        <a:latin typeface="Times New Roman" panose="02020603050405020304" pitchFamily="18" charset="0"/>
+                        <a:ea typeface="宋体" panose="02010600030101010101" pitchFamily="2" charset="-122"/>
+                      </a:endParaRPr>
+                    </a:p>
+                  </a:txBody>
+                  <a:tcPr marL="0" marR="0" marT="0" marB="0"/>
+                </a:tc>
+              </a:tr>
+              <a:tr h="180340">
+                <a:tc vMerge="1">
+                  <a:txBody>
+                    <a:bodyPr/>
+                    <a:lstStyle/>
+                    <a:p>
+                      <a:endParaRPr lang="zh-CN" altLang="en-US"/>
+                    </a:p>
+                  </a:txBody>
+                  <a:tcPr/>
                 </a:tc>
                 <a:tc>
                   <a:txBody>
@@ -7325,7 +7747,7 @@
                         <a:rPr lang="en-US" sz="900" kern="0">
                           <a:effectLst/>
                         </a:rPr>
-                        <a:t>SGS</a:t>
+                        <a:t>STGS4ER</a:t>
                       </a:r>
                       <a:endParaRPr lang="zh-CN" sz="1050" kern="100">
                         <a:effectLst/>
@@ -7347,12 +7769,12 @@
                         </a:spcAft>
                       </a:pPr>
                       <a:r>
-                        <a:rPr lang="en-US" sz="900" kern="100" dirty="0">
-                          <a:effectLst/>
-                        </a:rPr>
-                        <a:t>70.71</a:t>
-                      </a:r>
-                      <a:endParaRPr lang="zh-CN" sz="1050" kern="100" dirty="0">
+                        <a:rPr lang="en-US" sz="900" kern="100">
+                          <a:effectLst/>
+                        </a:rPr>
+                        <a:t>12.97</a:t>
+                      </a:r>
+                      <a:endParaRPr lang="zh-CN" sz="1050" kern="100">
                         <a:effectLst/>
                         <a:latin typeface="Times New Roman" panose="02020603050405020304" pitchFamily="18" charset="0"/>
                         <a:ea typeface="宋体" panose="02010600030101010101" pitchFamily="2" charset="-122"/>
@@ -7375,7 +7797,7 @@
                         <a:rPr lang="en-US" sz="900" kern="100">
                           <a:effectLst/>
                         </a:rPr>
-                        <a:t>-47.50</a:t>
+                        <a:t>-3.07</a:t>
                       </a:r>
                       <a:endParaRPr lang="zh-CN" sz="1050" kern="100">
                         <a:effectLst/>
@@ -7400,7 +7822,7 @@
                         <a:rPr lang="en-US" sz="900" kern="100">
                           <a:effectLst/>
                         </a:rPr>
-                        <a:t>36.06</a:t>
+                        <a:t>4.24</a:t>
                       </a:r>
                       <a:endParaRPr lang="zh-CN" sz="1050" kern="100">
                         <a:effectLst/>
@@ -7425,7 +7847,7 @@
                         <a:rPr lang="en-US" sz="900" kern="100">
                           <a:effectLst/>
                         </a:rPr>
-                        <a:t>38.17</a:t>
+                        <a:t>9.75</a:t>
                       </a:r>
                       <a:endParaRPr lang="zh-CN" sz="1050" kern="100">
                         <a:effectLst/>
@@ -7450,7 +7872,7 @@
                         <a:rPr lang="en-US" sz="900" kern="100">
                           <a:effectLst/>
                         </a:rPr>
-                        <a:t>-12.55</a:t>
+                        <a:t>-0.91</a:t>
                       </a:r>
                       <a:endParaRPr lang="zh-CN" sz="1050" kern="100">
                         <a:effectLst/>
@@ -7475,82 +7897,7 @@
                         <a:rPr lang="en-US" sz="900" kern="100">
                           <a:effectLst/>
                         </a:rPr>
-                        <a:t>15.39</a:t>
-                      </a:r>
-                      <a:endParaRPr lang="zh-CN" sz="1050" kern="100">
-                        <a:effectLst/>
-                        <a:latin typeface="Times New Roman" panose="02020603050405020304" pitchFamily="18" charset="0"/>
-                        <a:ea typeface="宋体" panose="02010600030101010101" pitchFamily="2" charset="-122"/>
-                      </a:endParaRPr>
-                    </a:p>
-                  </a:txBody>
-                  <a:tcPr marL="0" marR="0" marT="0" marB="0"/>
-                </a:tc>
-                <a:tc>
-                  <a:txBody>
-                    <a:bodyPr/>
-                    <a:lstStyle/>
-                    <a:p>
-                      <a:pPr algn="ctr">
-                        <a:spcAft>
-                          <a:spcPts val="0"/>
-                        </a:spcAft>
-                      </a:pPr>
-                      <a:r>
-                        <a:rPr lang="en-US" sz="900" kern="100">
-                          <a:effectLst/>
-                        </a:rPr>
-                        <a:t>19.99</a:t>
-                      </a:r>
-                      <a:endParaRPr lang="zh-CN" sz="1050" kern="100">
-                        <a:effectLst/>
-                        <a:latin typeface="Times New Roman" panose="02020603050405020304" pitchFamily="18" charset="0"/>
-                        <a:ea typeface="宋体" panose="02010600030101010101" pitchFamily="2" charset="-122"/>
-                      </a:endParaRPr>
-                    </a:p>
-                  </a:txBody>
-                  <a:tcPr marL="0" marR="0" marT="0" marB="0"/>
-                </a:tc>
-                <a:tc>
-                  <a:txBody>
-                    <a:bodyPr/>
-                    <a:lstStyle/>
-                    <a:p>
-                      <a:pPr algn="ctr">
-                        <a:spcAft>
-                          <a:spcPts val="0"/>
-                        </a:spcAft>
-                      </a:pPr>
-                      <a:r>
-                        <a:rPr lang="en-US" sz="900" kern="100">
-                          <a:effectLst/>
-                        </a:rPr>
-                        <a:t>5.12</a:t>
-                      </a:r>
-                      <a:endParaRPr lang="zh-CN" sz="1050" kern="100">
-                        <a:effectLst/>
-                        <a:latin typeface="Times New Roman" panose="02020603050405020304" pitchFamily="18" charset="0"/>
-                        <a:ea typeface="宋体" panose="02010600030101010101" pitchFamily="2" charset="-122"/>
-                      </a:endParaRPr>
-                    </a:p>
-                  </a:txBody>
-                  <a:tcPr marL="0" marR="0" marT="0" marB="0"/>
-                </a:tc>
-                <a:tc>
-                  <a:txBody>
-                    <a:bodyPr/>
-                    <a:lstStyle/>
-                    <a:p>
-                      <a:pPr algn="ctr">
-                        <a:spcAft>
-                          <a:spcPts val="0"/>
-                        </a:spcAft>
-                      </a:pPr>
-                      <a:r>
-                        <a:rPr lang="en-US" sz="900" kern="100">
-                          <a:effectLst/>
-                        </a:rPr>
-                        <a:t>15.15</a:t>
+                        <a:t>3.15</a:t>
                       </a:r>
                       <a:endParaRPr lang="zh-CN" sz="1050" kern="100">
                         <a:effectLst/>
@@ -7563,17 +7910,7 @@
                 </a:tc>
               </a:tr>
               <a:tr h="180340">
-                <a:tc vMerge="1">
-                  <a:txBody>
-                    <a:bodyPr/>
-                    <a:lstStyle/>
-                    <a:p>
-                      <a:endParaRPr lang="zh-CN" altLang="en-US"/>
-                    </a:p>
-                  </a:txBody>
-                  <a:tcPr/>
-                </a:tc>
-                <a:tc>
+                <a:tc rowSpan="2">
                   <a:txBody>
                     <a:bodyPr/>
                     <a:lstStyle/>
@@ -7587,10 +7924,16 @@
                         </a:spcAft>
                       </a:pPr>
                       <a:r>
+                        <a:rPr lang="zh-CN" sz="900" kern="0">
+                          <a:effectLst/>
+                        </a:rPr>
+                        <a:t>形式</a:t>
+                      </a:r>
+                      <a:r>
                         <a:rPr lang="en-US" sz="900" kern="0">
                           <a:effectLst/>
                         </a:rPr>
-                        <a:t>STGS4ER</a:t>
+                        <a:t>3</a:t>
                       </a:r>
                       <a:endParaRPr lang="zh-CN" sz="1050" kern="100">
                         <a:effectLst/>
@@ -7602,233 +7945,6 @@
                   <a:tcPr marL="0" marR="0" marT="0" marB="0" anchor="ctr"/>
                 </a:tc>
                 <a:tc>
-                  <a:txBody>
-                    <a:bodyPr/>
-                    <a:lstStyle/>
-                    <a:p>
-                      <a:pPr algn="ctr">
-                        <a:spcAft>
-                          <a:spcPts val="0"/>
-                        </a:spcAft>
-                      </a:pPr>
-                      <a:r>
-                        <a:rPr lang="en-US" sz="900" kern="100" dirty="0">
-                          <a:effectLst/>
-                        </a:rPr>
-                        <a:t>23.72</a:t>
-                      </a:r>
-                      <a:endParaRPr lang="zh-CN" sz="1050" kern="100" dirty="0">
-                        <a:effectLst/>
-                        <a:latin typeface="Times New Roman" panose="02020603050405020304" pitchFamily="18" charset="0"/>
-                        <a:ea typeface="宋体" panose="02010600030101010101" pitchFamily="2" charset="-122"/>
-                      </a:endParaRPr>
-                    </a:p>
-                  </a:txBody>
-                  <a:tcPr marL="0" marR="0" marT="0" marB="0"/>
-                </a:tc>
-                <a:tc>
-                  <a:txBody>
-                    <a:bodyPr/>
-                    <a:lstStyle/>
-                    <a:p>
-                      <a:pPr algn="ctr">
-                        <a:spcAft>
-                          <a:spcPts val="0"/>
-                        </a:spcAft>
-                      </a:pPr>
-                      <a:r>
-                        <a:rPr lang="en-US" sz="900" kern="100">
-                          <a:effectLst/>
-                        </a:rPr>
-                        <a:t>-34.04</a:t>
-                      </a:r>
-                      <a:endParaRPr lang="zh-CN" sz="1050" kern="100">
-                        <a:effectLst/>
-                        <a:latin typeface="Times New Roman" panose="02020603050405020304" pitchFamily="18" charset="0"/>
-                        <a:ea typeface="宋体" panose="02010600030101010101" pitchFamily="2" charset="-122"/>
-                      </a:endParaRPr>
-                    </a:p>
-                  </a:txBody>
-                  <a:tcPr marL="0" marR="0" marT="0" marB="0"/>
-                </a:tc>
-                <a:tc>
-                  <a:txBody>
-                    <a:bodyPr/>
-                    <a:lstStyle/>
-                    <a:p>
-                      <a:pPr algn="ctr">
-                        <a:spcAft>
-                          <a:spcPts val="0"/>
-                        </a:spcAft>
-                      </a:pPr>
-                      <a:r>
-                        <a:rPr lang="en-US" sz="900" kern="100">
-                          <a:effectLst/>
-                        </a:rPr>
-                        <a:t>20.54</a:t>
-                      </a:r>
-                      <a:endParaRPr lang="zh-CN" sz="1050" kern="100">
-                        <a:effectLst/>
-                        <a:latin typeface="Times New Roman" panose="02020603050405020304" pitchFamily="18" charset="0"/>
-                        <a:ea typeface="宋体" panose="02010600030101010101" pitchFamily="2" charset="-122"/>
-                      </a:endParaRPr>
-                    </a:p>
-                  </a:txBody>
-                  <a:tcPr marL="0" marR="0" marT="0" marB="0"/>
-                </a:tc>
-                <a:tc>
-                  <a:txBody>
-                    <a:bodyPr/>
-                    <a:lstStyle/>
-                    <a:p>
-                      <a:pPr algn="ctr">
-                        <a:spcAft>
-                          <a:spcPts val="0"/>
-                        </a:spcAft>
-                      </a:pPr>
-                      <a:r>
-                        <a:rPr lang="en-US" sz="900" kern="100">
-                          <a:effectLst/>
-                        </a:rPr>
-                        <a:t>17.90</a:t>
-                      </a:r>
-                      <a:endParaRPr lang="zh-CN" sz="1050" kern="100">
-                        <a:effectLst/>
-                        <a:latin typeface="Times New Roman" panose="02020603050405020304" pitchFamily="18" charset="0"/>
-                        <a:ea typeface="宋体" panose="02010600030101010101" pitchFamily="2" charset="-122"/>
-                      </a:endParaRPr>
-                    </a:p>
-                  </a:txBody>
-                  <a:tcPr marL="0" marR="0" marT="0" marB="0"/>
-                </a:tc>
-                <a:tc>
-                  <a:txBody>
-                    <a:bodyPr/>
-                    <a:lstStyle/>
-                    <a:p>
-                      <a:pPr algn="ctr">
-                        <a:spcAft>
-                          <a:spcPts val="0"/>
-                        </a:spcAft>
-                      </a:pPr>
-                      <a:r>
-                        <a:rPr lang="en-US" sz="900" kern="100">
-                          <a:effectLst/>
-                        </a:rPr>
-                        <a:t>-24.75</a:t>
-                      </a:r>
-                      <a:endParaRPr lang="zh-CN" sz="1050" kern="100">
-                        <a:effectLst/>
-                        <a:latin typeface="Times New Roman" panose="02020603050405020304" pitchFamily="18" charset="0"/>
-                        <a:ea typeface="宋体" panose="02010600030101010101" pitchFamily="2" charset="-122"/>
-                      </a:endParaRPr>
-                    </a:p>
-                  </a:txBody>
-                  <a:tcPr marL="0" marR="0" marT="0" marB="0"/>
-                </a:tc>
-                <a:tc>
-                  <a:txBody>
-                    <a:bodyPr/>
-                    <a:lstStyle/>
-                    <a:p>
-                      <a:pPr algn="ctr">
-                        <a:spcAft>
-                          <a:spcPts val="0"/>
-                        </a:spcAft>
-                      </a:pPr>
-                      <a:r>
-                        <a:rPr lang="en-US" sz="900" kern="100">
-                          <a:effectLst/>
-                        </a:rPr>
-                        <a:t>14.16</a:t>
-                      </a:r>
-                      <a:endParaRPr lang="zh-CN" sz="1050" kern="100">
-                        <a:effectLst/>
-                        <a:latin typeface="Times New Roman" panose="02020603050405020304" pitchFamily="18" charset="0"/>
-                        <a:ea typeface="宋体" panose="02010600030101010101" pitchFamily="2" charset="-122"/>
-                      </a:endParaRPr>
-                    </a:p>
-                  </a:txBody>
-                  <a:tcPr marL="0" marR="0" marT="0" marB="0"/>
-                </a:tc>
-                <a:tc>
-                  <a:txBody>
-                    <a:bodyPr/>
-                    <a:lstStyle/>
-                    <a:p>
-                      <a:pPr algn="ctr">
-                        <a:spcAft>
-                          <a:spcPts val="0"/>
-                        </a:spcAft>
-                      </a:pPr>
-                      <a:r>
-                        <a:rPr lang="en-US" sz="900" kern="100">
-                          <a:effectLst/>
-                        </a:rPr>
-                        <a:t>13.18</a:t>
-                      </a:r>
-                      <a:endParaRPr lang="zh-CN" sz="1050" kern="100">
-                        <a:effectLst/>
-                        <a:latin typeface="Times New Roman" panose="02020603050405020304" pitchFamily="18" charset="0"/>
-                        <a:ea typeface="宋体" panose="02010600030101010101" pitchFamily="2" charset="-122"/>
-                      </a:endParaRPr>
-                    </a:p>
-                  </a:txBody>
-                  <a:tcPr marL="0" marR="0" marT="0" marB="0"/>
-                </a:tc>
-                <a:tc>
-                  <a:txBody>
-                    <a:bodyPr/>
-                    <a:lstStyle/>
-                    <a:p>
-                      <a:pPr algn="ctr">
-                        <a:spcAft>
-                          <a:spcPts val="0"/>
-                        </a:spcAft>
-                      </a:pPr>
-                      <a:r>
-                        <a:rPr lang="en-US" sz="900" kern="100">
-                          <a:effectLst/>
-                        </a:rPr>
-                        <a:t>-18.02</a:t>
-                      </a:r>
-                      <a:endParaRPr lang="zh-CN" sz="1050" kern="100">
-                        <a:effectLst/>
-                        <a:latin typeface="Times New Roman" panose="02020603050405020304" pitchFamily="18" charset="0"/>
-                        <a:ea typeface="宋体" panose="02010600030101010101" pitchFamily="2" charset="-122"/>
-                      </a:endParaRPr>
-                    </a:p>
-                  </a:txBody>
-                  <a:tcPr marL="0" marR="0" marT="0" marB="0"/>
-                </a:tc>
-                <a:tc>
-                  <a:txBody>
-                    <a:bodyPr/>
-                    <a:lstStyle/>
-                    <a:p>
-                      <a:pPr algn="ctr">
-                        <a:spcAft>
-                          <a:spcPts val="0"/>
-                        </a:spcAft>
-                      </a:pPr>
-                      <a:r>
-                        <a:rPr lang="en-US" sz="900" kern="100">
-                          <a:effectLst/>
-                        </a:rPr>
-                        <a:t>10.16</a:t>
-                      </a:r>
-                      <a:endParaRPr lang="zh-CN" sz="1050" kern="100">
-                        <a:effectLst/>
-                        <a:latin typeface="Times New Roman" panose="02020603050405020304" pitchFamily="18" charset="0"/>
-                        <a:ea typeface="宋体" panose="02010600030101010101" pitchFamily="2" charset="-122"/>
-                      </a:endParaRPr>
-                    </a:p>
-                  </a:txBody>
-                  <a:tcPr marL="0" marR="0" marT="0" marB="0"/>
-                </a:tc>
-              </a:tr>
-              <a:tr h="180340">
-                <a:tc rowSpan="2">
                   <a:txBody>
                     <a:bodyPr/>
                     <a:lstStyle/>
@@ -7842,16 +7958,10 @@
                         </a:spcAft>
                       </a:pPr>
                       <a:r>
-                        <a:rPr lang="zh-CN" sz="900" kern="0">
-                          <a:effectLst/>
-                        </a:rPr>
-                        <a:t>形式</a:t>
-                      </a:r>
-                      <a:r>
                         <a:rPr lang="en-US" sz="900" kern="0">
                           <a:effectLst/>
                         </a:rPr>
-                        <a:t>2</a:t>
+                        <a:t>SGS</a:t>
                       </a:r>
                       <a:endParaRPr lang="zh-CN" sz="1050" kern="100">
                         <a:effectLst/>
@@ -7861,6 +7971,168 @@
                     </a:p>
                   </a:txBody>
                   <a:tcPr marL="0" marR="0" marT="0" marB="0" anchor="ctr"/>
+                </a:tc>
+                <a:tc>
+                  <a:txBody>
+                    <a:bodyPr/>
+                    <a:lstStyle/>
+                    <a:p>
+                      <a:pPr algn="ctr">
+                        <a:spcAft>
+                          <a:spcPts val="0"/>
+                        </a:spcAft>
+                      </a:pPr>
+                      <a:r>
+                        <a:rPr lang="en-US" sz="900" kern="100">
+                          <a:effectLst/>
+                        </a:rPr>
+                        <a:t>14.56</a:t>
+                      </a:r>
+                      <a:endParaRPr lang="zh-CN" sz="1050" kern="100">
+                        <a:effectLst/>
+                        <a:latin typeface="Times New Roman" panose="02020603050405020304" pitchFamily="18" charset="0"/>
+                        <a:ea typeface="宋体" panose="02010600030101010101" pitchFamily="2" charset="-122"/>
+                      </a:endParaRPr>
+                    </a:p>
+                  </a:txBody>
+                  <a:tcPr marL="0" marR="0" marT="0" marB="0"/>
+                </a:tc>
+                <a:tc>
+                  <a:txBody>
+                    <a:bodyPr/>
+                    <a:lstStyle/>
+                    <a:p>
+                      <a:pPr algn="ctr">
+                        <a:spcAft>
+                          <a:spcPts val="0"/>
+                        </a:spcAft>
+                      </a:pPr>
+                      <a:r>
+                        <a:rPr lang="en-US" sz="900" kern="100">
+                          <a:effectLst/>
+                        </a:rPr>
+                        <a:t>-20.86</a:t>
+                      </a:r>
+                      <a:endParaRPr lang="zh-CN" sz="1050" kern="100">
+                        <a:effectLst/>
+                        <a:latin typeface="Times New Roman" panose="02020603050405020304" pitchFamily="18" charset="0"/>
+                        <a:ea typeface="宋体" panose="02010600030101010101" pitchFamily="2" charset="-122"/>
+                      </a:endParaRPr>
+                    </a:p>
+                  </a:txBody>
+                  <a:tcPr marL="0" marR="0" marT="0" marB="0"/>
+                </a:tc>
+                <a:tc>
+                  <a:txBody>
+                    <a:bodyPr/>
+                    <a:lstStyle/>
+                    <a:p>
+                      <a:pPr algn="ctr">
+                        <a:spcAft>
+                          <a:spcPts val="0"/>
+                        </a:spcAft>
+                      </a:pPr>
+                      <a:r>
+                        <a:rPr lang="en-US" sz="900" kern="100">
+                          <a:effectLst/>
+                        </a:rPr>
+                        <a:t>11.65</a:t>
+                      </a:r>
+                      <a:endParaRPr lang="zh-CN" sz="1050" kern="100">
+                        <a:effectLst/>
+                        <a:latin typeface="Times New Roman" panose="02020603050405020304" pitchFamily="18" charset="0"/>
+                        <a:ea typeface="宋体" panose="02010600030101010101" pitchFamily="2" charset="-122"/>
+                      </a:endParaRPr>
+                    </a:p>
+                  </a:txBody>
+                  <a:tcPr marL="0" marR="0" marT="0" marB="0"/>
+                </a:tc>
+                <a:tc>
+                  <a:txBody>
+                    <a:bodyPr/>
+                    <a:lstStyle/>
+                    <a:p>
+                      <a:pPr algn="ctr">
+                        <a:spcAft>
+                          <a:spcPts val="0"/>
+                        </a:spcAft>
+                      </a:pPr>
+                      <a:r>
+                        <a:rPr lang="en-US" sz="900" kern="100">
+                          <a:effectLst/>
+                        </a:rPr>
+                        <a:t>27.04</a:t>
+                      </a:r>
+                      <a:endParaRPr lang="zh-CN" sz="1050" kern="100">
+                        <a:effectLst/>
+                        <a:latin typeface="Times New Roman" panose="02020603050405020304" pitchFamily="18" charset="0"/>
+                        <a:ea typeface="宋体" panose="02010600030101010101" pitchFamily="2" charset="-122"/>
+                      </a:endParaRPr>
+                    </a:p>
+                  </a:txBody>
+                  <a:tcPr marL="0" marR="0" marT="0" marB="0"/>
+                </a:tc>
+                <a:tc>
+                  <a:txBody>
+                    <a:bodyPr/>
+                    <a:lstStyle/>
+                    <a:p>
+                      <a:pPr algn="ctr">
+                        <a:spcAft>
+                          <a:spcPts val="0"/>
+                        </a:spcAft>
+                      </a:pPr>
+                      <a:r>
+                        <a:rPr lang="en-US" sz="900" kern="100">
+                          <a:effectLst/>
+                        </a:rPr>
+                        <a:t>-15.42</a:t>
+                      </a:r>
+                      <a:endParaRPr lang="zh-CN" sz="1050" kern="100">
+                        <a:effectLst/>
+                        <a:latin typeface="Times New Roman" panose="02020603050405020304" pitchFamily="18" charset="0"/>
+                        <a:ea typeface="宋体" panose="02010600030101010101" pitchFamily="2" charset="-122"/>
+                      </a:endParaRPr>
+                    </a:p>
+                  </a:txBody>
+                  <a:tcPr marL="0" marR="0" marT="0" marB="0"/>
+                </a:tc>
+                <a:tc>
+                  <a:txBody>
+                    <a:bodyPr/>
+                    <a:lstStyle/>
+                    <a:p>
+                      <a:pPr algn="ctr">
+                        <a:spcAft>
+                          <a:spcPts val="0"/>
+                        </a:spcAft>
+                      </a:pPr>
+                      <a:r>
+                        <a:rPr lang="en-US" sz="900" kern="100">
+                          <a:effectLst/>
+                        </a:rPr>
+                        <a:t>16.91</a:t>
+                      </a:r>
+                      <a:endParaRPr lang="zh-CN" sz="1050" kern="100">
+                        <a:effectLst/>
+                        <a:latin typeface="Times New Roman" panose="02020603050405020304" pitchFamily="18" charset="0"/>
+                        <a:ea typeface="宋体" panose="02010600030101010101" pitchFamily="2" charset="-122"/>
+                      </a:endParaRPr>
+                    </a:p>
+                  </a:txBody>
+                  <a:tcPr marL="0" marR="0" marT="0" marB="0"/>
+                </a:tc>
+              </a:tr>
+              <a:tr h="180340">
+                <a:tc vMerge="1">
+                  <a:txBody>
+                    <a:bodyPr/>
+                    <a:lstStyle/>
+                    <a:p>
+                      <a:endParaRPr lang="zh-CN" altLang="en-US"/>
+                    </a:p>
+                  </a:txBody>
+                  <a:tcPr/>
                 </a:tc>
                 <a:tc>
                   <a:txBody>
@@ -7879,7 +8151,7 @@
                         <a:rPr lang="en-US" sz="900" kern="0">
                           <a:effectLst/>
                         </a:rPr>
-                        <a:t>SGS</a:t>
+                        <a:t>STGS4ER</a:t>
                       </a:r>
                       <a:endParaRPr lang="zh-CN" sz="1050" kern="100">
                         <a:effectLst/>
@@ -7904,7 +8176,7 @@
                         <a:rPr lang="en-US" sz="900" kern="100">
                           <a:effectLst/>
                         </a:rPr>
-                        <a:t>32.23</a:t>
+                        <a:t>16.65</a:t>
                       </a:r>
                       <a:endParaRPr lang="zh-CN" sz="1050" kern="100">
                         <a:effectLst/>
@@ -7929,7 +8201,7 @@
                         <a:rPr lang="en-US" sz="900" kern="100">
                           <a:effectLst/>
                         </a:rPr>
-                        <a:t>-32.82</a:t>
+                        <a:t>0.43</a:t>
                       </a:r>
                       <a:endParaRPr lang="zh-CN" sz="1050" kern="100">
                         <a:effectLst/>
@@ -7954,7 +8226,7 @@
                         <a:rPr lang="en-US" sz="900" kern="100">
                           <a:effectLst/>
                         </a:rPr>
-                        <a:t>25.05</a:t>
+                        <a:t>9.09</a:t>
                       </a:r>
                       <a:endParaRPr lang="zh-CN" sz="1050" kern="100">
                         <a:effectLst/>
@@ -7979,7 +8251,7 @@
                         <a:rPr lang="en-US" sz="900" kern="100">
                           <a:effectLst/>
                         </a:rPr>
-                        <a:t>12.52</a:t>
+                        <a:t>12.50</a:t>
                       </a:r>
                       <a:endParaRPr lang="zh-CN" sz="1050" kern="100">
                         <a:effectLst/>
@@ -8004,7 +8276,7 @@
                         <a:rPr lang="en-US" sz="900" kern="100">
                           <a:effectLst/>
                         </a:rPr>
-                        <a:t>-19.86</a:t>
+                        <a:t>1.82</a:t>
                       </a:r>
                       <a:endParaRPr lang="zh-CN" sz="1050" kern="100">
                         <a:effectLst/>
@@ -8029,82 +8301,7 @@
                         <a:rPr lang="en-US" sz="900" kern="100">
                           <a:effectLst/>
                         </a:rPr>
-                        <a:t>12.40</a:t>
-                      </a:r>
-                      <a:endParaRPr lang="zh-CN" sz="1050" kern="100">
-                        <a:effectLst/>
-                        <a:latin typeface="Times New Roman" panose="02020603050405020304" pitchFamily="18" charset="0"/>
-                        <a:ea typeface="宋体" panose="02010600030101010101" pitchFamily="2" charset="-122"/>
-                      </a:endParaRPr>
-                    </a:p>
-                  </a:txBody>
-                  <a:tcPr marL="0" marR="0" marT="0" marB="0"/>
-                </a:tc>
-                <a:tc>
-                  <a:txBody>
-                    <a:bodyPr/>
-                    <a:lstStyle/>
-                    <a:p>
-                      <a:pPr algn="ctr">
-                        <a:spcAft>
-                          <a:spcPts val="0"/>
-                        </a:spcAft>
-                      </a:pPr>
-                      <a:r>
-                        <a:rPr lang="en-US" sz="900" kern="100">
-                          <a:effectLst/>
-                        </a:rPr>
-                        <a:t>34.53</a:t>
-                      </a:r>
-                      <a:endParaRPr lang="zh-CN" sz="1050" kern="100">
-                        <a:effectLst/>
-                        <a:latin typeface="Times New Roman" panose="02020603050405020304" pitchFamily="18" charset="0"/>
-                        <a:ea typeface="宋体" panose="02010600030101010101" pitchFamily="2" charset="-122"/>
-                      </a:endParaRPr>
-                    </a:p>
-                  </a:txBody>
-                  <a:tcPr marL="0" marR="0" marT="0" marB="0"/>
-                </a:tc>
-                <a:tc>
-                  <a:txBody>
-                    <a:bodyPr/>
-                    <a:lstStyle/>
-                    <a:p>
-                      <a:pPr algn="ctr">
-                        <a:spcAft>
-                          <a:spcPts val="0"/>
-                        </a:spcAft>
-                      </a:pPr>
-                      <a:r>
-                        <a:rPr lang="en-US" sz="900" kern="100">
-                          <a:effectLst/>
-                        </a:rPr>
-                        <a:t>-15.66</a:t>
-                      </a:r>
-                      <a:endParaRPr lang="zh-CN" sz="1050" kern="100">
-                        <a:effectLst/>
-                        <a:latin typeface="Times New Roman" panose="02020603050405020304" pitchFamily="18" charset="0"/>
-                        <a:ea typeface="宋体" panose="02010600030101010101" pitchFamily="2" charset="-122"/>
-                      </a:endParaRPr>
-                    </a:p>
-                  </a:txBody>
-                  <a:tcPr marL="0" marR="0" marT="0" marB="0"/>
-                </a:tc>
-                <a:tc>
-                  <a:txBody>
-                    <a:bodyPr/>
-                    <a:lstStyle/>
-                    <a:p>
-                      <a:pPr algn="ctr">
-                        <a:spcAft>
-                          <a:spcPts val="0"/>
-                        </a:spcAft>
-                      </a:pPr>
-                      <a:r>
-                        <a:rPr lang="en-US" sz="900" kern="100">
-                          <a:effectLst/>
-                        </a:rPr>
-                        <a:t>20.23</a:t>
+                        <a:t>6.95</a:t>
                       </a:r>
                       <a:endParaRPr lang="zh-CN" sz="1050" kern="100">
                         <a:effectLst/>
@@ -8117,17 +8314,7 @@
                 </a:tc>
               </a:tr>
               <a:tr h="180340">
-                <a:tc vMerge="1">
-                  <a:txBody>
-                    <a:bodyPr/>
-                    <a:lstStyle/>
-                    <a:p>
-                      <a:endParaRPr lang="zh-CN" altLang="en-US"/>
-                    </a:p>
-                  </a:txBody>
-                  <a:tcPr/>
-                </a:tc>
-                <a:tc>
+                <a:tc rowSpan="2">
                   <a:txBody>
                     <a:bodyPr/>
                     <a:lstStyle/>
@@ -8141,10 +8328,16 @@
                         </a:spcAft>
                       </a:pPr>
                       <a:r>
+                        <a:rPr lang="zh-CN" sz="900" kern="0">
+                          <a:effectLst/>
+                        </a:rPr>
+                        <a:t>形式</a:t>
+                      </a:r>
+                      <a:r>
                         <a:rPr lang="en-US" sz="900" kern="0">
                           <a:effectLst/>
                         </a:rPr>
-                        <a:t>STGS4ER</a:t>
+                        <a:t>4</a:t>
                       </a:r>
                       <a:endParaRPr lang="zh-CN" sz="1050" kern="100">
                         <a:effectLst/>
@@ -8156,233 +8349,6 @@
                   <a:tcPr marL="0" marR="0" marT="0" marB="0" anchor="ctr"/>
                 </a:tc>
                 <a:tc>
-                  <a:txBody>
-                    <a:bodyPr/>
-                    <a:lstStyle/>
-                    <a:p>
-                      <a:pPr algn="ctr">
-                        <a:spcAft>
-                          <a:spcPts val="0"/>
-                        </a:spcAft>
-                      </a:pPr>
-                      <a:r>
-                        <a:rPr lang="en-US" sz="900" kern="100">
-                          <a:effectLst/>
-                        </a:rPr>
-                        <a:t>16.44</a:t>
-                      </a:r>
-                      <a:endParaRPr lang="zh-CN" sz="1050" kern="100">
-                        <a:effectLst/>
-                        <a:latin typeface="Times New Roman" panose="02020603050405020304" pitchFamily="18" charset="0"/>
-                        <a:ea typeface="宋体" panose="02010600030101010101" pitchFamily="2" charset="-122"/>
-                      </a:endParaRPr>
-                    </a:p>
-                  </a:txBody>
-                  <a:tcPr marL="0" marR="0" marT="0" marB="0"/>
-                </a:tc>
-                <a:tc>
-                  <a:txBody>
-                    <a:bodyPr/>
-                    <a:lstStyle/>
-                    <a:p>
-                      <a:pPr algn="ctr">
-                        <a:spcAft>
-                          <a:spcPts val="0"/>
-                        </a:spcAft>
-                      </a:pPr>
-                      <a:r>
-                        <a:rPr lang="en-US" sz="900" kern="100">
-                          <a:effectLst/>
-                        </a:rPr>
-                        <a:t>-9.03</a:t>
-                      </a:r>
-                      <a:endParaRPr lang="zh-CN" sz="1050" kern="100">
-                        <a:effectLst/>
-                        <a:latin typeface="Times New Roman" panose="02020603050405020304" pitchFamily="18" charset="0"/>
-                        <a:ea typeface="宋体" panose="02010600030101010101" pitchFamily="2" charset="-122"/>
-                      </a:endParaRPr>
-                    </a:p>
-                  </a:txBody>
-                  <a:tcPr marL="0" marR="0" marT="0" marB="0"/>
-                </a:tc>
-                <a:tc>
-                  <a:txBody>
-                    <a:bodyPr/>
-                    <a:lstStyle/>
-                    <a:p>
-                      <a:pPr algn="ctr">
-                        <a:spcAft>
-                          <a:spcPts val="0"/>
-                        </a:spcAft>
-                      </a:pPr>
-                      <a:r>
-                        <a:rPr lang="en-US" sz="900" kern="100">
-                          <a:effectLst/>
-                        </a:rPr>
-                        <a:t>6.70</a:t>
-                      </a:r>
-                      <a:endParaRPr lang="zh-CN" sz="1050" kern="100">
-                        <a:effectLst/>
-                        <a:latin typeface="Times New Roman" panose="02020603050405020304" pitchFamily="18" charset="0"/>
-                        <a:ea typeface="宋体" panose="02010600030101010101" pitchFamily="2" charset="-122"/>
-                      </a:endParaRPr>
-                    </a:p>
-                  </a:txBody>
-                  <a:tcPr marL="0" marR="0" marT="0" marB="0"/>
-                </a:tc>
-                <a:tc>
-                  <a:txBody>
-                    <a:bodyPr/>
-                    <a:lstStyle/>
-                    <a:p>
-                      <a:pPr algn="ctr">
-                        <a:spcAft>
-                          <a:spcPts val="0"/>
-                        </a:spcAft>
-                      </a:pPr>
-                      <a:r>
-                        <a:rPr lang="en-US" sz="900" kern="100">
-                          <a:effectLst/>
-                        </a:rPr>
-                        <a:t>12.97</a:t>
-                      </a:r>
-                      <a:endParaRPr lang="zh-CN" sz="1050" kern="100">
-                        <a:effectLst/>
-                        <a:latin typeface="Times New Roman" panose="02020603050405020304" pitchFamily="18" charset="0"/>
-                        <a:ea typeface="宋体" panose="02010600030101010101" pitchFamily="2" charset="-122"/>
-                      </a:endParaRPr>
-                    </a:p>
-                  </a:txBody>
-                  <a:tcPr marL="0" marR="0" marT="0" marB="0"/>
-                </a:tc>
-                <a:tc>
-                  <a:txBody>
-                    <a:bodyPr/>
-                    <a:lstStyle/>
-                    <a:p>
-                      <a:pPr algn="ctr">
-                        <a:spcAft>
-                          <a:spcPts val="0"/>
-                        </a:spcAft>
-                      </a:pPr>
-                      <a:r>
-                        <a:rPr lang="en-US" sz="900" kern="100">
-                          <a:effectLst/>
-                        </a:rPr>
-                        <a:t>-3.07</a:t>
-                      </a:r>
-                      <a:endParaRPr lang="zh-CN" sz="1050" kern="100">
-                        <a:effectLst/>
-                        <a:latin typeface="Times New Roman" panose="02020603050405020304" pitchFamily="18" charset="0"/>
-                        <a:ea typeface="宋体" panose="02010600030101010101" pitchFamily="2" charset="-122"/>
-                      </a:endParaRPr>
-                    </a:p>
-                  </a:txBody>
-                  <a:tcPr marL="0" marR="0" marT="0" marB="0"/>
-                </a:tc>
-                <a:tc>
-                  <a:txBody>
-                    <a:bodyPr/>
-                    <a:lstStyle/>
-                    <a:p>
-                      <a:pPr algn="ctr">
-                        <a:spcAft>
-                          <a:spcPts val="0"/>
-                        </a:spcAft>
-                      </a:pPr>
-                      <a:r>
-                        <a:rPr lang="en-US" sz="900" kern="100">
-                          <a:effectLst/>
-                        </a:rPr>
-                        <a:t>4.24</a:t>
-                      </a:r>
-                      <a:endParaRPr lang="zh-CN" sz="1050" kern="100">
-                        <a:effectLst/>
-                        <a:latin typeface="Times New Roman" panose="02020603050405020304" pitchFamily="18" charset="0"/>
-                        <a:ea typeface="宋体" panose="02010600030101010101" pitchFamily="2" charset="-122"/>
-                      </a:endParaRPr>
-                    </a:p>
-                  </a:txBody>
-                  <a:tcPr marL="0" marR="0" marT="0" marB="0"/>
-                </a:tc>
-                <a:tc>
-                  <a:txBody>
-                    <a:bodyPr/>
-                    <a:lstStyle/>
-                    <a:p>
-                      <a:pPr algn="ctr">
-                        <a:spcAft>
-                          <a:spcPts val="0"/>
-                        </a:spcAft>
-                      </a:pPr>
-                      <a:r>
-                        <a:rPr lang="en-US" sz="900" kern="100">
-                          <a:effectLst/>
-                        </a:rPr>
-                        <a:t>9.75</a:t>
-                      </a:r>
-                      <a:endParaRPr lang="zh-CN" sz="1050" kern="100">
-                        <a:effectLst/>
-                        <a:latin typeface="Times New Roman" panose="02020603050405020304" pitchFamily="18" charset="0"/>
-                        <a:ea typeface="宋体" panose="02010600030101010101" pitchFamily="2" charset="-122"/>
-                      </a:endParaRPr>
-                    </a:p>
-                  </a:txBody>
-                  <a:tcPr marL="0" marR="0" marT="0" marB="0"/>
-                </a:tc>
-                <a:tc>
-                  <a:txBody>
-                    <a:bodyPr/>
-                    <a:lstStyle/>
-                    <a:p>
-                      <a:pPr algn="ctr">
-                        <a:spcAft>
-                          <a:spcPts val="0"/>
-                        </a:spcAft>
-                      </a:pPr>
-                      <a:r>
-                        <a:rPr lang="en-US" sz="900" kern="100">
-                          <a:effectLst/>
-                        </a:rPr>
-                        <a:t>-0.91</a:t>
-                      </a:r>
-                      <a:endParaRPr lang="zh-CN" sz="1050" kern="100">
-                        <a:effectLst/>
-                        <a:latin typeface="Times New Roman" panose="02020603050405020304" pitchFamily="18" charset="0"/>
-                        <a:ea typeface="宋体" panose="02010600030101010101" pitchFamily="2" charset="-122"/>
-                      </a:endParaRPr>
-                    </a:p>
-                  </a:txBody>
-                  <a:tcPr marL="0" marR="0" marT="0" marB="0"/>
-                </a:tc>
-                <a:tc>
-                  <a:txBody>
-                    <a:bodyPr/>
-                    <a:lstStyle/>
-                    <a:p>
-                      <a:pPr algn="ctr">
-                        <a:spcAft>
-                          <a:spcPts val="0"/>
-                        </a:spcAft>
-                      </a:pPr>
-                      <a:r>
-                        <a:rPr lang="en-US" sz="900" kern="100">
-                          <a:effectLst/>
-                        </a:rPr>
-                        <a:t>3.15</a:t>
-                      </a:r>
-                      <a:endParaRPr lang="zh-CN" sz="1050" kern="100">
-                        <a:effectLst/>
-                        <a:latin typeface="Times New Roman" panose="02020603050405020304" pitchFamily="18" charset="0"/>
-                        <a:ea typeface="宋体" panose="02010600030101010101" pitchFamily="2" charset="-122"/>
-                      </a:endParaRPr>
-                    </a:p>
-                  </a:txBody>
-                  <a:tcPr marL="0" marR="0" marT="0" marB="0"/>
-                </a:tc>
-              </a:tr>
-              <a:tr h="180340">
-                <a:tc rowSpan="2">
                   <a:txBody>
                     <a:bodyPr/>
                     <a:lstStyle/>
@@ -8396,16 +8362,10 @@
                         </a:spcAft>
                       </a:pPr>
                       <a:r>
-                        <a:rPr lang="zh-CN" sz="900" kern="0">
-                          <a:effectLst/>
-                        </a:rPr>
-                        <a:t>形式</a:t>
-                      </a:r>
-                      <a:r>
                         <a:rPr lang="en-US" sz="900" kern="0">
                           <a:effectLst/>
                         </a:rPr>
-                        <a:t>3</a:t>
+                        <a:t>SGS</a:t>
                       </a:r>
                       <a:endParaRPr lang="zh-CN" sz="1050" kern="100">
                         <a:effectLst/>
@@ -8415,6 +8375,168 @@
                     </a:p>
                   </a:txBody>
                   <a:tcPr marL="0" marR="0" marT="0" marB="0" anchor="ctr"/>
+                </a:tc>
+                <a:tc>
+                  <a:txBody>
+                    <a:bodyPr/>
+                    <a:lstStyle/>
+                    <a:p>
+                      <a:pPr algn="ctr">
+                        <a:spcAft>
+                          <a:spcPts val="0"/>
+                        </a:spcAft>
+                      </a:pPr>
+                      <a:r>
+                        <a:rPr lang="en-US" sz="900" kern="100">
+                          <a:effectLst/>
+                        </a:rPr>
+                        <a:t>19.19</a:t>
+                      </a:r>
+                      <a:endParaRPr lang="zh-CN" sz="1050" kern="100">
+                        <a:effectLst/>
+                        <a:latin typeface="Times New Roman" panose="02020603050405020304" pitchFamily="18" charset="0"/>
+                        <a:ea typeface="宋体" panose="02010600030101010101" pitchFamily="2" charset="-122"/>
+                      </a:endParaRPr>
+                    </a:p>
+                  </a:txBody>
+                  <a:tcPr marL="0" marR="0" marT="0" marB="0"/>
+                </a:tc>
+                <a:tc>
+                  <a:txBody>
+                    <a:bodyPr/>
+                    <a:lstStyle/>
+                    <a:p>
+                      <a:pPr algn="ctr">
+                        <a:spcAft>
+                          <a:spcPts val="0"/>
+                        </a:spcAft>
+                      </a:pPr>
+                      <a:r>
+                        <a:rPr lang="en-US" sz="900" kern="100">
+                          <a:effectLst/>
+                        </a:rPr>
+                        <a:t>-4.99</a:t>
+                      </a:r>
+                      <a:endParaRPr lang="zh-CN" sz="1050" kern="100">
+                        <a:effectLst/>
+                        <a:latin typeface="Times New Roman" panose="02020603050405020304" pitchFamily="18" charset="0"/>
+                        <a:ea typeface="宋体" panose="02010600030101010101" pitchFamily="2" charset="-122"/>
+                      </a:endParaRPr>
+                    </a:p>
+                  </a:txBody>
+                  <a:tcPr marL="0" marR="0" marT="0" marB="0"/>
+                </a:tc>
+                <a:tc>
+                  <a:txBody>
+                    <a:bodyPr/>
+                    <a:lstStyle/>
+                    <a:p>
+                      <a:pPr algn="ctr">
+                        <a:spcAft>
+                          <a:spcPts val="0"/>
+                        </a:spcAft>
+                      </a:pPr>
+                      <a:r>
+                        <a:rPr lang="en-US" sz="900" kern="100">
+                          <a:effectLst/>
+                        </a:rPr>
+                        <a:t>7.86</a:t>
+                      </a:r>
+                      <a:endParaRPr lang="zh-CN" sz="1050" kern="100">
+                        <a:effectLst/>
+                        <a:latin typeface="Times New Roman" panose="02020603050405020304" pitchFamily="18" charset="0"/>
+                        <a:ea typeface="宋体" panose="02010600030101010101" pitchFamily="2" charset="-122"/>
+                      </a:endParaRPr>
+                    </a:p>
+                  </a:txBody>
+                  <a:tcPr marL="0" marR="0" marT="0" marB="0"/>
+                </a:tc>
+                <a:tc>
+                  <a:txBody>
+                    <a:bodyPr/>
+                    <a:lstStyle/>
+                    <a:p>
+                      <a:pPr algn="ctr">
+                        <a:spcAft>
+                          <a:spcPts val="0"/>
+                        </a:spcAft>
+                      </a:pPr>
+                      <a:r>
+                        <a:rPr lang="en-US" sz="900" kern="100">
+                          <a:effectLst/>
+                        </a:rPr>
+                        <a:t>31.17</a:t>
+                      </a:r>
+                      <a:endParaRPr lang="zh-CN" sz="1050" kern="100">
+                        <a:effectLst/>
+                        <a:latin typeface="Times New Roman" panose="02020603050405020304" pitchFamily="18" charset="0"/>
+                        <a:ea typeface="宋体" panose="02010600030101010101" pitchFamily="2" charset="-122"/>
+                      </a:endParaRPr>
+                    </a:p>
+                  </a:txBody>
+                  <a:tcPr marL="0" marR="0" marT="0" marB="0"/>
+                </a:tc>
+                <a:tc>
+                  <a:txBody>
+                    <a:bodyPr/>
+                    <a:lstStyle/>
+                    <a:p>
+                      <a:pPr algn="ctr">
+                        <a:spcAft>
+                          <a:spcPts val="0"/>
+                        </a:spcAft>
+                      </a:pPr>
+                      <a:r>
+                        <a:rPr lang="en-US" sz="900" kern="100">
+                          <a:effectLst/>
+                        </a:rPr>
+                        <a:t>-5.93</a:t>
+                      </a:r>
+                      <a:endParaRPr lang="zh-CN" sz="1050" kern="100">
+                        <a:effectLst/>
+                        <a:latin typeface="Times New Roman" panose="02020603050405020304" pitchFamily="18" charset="0"/>
+                        <a:ea typeface="宋体" panose="02010600030101010101" pitchFamily="2" charset="-122"/>
+                      </a:endParaRPr>
+                    </a:p>
+                  </a:txBody>
+                  <a:tcPr marL="0" marR="0" marT="0" marB="0"/>
+                </a:tc>
+                <a:tc>
+                  <a:txBody>
+                    <a:bodyPr/>
+                    <a:lstStyle/>
+                    <a:p>
+                      <a:pPr algn="ctr">
+                        <a:spcAft>
+                          <a:spcPts val="0"/>
+                        </a:spcAft>
+                      </a:pPr>
+                      <a:r>
+                        <a:rPr lang="en-US" sz="900" kern="100">
+                          <a:effectLst/>
+                        </a:rPr>
+                        <a:t>18.90</a:t>
+                      </a:r>
+                      <a:endParaRPr lang="zh-CN" sz="1050" kern="100">
+                        <a:effectLst/>
+                        <a:latin typeface="Times New Roman" panose="02020603050405020304" pitchFamily="18" charset="0"/>
+                        <a:ea typeface="宋体" panose="02010600030101010101" pitchFamily="2" charset="-122"/>
+                      </a:endParaRPr>
+                    </a:p>
+                  </a:txBody>
+                  <a:tcPr marL="0" marR="0" marT="0" marB="0"/>
+                </a:tc>
+              </a:tr>
+              <a:tr h="180340">
+                <a:tc vMerge="1">
+                  <a:txBody>
+                    <a:bodyPr/>
+                    <a:lstStyle/>
+                    <a:p>
+                      <a:endParaRPr lang="zh-CN" altLang="en-US"/>
+                    </a:p>
+                  </a:txBody>
+                  <a:tcPr/>
                 </a:tc>
                 <a:tc>
                   <a:txBody>
@@ -8433,7 +8555,7 @@
                         <a:rPr lang="en-US" sz="900" kern="0">
                           <a:effectLst/>
                         </a:rPr>
-                        <a:t>SGS</a:t>
+                        <a:t>STGS4ER</a:t>
                       </a:r>
                       <a:endParaRPr lang="zh-CN" sz="1050" kern="100">
                         <a:effectLst/>
@@ -8443,900 +8565,6 @@
                     </a:p>
                   </a:txBody>
                   <a:tcPr marL="0" marR="0" marT="0" marB="0" anchor="ctr"/>
-                </a:tc>
-                <a:tc>
-                  <a:txBody>
-                    <a:bodyPr/>
-                    <a:lstStyle/>
-                    <a:p>
-                      <a:pPr algn="ctr">
-                        <a:spcAft>
-                          <a:spcPts val="0"/>
-                        </a:spcAft>
-                      </a:pPr>
-                      <a:r>
-                        <a:rPr lang="en-US" sz="900" kern="100">
-                          <a:effectLst/>
-                        </a:rPr>
-                        <a:t>36.31</a:t>
-                      </a:r>
-                      <a:endParaRPr lang="zh-CN" sz="1050" kern="100">
-                        <a:effectLst/>
-                        <a:latin typeface="Times New Roman" panose="02020603050405020304" pitchFamily="18" charset="0"/>
-                        <a:ea typeface="宋体" panose="02010600030101010101" pitchFamily="2" charset="-122"/>
-                      </a:endParaRPr>
-                    </a:p>
-                  </a:txBody>
-                  <a:tcPr marL="0" marR="0" marT="0" marB="0"/>
-                </a:tc>
-                <a:tc>
-                  <a:txBody>
-                    <a:bodyPr/>
-                    <a:lstStyle/>
-                    <a:p>
-                      <a:pPr algn="ctr">
-                        <a:spcAft>
-                          <a:spcPts val="0"/>
-                        </a:spcAft>
-                      </a:pPr>
-                      <a:r>
-                        <a:rPr lang="en-US" sz="900" kern="100">
-                          <a:effectLst/>
-                        </a:rPr>
-                        <a:t>-33.83</a:t>
-                      </a:r>
-                      <a:endParaRPr lang="zh-CN" sz="1050" kern="100">
-                        <a:effectLst/>
-                        <a:latin typeface="Times New Roman" panose="02020603050405020304" pitchFamily="18" charset="0"/>
-                        <a:ea typeface="宋体" panose="02010600030101010101" pitchFamily="2" charset="-122"/>
-                      </a:endParaRPr>
-                    </a:p>
-                  </a:txBody>
-                  <a:tcPr marL="0" marR="0" marT="0" marB="0"/>
-                </a:tc>
-                <a:tc>
-                  <a:txBody>
-                    <a:bodyPr/>
-                    <a:lstStyle/>
-                    <a:p>
-                      <a:pPr algn="ctr">
-                        <a:spcAft>
-                          <a:spcPts val="0"/>
-                        </a:spcAft>
-                      </a:pPr>
-                      <a:r>
-                        <a:rPr lang="en-US" sz="900" kern="100">
-                          <a:effectLst/>
-                        </a:rPr>
-                        <a:t>27.93</a:t>
-                      </a:r>
-                      <a:endParaRPr lang="zh-CN" sz="1050" kern="100">
-                        <a:effectLst/>
-                        <a:latin typeface="Times New Roman" panose="02020603050405020304" pitchFamily="18" charset="0"/>
-                        <a:ea typeface="宋体" panose="02010600030101010101" pitchFamily="2" charset="-122"/>
-                      </a:endParaRPr>
-                    </a:p>
-                  </a:txBody>
-                  <a:tcPr marL="0" marR="0" marT="0" marB="0"/>
-                </a:tc>
-                <a:tc>
-                  <a:txBody>
-                    <a:bodyPr/>
-                    <a:lstStyle/>
-                    <a:p>
-                      <a:pPr algn="ctr">
-                        <a:spcAft>
-                          <a:spcPts val="0"/>
-                        </a:spcAft>
-                      </a:pPr>
-                      <a:r>
-                        <a:rPr lang="en-US" sz="900" kern="100">
-                          <a:effectLst/>
-                        </a:rPr>
-                        <a:t>14.56</a:t>
-                      </a:r>
-                      <a:endParaRPr lang="zh-CN" sz="1050" kern="100">
-                        <a:effectLst/>
-                        <a:latin typeface="Times New Roman" panose="02020603050405020304" pitchFamily="18" charset="0"/>
-                        <a:ea typeface="宋体" panose="02010600030101010101" pitchFamily="2" charset="-122"/>
-                      </a:endParaRPr>
-                    </a:p>
-                  </a:txBody>
-                  <a:tcPr marL="0" marR="0" marT="0" marB="0"/>
-                </a:tc>
-                <a:tc>
-                  <a:txBody>
-                    <a:bodyPr/>
-                    <a:lstStyle/>
-                    <a:p>
-                      <a:pPr algn="ctr">
-                        <a:spcAft>
-                          <a:spcPts val="0"/>
-                        </a:spcAft>
-                      </a:pPr>
-                      <a:r>
-                        <a:rPr lang="en-US" sz="900" kern="100">
-                          <a:effectLst/>
-                        </a:rPr>
-                        <a:t>-20.86</a:t>
-                      </a:r>
-                      <a:endParaRPr lang="zh-CN" sz="1050" kern="100">
-                        <a:effectLst/>
-                        <a:latin typeface="Times New Roman" panose="02020603050405020304" pitchFamily="18" charset="0"/>
-                        <a:ea typeface="宋体" panose="02010600030101010101" pitchFamily="2" charset="-122"/>
-                      </a:endParaRPr>
-                    </a:p>
-                  </a:txBody>
-                  <a:tcPr marL="0" marR="0" marT="0" marB="0"/>
-                </a:tc>
-                <a:tc>
-                  <a:txBody>
-                    <a:bodyPr/>
-                    <a:lstStyle/>
-                    <a:p>
-                      <a:pPr algn="ctr">
-                        <a:spcAft>
-                          <a:spcPts val="0"/>
-                        </a:spcAft>
-                      </a:pPr>
-                      <a:r>
-                        <a:rPr lang="en-US" sz="900" kern="100">
-                          <a:effectLst/>
-                        </a:rPr>
-                        <a:t>11.65</a:t>
-                      </a:r>
-                      <a:endParaRPr lang="zh-CN" sz="1050" kern="100">
-                        <a:effectLst/>
-                        <a:latin typeface="Times New Roman" panose="02020603050405020304" pitchFamily="18" charset="0"/>
-                        <a:ea typeface="宋体" panose="02010600030101010101" pitchFamily="2" charset="-122"/>
-                      </a:endParaRPr>
-                    </a:p>
-                  </a:txBody>
-                  <a:tcPr marL="0" marR="0" marT="0" marB="0"/>
-                </a:tc>
-                <a:tc>
-                  <a:txBody>
-                    <a:bodyPr/>
-                    <a:lstStyle/>
-                    <a:p>
-                      <a:pPr algn="ctr">
-                        <a:spcAft>
-                          <a:spcPts val="0"/>
-                        </a:spcAft>
-                      </a:pPr>
-                      <a:r>
-                        <a:rPr lang="en-US" sz="900" kern="100">
-                          <a:effectLst/>
-                        </a:rPr>
-                        <a:t>27.04</a:t>
-                      </a:r>
-                      <a:endParaRPr lang="zh-CN" sz="1050" kern="100">
-                        <a:effectLst/>
-                        <a:latin typeface="Times New Roman" panose="02020603050405020304" pitchFamily="18" charset="0"/>
-                        <a:ea typeface="宋体" panose="02010600030101010101" pitchFamily="2" charset="-122"/>
-                      </a:endParaRPr>
-                    </a:p>
-                  </a:txBody>
-                  <a:tcPr marL="0" marR="0" marT="0" marB="0"/>
-                </a:tc>
-                <a:tc>
-                  <a:txBody>
-                    <a:bodyPr/>
-                    <a:lstStyle/>
-                    <a:p>
-                      <a:pPr algn="ctr">
-                        <a:spcAft>
-                          <a:spcPts val="0"/>
-                        </a:spcAft>
-                      </a:pPr>
-                      <a:r>
-                        <a:rPr lang="en-US" sz="900" kern="100">
-                          <a:effectLst/>
-                        </a:rPr>
-                        <a:t>-15.42</a:t>
-                      </a:r>
-                      <a:endParaRPr lang="zh-CN" sz="1050" kern="100">
-                        <a:effectLst/>
-                        <a:latin typeface="Times New Roman" panose="02020603050405020304" pitchFamily="18" charset="0"/>
-                        <a:ea typeface="宋体" panose="02010600030101010101" pitchFamily="2" charset="-122"/>
-                      </a:endParaRPr>
-                    </a:p>
-                  </a:txBody>
-                  <a:tcPr marL="0" marR="0" marT="0" marB="0"/>
-                </a:tc>
-                <a:tc>
-                  <a:txBody>
-                    <a:bodyPr/>
-                    <a:lstStyle/>
-                    <a:p>
-                      <a:pPr algn="ctr">
-                        <a:spcAft>
-                          <a:spcPts val="0"/>
-                        </a:spcAft>
-                      </a:pPr>
-                      <a:r>
-                        <a:rPr lang="en-US" sz="900" kern="100">
-                          <a:effectLst/>
-                        </a:rPr>
-                        <a:t>16.91</a:t>
-                      </a:r>
-                      <a:endParaRPr lang="zh-CN" sz="1050" kern="100">
-                        <a:effectLst/>
-                        <a:latin typeface="Times New Roman" panose="02020603050405020304" pitchFamily="18" charset="0"/>
-                        <a:ea typeface="宋体" panose="02010600030101010101" pitchFamily="2" charset="-122"/>
-                      </a:endParaRPr>
-                    </a:p>
-                  </a:txBody>
-                  <a:tcPr marL="0" marR="0" marT="0" marB="0"/>
-                </a:tc>
-              </a:tr>
-              <a:tr h="180340">
-                <a:tc vMerge="1">
-                  <a:txBody>
-                    <a:bodyPr/>
-                    <a:lstStyle/>
-                    <a:p>
-                      <a:endParaRPr lang="zh-CN" altLang="en-US"/>
-                    </a:p>
-                  </a:txBody>
-                  <a:tcPr/>
-                </a:tc>
-                <a:tc>
-                  <a:txBody>
-                    <a:bodyPr/>
-                    <a:lstStyle/>
-                    <a:p>
-                      <a:pPr algn="ctr" fontAlgn="ctr">
-                        <a:lnSpc>
-                          <a:spcPts val="1500"/>
-                        </a:lnSpc>
-                        <a:spcAft>
-                          <a:spcPts val="0"/>
-                        </a:spcAft>
-                      </a:pPr>
-                      <a:r>
-                        <a:rPr lang="en-US" sz="900" kern="0">
-                          <a:effectLst/>
-                        </a:rPr>
-                        <a:t>STGS4ER</a:t>
-                      </a:r>
-                      <a:endParaRPr lang="zh-CN" sz="1050" kern="100">
-                        <a:effectLst/>
-                        <a:latin typeface="Times New Roman" panose="02020603050405020304" pitchFamily="18" charset="0"/>
-                        <a:ea typeface="宋体" panose="02010600030101010101" pitchFamily="2" charset="-122"/>
-                      </a:endParaRPr>
-                    </a:p>
-                  </a:txBody>
-                  <a:tcPr marL="0" marR="0" marT="0" marB="0" anchor="ctr"/>
-                </a:tc>
-                <a:tc>
-                  <a:txBody>
-                    <a:bodyPr/>
-                    <a:lstStyle/>
-                    <a:p>
-                      <a:pPr algn="ctr">
-                        <a:spcAft>
-                          <a:spcPts val="0"/>
-                        </a:spcAft>
-                      </a:pPr>
-                      <a:r>
-                        <a:rPr lang="en-US" sz="900" kern="100">
-                          <a:effectLst/>
-                        </a:rPr>
-                        <a:t>21.30</a:t>
-                      </a:r>
-                      <a:endParaRPr lang="zh-CN" sz="1050" kern="100">
-                        <a:effectLst/>
-                        <a:latin typeface="Times New Roman" panose="02020603050405020304" pitchFamily="18" charset="0"/>
-                        <a:ea typeface="宋体" panose="02010600030101010101" pitchFamily="2" charset="-122"/>
-                      </a:endParaRPr>
-                    </a:p>
-                  </a:txBody>
-                  <a:tcPr marL="0" marR="0" marT="0" marB="0"/>
-                </a:tc>
-                <a:tc>
-                  <a:txBody>
-                    <a:bodyPr/>
-                    <a:lstStyle/>
-                    <a:p>
-                      <a:pPr algn="ctr">
-                        <a:spcAft>
-                          <a:spcPts val="0"/>
-                        </a:spcAft>
-                      </a:pPr>
-                      <a:r>
-                        <a:rPr lang="en-US" sz="900" kern="100">
-                          <a:effectLst/>
-                        </a:rPr>
-                        <a:t>-2.57</a:t>
-                      </a:r>
-                      <a:endParaRPr lang="zh-CN" sz="1050" kern="100">
-                        <a:effectLst/>
-                        <a:latin typeface="Times New Roman" panose="02020603050405020304" pitchFamily="18" charset="0"/>
-                        <a:ea typeface="宋体" panose="02010600030101010101" pitchFamily="2" charset="-122"/>
-                      </a:endParaRPr>
-                    </a:p>
-                  </a:txBody>
-                  <a:tcPr marL="0" marR="0" marT="0" marB="0"/>
-                </a:tc>
-                <a:tc>
-                  <a:txBody>
-                    <a:bodyPr/>
-                    <a:lstStyle/>
-                    <a:p>
-                      <a:pPr algn="ctr">
-                        <a:spcAft>
-                          <a:spcPts val="0"/>
-                        </a:spcAft>
-                      </a:pPr>
-                      <a:r>
-                        <a:rPr lang="en-US" sz="900" kern="100">
-                          <a:effectLst/>
-                        </a:rPr>
-                        <a:t>12.12</a:t>
-                      </a:r>
-                      <a:endParaRPr lang="zh-CN" sz="1050" kern="100">
-                        <a:effectLst/>
-                        <a:latin typeface="Times New Roman" panose="02020603050405020304" pitchFamily="18" charset="0"/>
-                        <a:ea typeface="宋体" panose="02010600030101010101" pitchFamily="2" charset="-122"/>
-                      </a:endParaRPr>
-                    </a:p>
-                  </a:txBody>
-                  <a:tcPr marL="0" marR="0" marT="0" marB="0"/>
-                </a:tc>
-                <a:tc>
-                  <a:txBody>
-                    <a:bodyPr/>
-                    <a:lstStyle/>
-                    <a:p>
-                      <a:pPr algn="ctr">
-                        <a:spcAft>
-                          <a:spcPts val="0"/>
-                        </a:spcAft>
-                      </a:pPr>
-                      <a:r>
-                        <a:rPr lang="en-US" sz="900" kern="100">
-                          <a:effectLst/>
-                        </a:rPr>
-                        <a:t>16.65</a:t>
-                      </a:r>
-                      <a:endParaRPr lang="zh-CN" sz="1050" kern="100">
-                        <a:effectLst/>
-                        <a:latin typeface="Times New Roman" panose="02020603050405020304" pitchFamily="18" charset="0"/>
-                        <a:ea typeface="宋体" panose="02010600030101010101" pitchFamily="2" charset="-122"/>
-                      </a:endParaRPr>
-                    </a:p>
-                  </a:txBody>
-                  <a:tcPr marL="0" marR="0" marT="0" marB="0"/>
-                </a:tc>
-                <a:tc>
-                  <a:txBody>
-                    <a:bodyPr/>
-                    <a:lstStyle/>
-                    <a:p>
-                      <a:pPr algn="ctr">
-                        <a:spcAft>
-                          <a:spcPts val="0"/>
-                        </a:spcAft>
-                      </a:pPr>
-                      <a:r>
-                        <a:rPr lang="en-US" sz="900" kern="100">
-                          <a:effectLst/>
-                        </a:rPr>
-                        <a:t>0.43</a:t>
-                      </a:r>
-                      <a:endParaRPr lang="zh-CN" sz="1050" kern="100">
-                        <a:effectLst/>
-                        <a:latin typeface="Times New Roman" panose="02020603050405020304" pitchFamily="18" charset="0"/>
-                        <a:ea typeface="宋体" panose="02010600030101010101" pitchFamily="2" charset="-122"/>
-                      </a:endParaRPr>
-                    </a:p>
-                  </a:txBody>
-                  <a:tcPr marL="0" marR="0" marT="0" marB="0"/>
-                </a:tc>
-                <a:tc>
-                  <a:txBody>
-                    <a:bodyPr/>
-                    <a:lstStyle/>
-                    <a:p>
-                      <a:pPr algn="ctr">
-                        <a:spcAft>
-                          <a:spcPts val="0"/>
-                        </a:spcAft>
-                      </a:pPr>
-                      <a:r>
-                        <a:rPr lang="en-US" sz="900" kern="100">
-                          <a:effectLst/>
-                        </a:rPr>
-                        <a:t>9.09</a:t>
-                      </a:r>
-                      <a:endParaRPr lang="zh-CN" sz="1050" kern="100">
-                        <a:effectLst/>
-                        <a:latin typeface="Times New Roman" panose="02020603050405020304" pitchFamily="18" charset="0"/>
-                        <a:ea typeface="宋体" panose="02010600030101010101" pitchFamily="2" charset="-122"/>
-                      </a:endParaRPr>
-                    </a:p>
-                  </a:txBody>
-                  <a:tcPr marL="0" marR="0" marT="0" marB="0"/>
-                </a:tc>
-                <a:tc>
-                  <a:txBody>
-                    <a:bodyPr/>
-                    <a:lstStyle/>
-                    <a:p>
-                      <a:pPr algn="ctr">
-                        <a:spcAft>
-                          <a:spcPts val="0"/>
-                        </a:spcAft>
-                      </a:pPr>
-                      <a:r>
-                        <a:rPr lang="en-US" sz="900" kern="100">
-                          <a:effectLst/>
-                        </a:rPr>
-                        <a:t>12.50</a:t>
-                      </a:r>
-                      <a:endParaRPr lang="zh-CN" sz="1050" kern="100">
-                        <a:effectLst/>
-                        <a:latin typeface="Times New Roman" panose="02020603050405020304" pitchFamily="18" charset="0"/>
-                        <a:ea typeface="宋体" panose="02010600030101010101" pitchFamily="2" charset="-122"/>
-                      </a:endParaRPr>
-                    </a:p>
-                  </a:txBody>
-                  <a:tcPr marL="0" marR="0" marT="0" marB="0"/>
-                </a:tc>
-                <a:tc>
-                  <a:txBody>
-                    <a:bodyPr/>
-                    <a:lstStyle/>
-                    <a:p>
-                      <a:pPr algn="ctr">
-                        <a:spcAft>
-                          <a:spcPts val="0"/>
-                        </a:spcAft>
-                      </a:pPr>
-                      <a:r>
-                        <a:rPr lang="en-US" sz="900" kern="100">
-                          <a:effectLst/>
-                        </a:rPr>
-                        <a:t>1.82</a:t>
-                      </a:r>
-                      <a:endParaRPr lang="zh-CN" sz="1050" kern="100">
-                        <a:effectLst/>
-                        <a:latin typeface="Times New Roman" panose="02020603050405020304" pitchFamily="18" charset="0"/>
-                        <a:ea typeface="宋体" panose="02010600030101010101" pitchFamily="2" charset="-122"/>
-                      </a:endParaRPr>
-                    </a:p>
-                  </a:txBody>
-                  <a:tcPr marL="0" marR="0" marT="0" marB="0"/>
-                </a:tc>
-                <a:tc>
-                  <a:txBody>
-                    <a:bodyPr/>
-                    <a:lstStyle/>
-                    <a:p>
-                      <a:pPr algn="ctr">
-                        <a:spcAft>
-                          <a:spcPts val="0"/>
-                        </a:spcAft>
-                      </a:pPr>
-                      <a:r>
-                        <a:rPr lang="en-US" sz="900" kern="100">
-                          <a:effectLst/>
-                        </a:rPr>
-                        <a:t>6.95</a:t>
-                      </a:r>
-                      <a:endParaRPr lang="zh-CN" sz="1050" kern="100">
-                        <a:effectLst/>
-                        <a:latin typeface="Times New Roman" panose="02020603050405020304" pitchFamily="18" charset="0"/>
-                        <a:ea typeface="宋体" panose="02010600030101010101" pitchFamily="2" charset="-122"/>
-                      </a:endParaRPr>
-                    </a:p>
-                  </a:txBody>
-                  <a:tcPr marL="0" marR="0" marT="0" marB="0"/>
-                </a:tc>
-              </a:tr>
-              <a:tr h="180340">
-                <a:tc rowSpan="2">
-                  <a:txBody>
-                    <a:bodyPr/>
-                    <a:lstStyle/>
-                    <a:p>
-                      <a:pPr algn="ctr" fontAlgn="ctr">
-                        <a:lnSpc>
-                          <a:spcPts val="1500"/>
-                        </a:lnSpc>
-                        <a:spcAft>
-                          <a:spcPts val="0"/>
-                        </a:spcAft>
-                      </a:pPr>
-                      <a:r>
-                        <a:rPr lang="zh-CN" sz="900" kern="0">
-                          <a:effectLst/>
-                        </a:rPr>
-                        <a:t>形式</a:t>
-                      </a:r>
-                      <a:r>
-                        <a:rPr lang="en-US" sz="900" kern="0">
-                          <a:effectLst/>
-                        </a:rPr>
-                        <a:t>4</a:t>
-                      </a:r>
-                      <a:endParaRPr lang="zh-CN" sz="1050" kern="100">
-                        <a:effectLst/>
-                        <a:latin typeface="Times New Roman" panose="02020603050405020304" pitchFamily="18" charset="0"/>
-                        <a:ea typeface="宋体" panose="02010600030101010101" pitchFamily="2" charset="-122"/>
-                      </a:endParaRPr>
-                    </a:p>
-                  </a:txBody>
-                  <a:tcPr marL="0" marR="0" marT="0" marB="0" anchor="ctr"/>
-                </a:tc>
-                <a:tc>
-                  <a:txBody>
-                    <a:bodyPr/>
-                    <a:lstStyle/>
-                    <a:p>
-                      <a:pPr algn="ctr" fontAlgn="ctr">
-                        <a:lnSpc>
-                          <a:spcPts val="1500"/>
-                        </a:lnSpc>
-                        <a:spcAft>
-                          <a:spcPts val="0"/>
-                        </a:spcAft>
-                      </a:pPr>
-                      <a:r>
-                        <a:rPr lang="en-US" sz="900" kern="0">
-                          <a:effectLst/>
-                        </a:rPr>
-                        <a:t>SGS</a:t>
-                      </a:r>
-                      <a:endParaRPr lang="zh-CN" sz="1050" kern="100">
-                        <a:effectLst/>
-                        <a:latin typeface="Times New Roman" panose="02020603050405020304" pitchFamily="18" charset="0"/>
-                        <a:ea typeface="宋体" panose="02010600030101010101" pitchFamily="2" charset="-122"/>
-                      </a:endParaRPr>
-                    </a:p>
-                  </a:txBody>
-                  <a:tcPr marL="0" marR="0" marT="0" marB="0" anchor="ctr"/>
-                </a:tc>
-                <a:tc>
-                  <a:txBody>
-                    <a:bodyPr/>
-                    <a:lstStyle/>
-                    <a:p>
-                      <a:pPr algn="ctr">
-                        <a:spcAft>
-                          <a:spcPts val="0"/>
-                        </a:spcAft>
-                      </a:pPr>
-                      <a:r>
-                        <a:rPr lang="en-US" sz="900" kern="100">
-                          <a:effectLst/>
-                        </a:rPr>
-                        <a:t>44.39</a:t>
-                      </a:r>
-                      <a:endParaRPr lang="zh-CN" sz="1050" kern="100">
-                        <a:effectLst/>
-                        <a:latin typeface="Times New Roman" panose="02020603050405020304" pitchFamily="18" charset="0"/>
-                        <a:ea typeface="宋体" panose="02010600030101010101" pitchFamily="2" charset="-122"/>
-                      </a:endParaRPr>
-                    </a:p>
-                  </a:txBody>
-                  <a:tcPr marL="0" marR="0" marT="0" marB="0"/>
-                </a:tc>
-                <a:tc>
-                  <a:txBody>
-                    <a:bodyPr/>
-                    <a:lstStyle/>
-                    <a:p>
-                      <a:pPr algn="ctr">
-                        <a:spcAft>
-                          <a:spcPts val="0"/>
-                        </a:spcAft>
-                      </a:pPr>
-                      <a:r>
-                        <a:rPr lang="en-US" sz="900" kern="100">
-                          <a:effectLst/>
-                        </a:rPr>
-                        <a:t>-26.18</a:t>
-                      </a:r>
-                      <a:endParaRPr lang="zh-CN" sz="1050" kern="100">
-                        <a:effectLst/>
-                        <a:latin typeface="Times New Roman" panose="02020603050405020304" pitchFamily="18" charset="0"/>
-                        <a:ea typeface="宋体" panose="02010600030101010101" pitchFamily="2" charset="-122"/>
-                      </a:endParaRPr>
-                    </a:p>
-                  </a:txBody>
-                  <a:tcPr marL="0" marR="0" marT="0" marB="0"/>
-                </a:tc>
-                <a:tc>
-                  <a:txBody>
-                    <a:bodyPr/>
-                    <a:lstStyle/>
-                    <a:p>
-                      <a:pPr algn="ctr">
-                        <a:spcAft>
-                          <a:spcPts val="0"/>
-                        </a:spcAft>
-                      </a:pPr>
-                      <a:r>
-                        <a:rPr lang="en-US" sz="900" kern="100">
-                          <a:effectLst/>
-                        </a:rPr>
-                        <a:t>21.33</a:t>
-                      </a:r>
-                      <a:endParaRPr lang="zh-CN" sz="1050" kern="100">
-                        <a:effectLst/>
-                        <a:latin typeface="Times New Roman" panose="02020603050405020304" pitchFamily="18" charset="0"/>
-                        <a:ea typeface="宋体" panose="02010600030101010101" pitchFamily="2" charset="-122"/>
-                      </a:endParaRPr>
-                    </a:p>
-                  </a:txBody>
-                  <a:tcPr marL="0" marR="0" marT="0" marB="0"/>
-                </a:tc>
-                <a:tc>
-                  <a:txBody>
-                    <a:bodyPr/>
-                    <a:lstStyle/>
-                    <a:p>
-                      <a:pPr algn="ctr">
-                        <a:spcAft>
-                          <a:spcPts val="0"/>
-                        </a:spcAft>
-                      </a:pPr>
-                      <a:r>
-                        <a:rPr lang="en-US" sz="900" kern="100">
-                          <a:effectLst/>
-                        </a:rPr>
-                        <a:t>19.19</a:t>
-                      </a:r>
-                      <a:endParaRPr lang="zh-CN" sz="1050" kern="100">
-                        <a:effectLst/>
-                        <a:latin typeface="Times New Roman" panose="02020603050405020304" pitchFamily="18" charset="0"/>
-                        <a:ea typeface="宋体" panose="02010600030101010101" pitchFamily="2" charset="-122"/>
-                      </a:endParaRPr>
-                    </a:p>
-                  </a:txBody>
-                  <a:tcPr marL="0" marR="0" marT="0" marB="0"/>
-                </a:tc>
-                <a:tc>
-                  <a:txBody>
-                    <a:bodyPr/>
-                    <a:lstStyle/>
-                    <a:p>
-                      <a:pPr algn="ctr">
-                        <a:spcAft>
-                          <a:spcPts val="0"/>
-                        </a:spcAft>
-                      </a:pPr>
-                      <a:r>
-                        <a:rPr lang="en-US" sz="900" kern="100">
-                          <a:effectLst/>
-                        </a:rPr>
-                        <a:t>-4.99</a:t>
-                      </a:r>
-                      <a:endParaRPr lang="zh-CN" sz="1050" kern="100">
-                        <a:effectLst/>
-                        <a:latin typeface="Times New Roman" panose="02020603050405020304" pitchFamily="18" charset="0"/>
-                        <a:ea typeface="宋体" panose="02010600030101010101" pitchFamily="2" charset="-122"/>
-                      </a:endParaRPr>
-                    </a:p>
-                  </a:txBody>
-                  <a:tcPr marL="0" marR="0" marT="0" marB="0"/>
-                </a:tc>
-                <a:tc>
-                  <a:txBody>
-                    <a:bodyPr/>
-                    <a:lstStyle/>
-                    <a:p>
-                      <a:pPr algn="ctr">
-                        <a:spcAft>
-                          <a:spcPts val="0"/>
-                        </a:spcAft>
-                      </a:pPr>
-                      <a:r>
-                        <a:rPr lang="en-US" sz="900" kern="100">
-                          <a:effectLst/>
-                        </a:rPr>
-                        <a:t>7.86</a:t>
-                      </a:r>
-                      <a:endParaRPr lang="zh-CN" sz="1050" kern="100">
-                        <a:effectLst/>
-                        <a:latin typeface="Times New Roman" panose="02020603050405020304" pitchFamily="18" charset="0"/>
-                        <a:ea typeface="宋体" panose="02010600030101010101" pitchFamily="2" charset="-122"/>
-                      </a:endParaRPr>
-                    </a:p>
-                  </a:txBody>
-                  <a:tcPr marL="0" marR="0" marT="0" marB="0"/>
-                </a:tc>
-                <a:tc>
-                  <a:txBody>
-                    <a:bodyPr/>
-                    <a:lstStyle/>
-                    <a:p>
-                      <a:pPr algn="ctr">
-                        <a:spcAft>
-                          <a:spcPts val="0"/>
-                        </a:spcAft>
-                      </a:pPr>
-                      <a:r>
-                        <a:rPr lang="en-US" sz="900" kern="100">
-                          <a:effectLst/>
-                        </a:rPr>
-                        <a:t>31.17</a:t>
-                      </a:r>
-                      <a:endParaRPr lang="zh-CN" sz="1050" kern="100">
-                        <a:effectLst/>
-                        <a:latin typeface="Times New Roman" panose="02020603050405020304" pitchFamily="18" charset="0"/>
-                        <a:ea typeface="宋体" panose="02010600030101010101" pitchFamily="2" charset="-122"/>
-                      </a:endParaRPr>
-                    </a:p>
-                  </a:txBody>
-                  <a:tcPr marL="0" marR="0" marT="0" marB="0"/>
-                </a:tc>
-                <a:tc>
-                  <a:txBody>
-                    <a:bodyPr/>
-                    <a:lstStyle/>
-                    <a:p>
-                      <a:pPr algn="ctr">
-                        <a:spcAft>
-                          <a:spcPts val="0"/>
-                        </a:spcAft>
-                      </a:pPr>
-                      <a:r>
-                        <a:rPr lang="en-US" sz="900" kern="100">
-                          <a:effectLst/>
-                        </a:rPr>
-                        <a:t>-5.93</a:t>
-                      </a:r>
-                      <a:endParaRPr lang="zh-CN" sz="1050" kern="100">
-                        <a:effectLst/>
-                        <a:latin typeface="Times New Roman" panose="02020603050405020304" pitchFamily="18" charset="0"/>
-                        <a:ea typeface="宋体" panose="02010600030101010101" pitchFamily="2" charset="-122"/>
-                      </a:endParaRPr>
-                    </a:p>
-                  </a:txBody>
-                  <a:tcPr marL="0" marR="0" marT="0" marB="0"/>
-                </a:tc>
-                <a:tc>
-                  <a:txBody>
-                    <a:bodyPr/>
-                    <a:lstStyle/>
-                    <a:p>
-                      <a:pPr algn="ctr">
-                        <a:spcAft>
-                          <a:spcPts val="0"/>
-                        </a:spcAft>
-                      </a:pPr>
-                      <a:r>
-                        <a:rPr lang="en-US" sz="900" kern="100">
-                          <a:effectLst/>
-                        </a:rPr>
-                        <a:t>18.90</a:t>
-                      </a:r>
-                      <a:endParaRPr lang="zh-CN" sz="1050" kern="100">
-                        <a:effectLst/>
-                        <a:latin typeface="Times New Roman" panose="02020603050405020304" pitchFamily="18" charset="0"/>
-                        <a:ea typeface="宋体" panose="02010600030101010101" pitchFamily="2" charset="-122"/>
-                      </a:endParaRPr>
-                    </a:p>
-                  </a:txBody>
-                  <a:tcPr marL="0" marR="0" marT="0" marB="0"/>
-                </a:tc>
-              </a:tr>
-              <a:tr h="180340">
-                <a:tc vMerge="1">
-                  <a:txBody>
-                    <a:bodyPr/>
-                    <a:lstStyle/>
-                    <a:p>
-                      <a:endParaRPr lang="zh-CN" altLang="en-US"/>
-                    </a:p>
-                  </a:txBody>
-                  <a:tcPr/>
-                </a:tc>
-                <a:tc>
-                  <a:txBody>
-                    <a:bodyPr/>
-                    <a:lstStyle/>
-                    <a:p>
-                      <a:pPr algn="ctr" fontAlgn="ctr">
-                        <a:lnSpc>
-                          <a:spcPts val="1500"/>
-                        </a:lnSpc>
-                        <a:spcAft>
-                          <a:spcPts val="0"/>
-                        </a:spcAft>
-                      </a:pPr>
-                      <a:r>
-                        <a:rPr lang="en-US" sz="900" kern="0">
-                          <a:effectLst/>
-                        </a:rPr>
-                        <a:t>STGS4ER</a:t>
-                      </a:r>
-                      <a:endParaRPr lang="zh-CN" sz="1050" kern="100">
-                        <a:effectLst/>
-                        <a:latin typeface="Times New Roman" panose="02020603050405020304" pitchFamily="18" charset="0"/>
-                        <a:ea typeface="宋体" panose="02010600030101010101" pitchFamily="2" charset="-122"/>
-                      </a:endParaRPr>
-                    </a:p>
-                  </a:txBody>
-                  <a:tcPr marL="0" marR="0" marT="0" marB="0" anchor="ctr"/>
-                </a:tc>
-                <a:tc>
-                  <a:txBody>
-                    <a:bodyPr/>
-                    <a:lstStyle/>
-                    <a:p>
-                      <a:pPr algn="ctr">
-                        <a:spcAft>
-                          <a:spcPts val="0"/>
-                        </a:spcAft>
-                      </a:pPr>
-                      <a:r>
-                        <a:rPr lang="en-US" sz="900" kern="100">
-                          <a:effectLst/>
-                        </a:rPr>
-                        <a:t>20.64</a:t>
-                      </a:r>
-                      <a:endParaRPr lang="zh-CN" sz="1050" kern="100">
-                        <a:effectLst/>
-                        <a:latin typeface="Times New Roman" panose="02020603050405020304" pitchFamily="18" charset="0"/>
-                        <a:ea typeface="宋体" panose="02010600030101010101" pitchFamily="2" charset="-122"/>
-                      </a:endParaRPr>
-                    </a:p>
-                  </a:txBody>
-                  <a:tcPr marL="0" marR="0" marT="0" marB="0"/>
-                </a:tc>
-                <a:tc>
-                  <a:txBody>
-                    <a:bodyPr/>
-                    <a:lstStyle/>
-                    <a:p>
-                      <a:pPr algn="ctr">
-                        <a:spcAft>
-                          <a:spcPts val="0"/>
-                        </a:spcAft>
-                      </a:pPr>
-                      <a:r>
-                        <a:rPr lang="en-US" sz="900" kern="100">
-                          <a:effectLst/>
-                        </a:rPr>
-                        <a:t>-6.26</a:t>
-                      </a:r>
-                      <a:endParaRPr lang="zh-CN" sz="1050" kern="100">
-                        <a:effectLst/>
-                        <a:latin typeface="Times New Roman" panose="02020603050405020304" pitchFamily="18" charset="0"/>
-                        <a:ea typeface="宋体" panose="02010600030101010101" pitchFamily="2" charset="-122"/>
-                      </a:endParaRPr>
-                    </a:p>
-                  </a:txBody>
-                  <a:tcPr marL="0" marR="0" marT="0" marB="0"/>
-                </a:tc>
-                <a:tc>
-                  <a:txBody>
-                    <a:bodyPr/>
-                    <a:lstStyle/>
-                    <a:p>
-                      <a:pPr algn="ctr">
-                        <a:spcAft>
-                          <a:spcPts val="0"/>
-                        </a:spcAft>
-                      </a:pPr>
-                      <a:r>
-                        <a:rPr lang="en-US" sz="900" kern="100" dirty="0">
-                          <a:effectLst/>
-                        </a:rPr>
-                        <a:t>11.20</a:t>
-                      </a:r>
-                      <a:endParaRPr lang="zh-CN" sz="1050" kern="100" dirty="0">
-                        <a:effectLst/>
-                        <a:latin typeface="Times New Roman" panose="02020603050405020304" pitchFamily="18" charset="0"/>
-                        <a:ea typeface="宋体" panose="02010600030101010101" pitchFamily="2" charset="-122"/>
-                      </a:endParaRPr>
-                    </a:p>
-                  </a:txBody>
-                  <a:tcPr marL="0" marR="0" marT="0" marB="0"/>
                 </a:tc>
                 <a:tc>
                   <a:txBody>
@@ -9502,14 +8730,14 @@
           <p:nvPr>
             <p:extLst>
               <p:ext uri="{D42A27DB-BD31-4B8C-83A1-F6EECF244321}">
-                <p14:modId xmlns:p14="http://schemas.microsoft.com/office/powerpoint/2010/main" val="3152570894"/>
+                <p14:modId xmlns:p14="http://schemas.microsoft.com/office/powerpoint/2010/main" val="123325571"/>
               </p:ext>
             </p:extLst>
           </p:nvPr>
         </p:nvGraphicFramePr>
         <p:xfrm>
           <a:off x="3231557" y="3699475"/>
-          <a:ext cx="5511800" cy="1524000"/>
+          <a:ext cx="4055110" cy="1524000"/>
         </p:xfrm>
         <a:graphic>
           <a:graphicData uri="http://schemas.openxmlformats.org/drawingml/2006/table">
@@ -9520,9 +8748,6 @@
               <a:tblGrid>
                 <a:gridCol w="539750"/>
                 <a:gridCol w="539750"/>
-                <a:gridCol w="499110"/>
-                <a:gridCol w="499110"/>
-                <a:gridCol w="458470"/>
                 <a:gridCol w="516890"/>
                 <a:gridCol w="516890"/>
                 <a:gridCol w="467360"/>
@@ -9632,12 +8857,12 @@
                         </a:spcAft>
                       </a:pPr>
                       <a:r>
-                        <a:rPr lang="en-US" sz="900" kern="0">
-                          <a:effectLst/>
-                        </a:rPr>
-                        <a:t>Cr-51</a:t>
-                      </a:r>
-                      <a:endParaRPr lang="zh-CN" sz="1050" kern="100">
+                        <a:rPr lang="en-US" sz="900" kern="0" dirty="0">
+                          <a:effectLst/>
+                        </a:rPr>
+                        <a:t>CS-137</a:t>
+                      </a:r>
+                      <a:endParaRPr lang="zh-CN" sz="1050" kern="100" dirty="0">
                         <a:effectLst/>
                         <a:latin typeface="Times New Roman" panose="02020603050405020304" pitchFamily="18" charset="0"/>
                         <a:ea typeface="宋体" panose="02010600030101010101" pitchFamily="2" charset="-122"/>
@@ -9683,7 +8908,7 @@
                         <a:rPr lang="en-US" sz="900" kern="0">
                           <a:effectLst/>
                         </a:rPr>
-                        <a:t>CS-137</a:t>
+                        <a:t>Co-60</a:t>
                       </a:r>
                       <a:endParaRPr lang="zh-CN" sz="1050" kern="100">
                         <a:effectLst/>
@@ -9714,7 +8939,29 @@
                   </a:txBody>
                   <a:tcPr/>
                 </a:tc>
-                <a:tc gridSpan="3">
+              </a:tr>
+              <a:tr h="180340">
+                <a:tc vMerge="1">
+                  <a:txBody>
+                    <a:bodyPr/>
+                    <a:lstStyle/>
+                    <a:p>
+                      <a:endParaRPr lang="zh-CN" altLang="en-US"/>
+                    </a:p>
+                  </a:txBody>
+                  <a:tcPr/>
+                </a:tc>
+                <a:tc vMerge="1">
+                  <a:txBody>
+                    <a:bodyPr/>
+                    <a:lstStyle/>
+                    <a:p>
+                      <a:endParaRPr lang="zh-CN" altLang="en-US"/>
+                    </a:p>
+                  </a:txBody>
+                  <a:tcPr/>
+                </a:tc>
+                <a:tc>
                   <a:txBody>
                     <a:bodyPr/>
                     <a:lstStyle/>
@@ -9731,7 +8978,7 @@
                         <a:rPr lang="en-US" sz="900" kern="0">
                           <a:effectLst/>
                         </a:rPr>
-                        <a:t>Co-60</a:t>
+                        <a:t>Max.</a:t>
                       </a:r>
                       <a:endParaRPr lang="zh-CN" sz="1050" kern="100">
                         <a:effectLst/>
@@ -9741,48 +8988,6 @@
                     </a:p>
                   </a:txBody>
                   <a:tcPr marL="0" marR="0" marT="0" marB="0" anchor="ctr"/>
-                </a:tc>
-                <a:tc hMerge="1">
-                  <a:txBody>
-                    <a:bodyPr/>
-                    <a:lstStyle/>
-                    <a:p>
-                      <a:endParaRPr lang="zh-CN" altLang="en-US"/>
-                    </a:p>
-                  </a:txBody>
-                  <a:tcPr/>
-                </a:tc>
-                <a:tc hMerge="1">
-                  <a:txBody>
-                    <a:bodyPr/>
-                    <a:lstStyle/>
-                    <a:p>
-                      <a:endParaRPr lang="zh-CN" altLang="en-US"/>
-                    </a:p>
-                  </a:txBody>
-                  <a:tcPr/>
-                </a:tc>
-              </a:tr>
-              <a:tr h="180340">
-                <a:tc vMerge="1">
-                  <a:txBody>
-                    <a:bodyPr/>
-                    <a:lstStyle/>
-                    <a:p>
-                      <a:endParaRPr lang="zh-CN" altLang="en-US"/>
-                    </a:p>
-                  </a:txBody>
-                  <a:tcPr/>
-                </a:tc>
-                <a:tc vMerge="1">
-                  <a:txBody>
-                    <a:bodyPr/>
-                    <a:lstStyle/>
-                    <a:p>
-                      <a:endParaRPr lang="zh-CN" altLang="en-US"/>
-                    </a:p>
-                  </a:txBody>
-                  <a:tcPr/>
                 </a:tc>
                 <a:tc>
                   <a:txBody>
@@ -9801,7 +9006,7 @@
                         <a:rPr lang="en-US" sz="900" kern="0">
                           <a:effectLst/>
                         </a:rPr>
-                        <a:t>Max.</a:t>
+                        <a:t>Min.</a:t>
                       </a:r>
                       <a:endParaRPr lang="zh-CN" sz="1050" kern="100">
                         <a:effectLst/>
@@ -9829,7 +9034,7 @@
                         <a:rPr lang="en-US" sz="900" kern="0">
                           <a:effectLst/>
                         </a:rPr>
-                        <a:t>Min.</a:t>
+                        <a:t>RMS</a:t>
                       </a:r>
                       <a:endParaRPr lang="zh-CN" sz="1050" kern="100">
                         <a:effectLst/>
@@ -9857,7 +9062,7 @@
                         <a:rPr lang="en-US" sz="900" kern="0">
                           <a:effectLst/>
                         </a:rPr>
-                        <a:t>RMS</a:t>
+                        <a:t>Max.</a:t>
                       </a:r>
                       <a:endParaRPr lang="zh-CN" sz="1050" kern="100">
                         <a:effectLst/>
@@ -9885,7 +9090,7 @@
                         <a:rPr lang="en-US" sz="900" kern="0">
                           <a:effectLst/>
                         </a:rPr>
-                        <a:t>Max.</a:t>
+                        <a:t>Min.</a:t>
                       </a:r>
                       <a:endParaRPr lang="zh-CN" sz="1050" kern="100">
                         <a:effectLst/>
@@ -9913,7 +9118,7 @@
                         <a:rPr lang="en-US" sz="900" kern="0">
                           <a:effectLst/>
                         </a:rPr>
-                        <a:t>Min.</a:t>
+                        <a:t>RMS</a:t>
                       </a:r>
                       <a:endParaRPr lang="zh-CN" sz="1050" kern="100">
                         <a:effectLst/>
@@ -9924,7 +9129,9 @@
                   </a:txBody>
                   <a:tcPr marL="0" marR="0" marT="0" marB="0" anchor="ctr"/>
                 </a:tc>
-                <a:tc>
+              </a:tr>
+              <a:tr h="180340">
+                <a:tc rowSpan="2">
                   <a:txBody>
                     <a:bodyPr/>
                     <a:lstStyle/>
@@ -9938,12 +9145,12 @@
                         </a:spcAft>
                       </a:pPr>
                       <a:r>
-                        <a:rPr lang="en-US" sz="900" kern="0">
-                          <a:effectLst/>
-                        </a:rPr>
-                        <a:t>RMS</a:t>
-                      </a:r>
-                      <a:endParaRPr lang="zh-CN" sz="1050" kern="100">
+                        <a:rPr lang="en-US" sz="900" kern="0" dirty="0">
+                          <a:effectLst/>
+                        </a:rPr>
+                        <a:t>0.3</a:t>
+                      </a:r>
+                      <a:endParaRPr lang="zh-CN" sz="1050" kern="100" dirty="0">
                         <a:effectLst/>
                         <a:latin typeface="Times New Roman" panose="02020603050405020304" pitchFamily="18" charset="0"/>
                         <a:ea typeface="宋体" panose="02010600030101010101" pitchFamily="2" charset="-122"/>
@@ -9969,7 +9176,7 @@
                         <a:rPr lang="en-US" sz="900" kern="0">
                           <a:effectLst/>
                         </a:rPr>
-                        <a:t>Max.</a:t>
+                        <a:t>SGS</a:t>
                       </a:r>
                       <a:endParaRPr lang="zh-CN" sz="1050" kern="100">
                         <a:effectLst/>
@@ -9979,6 +9186,168 @@
                     </a:p>
                   </a:txBody>
                   <a:tcPr marL="0" marR="0" marT="0" marB="0" anchor="ctr"/>
+                </a:tc>
+                <a:tc>
+                  <a:txBody>
+                    <a:bodyPr/>
+                    <a:lstStyle/>
+                    <a:p>
+                      <a:pPr algn="ctr">
+                        <a:spcAft>
+                          <a:spcPts val="0"/>
+                        </a:spcAft>
+                      </a:pPr>
+                      <a:r>
+                        <a:rPr lang="en-US" sz="900" kern="100">
+                          <a:effectLst/>
+                        </a:rPr>
+                        <a:t>24.81</a:t>
+                      </a:r>
+                      <a:endParaRPr lang="zh-CN" sz="1050" kern="100">
+                        <a:effectLst/>
+                        <a:latin typeface="Times New Roman" panose="02020603050405020304" pitchFamily="18" charset="0"/>
+                        <a:ea typeface="宋体" panose="02010600030101010101" pitchFamily="2" charset="-122"/>
+                      </a:endParaRPr>
+                    </a:p>
+                  </a:txBody>
+                  <a:tcPr marL="0" marR="0" marT="0" marB="0" anchor="ctr"/>
+                </a:tc>
+                <a:tc>
+                  <a:txBody>
+                    <a:bodyPr/>
+                    <a:lstStyle/>
+                    <a:p>
+                      <a:pPr algn="ctr">
+                        <a:spcAft>
+                          <a:spcPts val="0"/>
+                        </a:spcAft>
+                      </a:pPr>
+                      <a:r>
+                        <a:rPr lang="en-US" sz="900" kern="100">
+                          <a:effectLst/>
+                        </a:rPr>
+                        <a:t>-25.96</a:t>
+                      </a:r>
+                      <a:endParaRPr lang="zh-CN" sz="1050" kern="100">
+                        <a:effectLst/>
+                        <a:latin typeface="Times New Roman" panose="02020603050405020304" pitchFamily="18" charset="0"/>
+                        <a:ea typeface="宋体" panose="02010600030101010101" pitchFamily="2" charset="-122"/>
+                      </a:endParaRPr>
+                    </a:p>
+                  </a:txBody>
+                  <a:tcPr marL="0" marR="0" marT="0" marB="0" anchor="ctr"/>
+                </a:tc>
+                <a:tc>
+                  <a:txBody>
+                    <a:bodyPr/>
+                    <a:lstStyle/>
+                    <a:p>
+                      <a:pPr algn="ctr">
+                        <a:spcAft>
+                          <a:spcPts val="0"/>
+                        </a:spcAft>
+                      </a:pPr>
+                      <a:r>
+                        <a:rPr lang="en-US" sz="900" kern="100">
+                          <a:effectLst/>
+                        </a:rPr>
+                        <a:t>10.53</a:t>
+                      </a:r>
+                      <a:endParaRPr lang="zh-CN" sz="1050" kern="100">
+                        <a:effectLst/>
+                        <a:latin typeface="Times New Roman" panose="02020603050405020304" pitchFamily="18" charset="0"/>
+                        <a:ea typeface="宋体" panose="02010600030101010101" pitchFamily="2" charset="-122"/>
+                      </a:endParaRPr>
+                    </a:p>
+                  </a:txBody>
+                  <a:tcPr marL="0" marR="0" marT="0" marB="0" anchor="ctr"/>
+                </a:tc>
+                <a:tc>
+                  <a:txBody>
+                    <a:bodyPr/>
+                    <a:lstStyle/>
+                    <a:p>
+                      <a:pPr algn="ctr">
+                        <a:spcAft>
+                          <a:spcPts val="0"/>
+                        </a:spcAft>
+                      </a:pPr>
+                      <a:r>
+                        <a:rPr lang="en-US" sz="900" kern="100">
+                          <a:effectLst/>
+                        </a:rPr>
+                        <a:t>25.32</a:t>
+                      </a:r>
+                      <a:endParaRPr lang="zh-CN" sz="1050" kern="100">
+                        <a:effectLst/>
+                        <a:latin typeface="Times New Roman" panose="02020603050405020304" pitchFamily="18" charset="0"/>
+                        <a:ea typeface="宋体" panose="02010600030101010101" pitchFamily="2" charset="-122"/>
+                      </a:endParaRPr>
+                    </a:p>
+                  </a:txBody>
+                  <a:tcPr marL="0" marR="0" marT="0" marB="0" anchor="ctr"/>
+                </a:tc>
+                <a:tc>
+                  <a:txBody>
+                    <a:bodyPr/>
+                    <a:lstStyle/>
+                    <a:p>
+                      <a:pPr algn="ctr">
+                        <a:spcAft>
+                          <a:spcPts val="0"/>
+                        </a:spcAft>
+                      </a:pPr>
+                      <a:r>
+                        <a:rPr lang="en-US" sz="900" kern="100">
+                          <a:effectLst/>
+                        </a:rPr>
+                        <a:t>-25.04</a:t>
+                      </a:r>
+                      <a:endParaRPr lang="zh-CN" sz="1050" kern="100">
+                        <a:effectLst/>
+                        <a:latin typeface="Times New Roman" panose="02020603050405020304" pitchFamily="18" charset="0"/>
+                        <a:ea typeface="宋体" panose="02010600030101010101" pitchFamily="2" charset="-122"/>
+                      </a:endParaRPr>
+                    </a:p>
+                  </a:txBody>
+                  <a:tcPr marL="0" marR="0" marT="0" marB="0" anchor="ctr"/>
+                </a:tc>
+                <a:tc>
+                  <a:txBody>
+                    <a:bodyPr/>
+                    <a:lstStyle/>
+                    <a:p>
+                      <a:pPr algn="ctr">
+                        <a:spcAft>
+                          <a:spcPts val="0"/>
+                        </a:spcAft>
+                      </a:pPr>
+                      <a:r>
+                        <a:rPr lang="en-US" sz="900" kern="100">
+                          <a:effectLst/>
+                        </a:rPr>
+                        <a:t>10.37</a:t>
+                      </a:r>
+                      <a:endParaRPr lang="zh-CN" sz="1050" kern="100">
+                        <a:effectLst/>
+                        <a:latin typeface="Times New Roman" panose="02020603050405020304" pitchFamily="18" charset="0"/>
+                        <a:ea typeface="宋体" panose="02010600030101010101" pitchFamily="2" charset="-122"/>
+                      </a:endParaRPr>
+                    </a:p>
+                  </a:txBody>
+                  <a:tcPr marL="0" marR="0" marT="0" marB="0" anchor="ctr"/>
+                </a:tc>
+              </a:tr>
+              <a:tr h="180340">
+                <a:tc vMerge="1">
+                  <a:txBody>
+                    <a:bodyPr/>
+                    <a:lstStyle/>
+                    <a:p>
+                      <a:endParaRPr lang="zh-CN" altLang="en-US"/>
+                    </a:p>
+                  </a:txBody>
+                  <a:tcPr/>
                 </a:tc>
                 <a:tc>
                   <a:txBody>
@@ -9994,12 +9363,12 @@
                         </a:spcAft>
                       </a:pPr>
                       <a:r>
-                        <a:rPr lang="en-US" sz="900" kern="0">
-                          <a:effectLst/>
-                        </a:rPr>
-                        <a:t>Min.</a:t>
-                      </a:r>
-                      <a:endParaRPr lang="zh-CN" sz="1050" kern="100">
+                        <a:rPr lang="en-US" sz="900" kern="0" dirty="0">
+                          <a:effectLst/>
+                        </a:rPr>
+                        <a:t>STGS4ER</a:t>
+                      </a:r>
+                      <a:endParaRPr lang="zh-CN" sz="1050" kern="100" dirty="0">
                         <a:effectLst/>
                         <a:latin typeface="Times New Roman" panose="02020603050405020304" pitchFamily="18" charset="0"/>
                         <a:ea typeface="宋体" panose="02010600030101010101" pitchFamily="2" charset="-122"/>
@@ -10009,6 +9378,158 @@
                   <a:tcPr marL="0" marR="0" marT="0" marB="0" anchor="ctr"/>
                 </a:tc>
                 <a:tc>
+                  <a:txBody>
+                    <a:bodyPr/>
+                    <a:lstStyle/>
+                    <a:p>
+                      <a:pPr algn="ctr">
+                        <a:spcAft>
+                          <a:spcPts val="0"/>
+                        </a:spcAft>
+                      </a:pPr>
+                      <a:r>
+                        <a:rPr lang="en-US" sz="900" kern="100">
+                          <a:effectLst/>
+                        </a:rPr>
+                        <a:t>3.47</a:t>
+                      </a:r>
+                      <a:endParaRPr lang="zh-CN" sz="1050" kern="100">
+                        <a:effectLst/>
+                        <a:latin typeface="Times New Roman" panose="02020603050405020304" pitchFamily="18" charset="0"/>
+                        <a:ea typeface="宋体" panose="02010600030101010101" pitchFamily="2" charset="-122"/>
+                      </a:endParaRPr>
+                    </a:p>
+                  </a:txBody>
+                  <a:tcPr marL="0" marR="0" marT="0" marB="0" anchor="ctr"/>
+                </a:tc>
+                <a:tc>
+                  <a:txBody>
+                    <a:bodyPr/>
+                    <a:lstStyle/>
+                    <a:p>
+                      <a:pPr algn="ctr">
+                        <a:spcAft>
+                          <a:spcPts val="0"/>
+                        </a:spcAft>
+                      </a:pPr>
+                      <a:r>
+                        <a:rPr lang="en-US" sz="900" kern="100">
+                          <a:effectLst/>
+                        </a:rPr>
+                        <a:t>-5.70</a:t>
+                      </a:r>
+                      <a:endParaRPr lang="zh-CN" sz="1050" kern="100">
+                        <a:effectLst/>
+                        <a:latin typeface="Times New Roman" panose="02020603050405020304" pitchFamily="18" charset="0"/>
+                        <a:ea typeface="宋体" panose="02010600030101010101" pitchFamily="2" charset="-122"/>
+                      </a:endParaRPr>
+                    </a:p>
+                  </a:txBody>
+                  <a:tcPr marL="0" marR="0" marT="0" marB="0" anchor="ctr"/>
+                </a:tc>
+                <a:tc>
+                  <a:txBody>
+                    <a:bodyPr/>
+                    <a:lstStyle/>
+                    <a:p>
+                      <a:pPr algn="ctr">
+                        <a:spcAft>
+                          <a:spcPts val="0"/>
+                        </a:spcAft>
+                      </a:pPr>
+                      <a:r>
+                        <a:rPr lang="en-US" sz="900" kern="100">
+                          <a:effectLst/>
+                        </a:rPr>
+                        <a:t>2.10</a:t>
+                      </a:r>
+                      <a:endParaRPr lang="zh-CN" sz="1050" kern="100">
+                        <a:effectLst/>
+                        <a:latin typeface="Times New Roman" panose="02020603050405020304" pitchFamily="18" charset="0"/>
+                        <a:ea typeface="宋体" panose="02010600030101010101" pitchFamily="2" charset="-122"/>
+                      </a:endParaRPr>
+                    </a:p>
+                  </a:txBody>
+                  <a:tcPr marL="0" marR="0" marT="0" marB="0" anchor="ctr"/>
+                </a:tc>
+                <a:tc>
+                  <a:txBody>
+                    <a:bodyPr/>
+                    <a:lstStyle/>
+                    <a:p>
+                      <a:pPr algn="ctr">
+                        <a:spcAft>
+                          <a:spcPts val="0"/>
+                        </a:spcAft>
+                      </a:pPr>
+                      <a:r>
+                        <a:rPr lang="en-US" sz="900" kern="100">
+                          <a:effectLst/>
+                        </a:rPr>
+                        <a:t>3.23</a:t>
+                      </a:r>
+                      <a:endParaRPr lang="zh-CN" sz="1050" kern="100">
+                        <a:effectLst/>
+                        <a:latin typeface="Times New Roman" panose="02020603050405020304" pitchFamily="18" charset="0"/>
+                        <a:ea typeface="宋体" panose="02010600030101010101" pitchFamily="2" charset="-122"/>
+                      </a:endParaRPr>
+                    </a:p>
+                  </a:txBody>
+                  <a:tcPr marL="0" marR="0" marT="0" marB="0" anchor="ctr"/>
+                </a:tc>
+                <a:tc>
+                  <a:txBody>
+                    <a:bodyPr/>
+                    <a:lstStyle/>
+                    <a:p>
+                      <a:pPr algn="ctr">
+                        <a:spcAft>
+                          <a:spcPts val="0"/>
+                        </a:spcAft>
+                      </a:pPr>
+                      <a:r>
+                        <a:rPr lang="en-US" sz="900" kern="100">
+                          <a:effectLst/>
+                        </a:rPr>
+                        <a:t>-5.13</a:t>
+                      </a:r>
+                      <a:endParaRPr lang="zh-CN" sz="1050" kern="100">
+                        <a:effectLst/>
+                        <a:latin typeface="Times New Roman" panose="02020603050405020304" pitchFamily="18" charset="0"/>
+                        <a:ea typeface="宋体" panose="02010600030101010101" pitchFamily="2" charset="-122"/>
+                      </a:endParaRPr>
+                    </a:p>
+                  </a:txBody>
+                  <a:tcPr marL="0" marR="0" marT="0" marB="0" anchor="ctr"/>
+                </a:tc>
+                <a:tc>
+                  <a:txBody>
+                    <a:bodyPr/>
+                    <a:lstStyle/>
+                    <a:p>
+                      <a:pPr algn="ctr">
+                        <a:spcAft>
+                          <a:spcPts val="0"/>
+                        </a:spcAft>
+                      </a:pPr>
+                      <a:r>
+                        <a:rPr lang="en-US" sz="900" kern="100">
+                          <a:effectLst/>
+                        </a:rPr>
+                        <a:t>1.84</a:t>
+                      </a:r>
+                      <a:endParaRPr lang="zh-CN" sz="1050" kern="100">
+                        <a:effectLst/>
+                        <a:latin typeface="Times New Roman" panose="02020603050405020304" pitchFamily="18" charset="0"/>
+                        <a:ea typeface="宋体" panose="02010600030101010101" pitchFamily="2" charset="-122"/>
+                      </a:endParaRPr>
+                    </a:p>
+                  </a:txBody>
+                  <a:tcPr marL="0" marR="0" marT="0" marB="0" anchor="ctr"/>
+                </a:tc>
+              </a:tr>
+              <a:tr h="180340">
+                <a:tc rowSpan="2">
                   <a:txBody>
                     <a:bodyPr/>
                     <a:lstStyle/>
@@ -10025,7 +9546,7 @@
                         <a:rPr lang="en-US" sz="900" kern="0">
                           <a:effectLst/>
                         </a:rPr>
-                        <a:t>RMS</a:t>
+                        <a:t>0.7</a:t>
                       </a:r>
                       <a:endParaRPr lang="zh-CN" sz="1050" kern="100">
                         <a:effectLst/>
@@ -10036,9 +9557,7 @@
                   </a:txBody>
                   <a:tcPr marL="0" marR="0" marT="0" marB="0" anchor="ctr"/>
                 </a:tc>
-              </a:tr>
-              <a:tr h="180340">
-                <a:tc rowSpan="2">
+                <a:tc>
                   <a:txBody>
                     <a:bodyPr/>
                     <a:lstStyle/>
@@ -10052,12 +9571,12 @@
                         </a:spcAft>
                       </a:pPr>
                       <a:r>
-                        <a:rPr lang="en-US" sz="900" kern="0" dirty="0">
-                          <a:effectLst/>
-                        </a:rPr>
-                        <a:t>0.3</a:t>
-                      </a:r>
-                      <a:endParaRPr lang="zh-CN" sz="1050" kern="100" dirty="0">
+                        <a:rPr lang="en-US" sz="900" kern="0">
+                          <a:effectLst/>
+                        </a:rPr>
+                        <a:t>SGS</a:t>
+                      </a:r>
+                      <a:endParaRPr lang="zh-CN" sz="1050" kern="100">
                         <a:effectLst/>
                         <a:latin typeface="Times New Roman" panose="02020603050405020304" pitchFamily="18" charset="0"/>
                         <a:ea typeface="宋体" panose="02010600030101010101" pitchFamily="2" charset="-122"/>
@@ -10065,6 +9584,168 @@
                     </a:p>
                   </a:txBody>
                   <a:tcPr marL="0" marR="0" marT="0" marB="0" anchor="ctr"/>
+                </a:tc>
+                <a:tc>
+                  <a:txBody>
+                    <a:bodyPr/>
+                    <a:lstStyle/>
+                    <a:p>
+                      <a:pPr algn="ctr">
+                        <a:spcAft>
+                          <a:spcPts val="0"/>
+                        </a:spcAft>
+                      </a:pPr>
+                      <a:r>
+                        <a:rPr lang="en-US" sz="900" kern="100">
+                          <a:effectLst/>
+                        </a:rPr>
+                        <a:t>12.16</a:t>
+                      </a:r>
+                      <a:endParaRPr lang="zh-CN" sz="1050" kern="100">
+                        <a:effectLst/>
+                        <a:latin typeface="Times New Roman" panose="02020603050405020304" pitchFamily="18" charset="0"/>
+                        <a:ea typeface="宋体" panose="02010600030101010101" pitchFamily="2" charset="-122"/>
+                      </a:endParaRPr>
+                    </a:p>
+                  </a:txBody>
+                  <a:tcPr marL="0" marR="0" marT="0" marB="0" anchor="ctr"/>
+                </a:tc>
+                <a:tc>
+                  <a:txBody>
+                    <a:bodyPr/>
+                    <a:lstStyle/>
+                    <a:p>
+                      <a:pPr algn="ctr">
+                        <a:spcAft>
+                          <a:spcPts val="0"/>
+                        </a:spcAft>
+                      </a:pPr>
+                      <a:r>
+                        <a:rPr lang="en-US" sz="900" kern="100">
+                          <a:effectLst/>
+                        </a:rPr>
+                        <a:t>-16.33</a:t>
+                      </a:r>
+                      <a:endParaRPr lang="zh-CN" sz="1050" kern="100">
+                        <a:effectLst/>
+                        <a:latin typeface="Times New Roman" panose="02020603050405020304" pitchFamily="18" charset="0"/>
+                        <a:ea typeface="宋体" panose="02010600030101010101" pitchFamily="2" charset="-122"/>
+                      </a:endParaRPr>
+                    </a:p>
+                  </a:txBody>
+                  <a:tcPr marL="0" marR="0" marT="0" marB="0" anchor="ctr"/>
+                </a:tc>
+                <a:tc>
+                  <a:txBody>
+                    <a:bodyPr/>
+                    <a:lstStyle/>
+                    <a:p>
+                      <a:pPr algn="ctr">
+                        <a:spcAft>
+                          <a:spcPts val="0"/>
+                        </a:spcAft>
+                      </a:pPr>
+                      <a:r>
+                        <a:rPr lang="en-US" sz="900" kern="100">
+                          <a:effectLst/>
+                        </a:rPr>
+                        <a:t>5.84</a:t>
+                      </a:r>
+                      <a:endParaRPr lang="zh-CN" sz="1050" kern="100">
+                        <a:effectLst/>
+                        <a:latin typeface="Times New Roman" panose="02020603050405020304" pitchFamily="18" charset="0"/>
+                        <a:ea typeface="宋体" panose="02010600030101010101" pitchFamily="2" charset="-122"/>
+                      </a:endParaRPr>
+                    </a:p>
+                  </a:txBody>
+                  <a:tcPr marL="0" marR="0" marT="0" marB="0" anchor="ctr"/>
+                </a:tc>
+                <a:tc>
+                  <a:txBody>
+                    <a:bodyPr/>
+                    <a:lstStyle/>
+                    <a:p>
+                      <a:pPr algn="ctr">
+                        <a:spcAft>
+                          <a:spcPts val="0"/>
+                        </a:spcAft>
+                      </a:pPr>
+                      <a:r>
+                        <a:rPr lang="en-US" sz="900" kern="100">
+                          <a:effectLst/>
+                        </a:rPr>
+                        <a:t>17.84</a:t>
+                      </a:r>
+                      <a:endParaRPr lang="zh-CN" sz="1050" kern="100">
+                        <a:effectLst/>
+                        <a:latin typeface="Times New Roman" panose="02020603050405020304" pitchFamily="18" charset="0"/>
+                        <a:ea typeface="宋体" panose="02010600030101010101" pitchFamily="2" charset="-122"/>
+                      </a:endParaRPr>
+                    </a:p>
+                  </a:txBody>
+                  <a:tcPr marL="0" marR="0" marT="0" marB="0" anchor="ctr"/>
+                </a:tc>
+                <a:tc>
+                  <a:txBody>
+                    <a:bodyPr/>
+                    <a:lstStyle/>
+                    <a:p>
+                      <a:pPr algn="ctr">
+                        <a:spcAft>
+                          <a:spcPts val="0"/>
+                        </a:spcAft>
+                      </a:pPr>
+                      <a:r>
+                        <a:rPr lang="en-US" sz="900" kern="100">
+                          <a:effectLst/>
+                        </a:rPr>
+                        <a:t>-19.15</a:t>
+                      </a:r>
+                      <a:endParaRPr lang="zh-CN" sz="1050" kern="100">
+                        <a:effectLst/>
+                        <a:latin typeface="Times New Roman" panose="02020603050405020304" pitchFamily="18" charset="0"/>
+                        <a:ea typeface="宋体" panose="02010600030101010101" pitchFamily="2" charset="-122"/>
+                      </a:endParaRPr>
+                    </a:p>
+                  </a:txBody>
+                  <a:tcPr marL="0" marR="0" marT="0" marB="0" anchor="ctr"/>
+                </a:tc>
+                <a:tc>
+                  <a:txBody>
+                    <a:bodyPr/>
+                    <a:lstStyle/>
+                    <a:p>
+                      <a:pPr algn="ctr">
+                        <a:spcAft>
+                          <a:spcPts val="0"/>
+                        </a:spcAft>
+                      </a:pPr>
+                      <a:r>
+                        <a:rPr lang="en-US" sz="900" kern="100">
+                          <a:effectLst/>
+                        </a:rPr>
+                        <a:t>7.43</a:t>
+                      </a:r>
+                      <a:endParaRPr lang="zh-CN" sz="1050" kern="100">
+                        <a:effectLst/>
+                        <a:latin typeface="Times New Roman" panose="02020603050405020304" pitchFamily="18" charset="0"/>
+                        <a:ea typeface="宋体" panose="02010600030101010101" pitchFamily="2" charset="-122"/>
+                      </a:endParaRPr>
+                    </a:p>
+                  </a:txBody>
+                  <a:tcPr marL="0" marR="0" marT="0" marB="0" anchor="ctr"/>
+                </a:tc>
+              </a:tr>
+              <a:tr h="180340">
+                <a:tc vMerge="1">
+                  <a:txBody>
+                    <a:bodyPr/>
+                    <a:lstStyle/>
+                    <a:p>
+                      <a:endParaRPr lang="zh-CN" altLang="en-US"/>
+                    </a:p>
+                  </a:txBody>
+                  <a:tcPr/>
                 </a:tc>
                 <a:tc>
                   <a:txBody>
@@ -10083,7 +9764,7 @@
                         <a:rPr lang="en-US" sz="900" kern="0">
                           <a:effectLst/>
                         </a:rPr>
-                        <a:t>SGS</a:t>
+                        <a:t>STGS4ER</a:t>
                       </a:r>
                       <a:endParaRPr lang="zh-CN" sz="1050" kern="100">
                         <a:effectLst/>
@@ -10108,7 +9789,7 @@
                         <a:rPr lang="en-US" sz="900" kern="100">
                           <a:effectLst/>
                         </a:rPr>
-                        <a:t>21.48</a:t>
+                        <a:t>4.20</a:t>
                       </a:r>
                       <a:endParaRPr lang="zh-CN" sz="1050" kern="100">
                         <a:effectLst/>
@@ -10133,7 +9814,7 @@
                         <a:rPr lang="en-US" sz="900" kern="100">
                           <a:effectLst/>
                         </a:rPr>
-                        <a:t>-24.22</a:t>
+                        <a:t>-6.34</a:t>
                       </a:r>
                       <a:endParaRPr lang="zh-CN" sz="1050" kern="100">
                         <a:effectLst/>
@@ -10158,7 +9839,7 @@
                         <a:rPr lang="en-US" sz="900" kern="100">
                           <a:effectLst/>
                         </a:rPr>
-                        <a:t>9.56</a:t>
+                        <a:t>2.58</a:t>
                       </a:r>
                       <a:endParaRPr lang="zh-CN" sz="1050" kern="100">
                         <a:effectLst/>
@@ -10183,7 +9864,7 @@
                         <a:rPr lang="en-US" sz="900" kern="100">
                           <a:effectLst/>
                         </a:rPr>
-                        <a:t>24.81</a:t>
+                        <a:t>3.83</a:t>
                       </a:r>
                       <a:endParaRPr lang="zh-CN" sz="1050" kern="100">
                         <a:effectLst/>
@@ -10208,7 +9889,7 @@
                         <a:rPr lang="en-US" sz="900" kern="100">
                           <a:effectLst/>
                         </a:rPr>
-                        <a:t>-25.96</a:t>
+                        <a:t>-5.56</a:t>
                       </a:r>
                       <a:endParaRPr lang="zh-CN" sz="1050" kern="100">
                         <a:effectLst/>
@@ -10233,82 +9914,7 @@
                         <a:rPr lang="en-US" sz="900" kern="100">
                           <a:effectLst/>
                         </a:rPr>
-                        <a:t>10.53</a:t>
-                      </a:r>
-                      <a:endParaRPr lang="zh-CN" sz="1050" kern="100">
-                        <a:effectLst/>
-                        <a:latin typeface="Times New Roman" panose="02020603050405020304" pitchFamily="18" charset="0"/>
-                        <a:ea typeface="宋体" panose="02010600030101010101" pitchFamily="2" charset="-122"/>
-                      </a:endParaRPr>
-                    </a:p>
-                  </a:txBody>
-                  <a:tcPr marL="0" marR="0" marT="0" marB="0" anchor="ctr"/>
-                </a:tc>
-                <a:tc>
-                  <a:txBody>
-                    <a:bodyPr/>
-                    <a:lstStyle/>
-                    <a:p>
-                      <a:pPr algn="ctr">
-                        <a:spcAft>
-                          <a:spcPts val="0"/>
-                        </a:spcAft>
-                      </a:pPr>
-                      <a:r>
-                        <a:rPr lang="en-US" sz="900" kern="100">
-                          <a:effectLst/>
-                        </a:rPr>
-                        <a:t>25.32</a:t>
-                      </a:r>
-                      <a:endParaRPr lang="zh-CN" sz="1050" kern="100">
-                        <a:effectLst/>
-                        <a:latin typeface="Times New Roman" panose="02020603050405020304" pitchFamily="18" charset="0"/>
-                        <a:ea typeface="宋体" panose="02010600030101010101" pitchFamily="2" charset="-122"/>
-                      </a:endParaRPr>
-                    </a:p>
-                  </a:txBody>
-                  <a:tcPr marL="0" marR="0" marT="0" marB="0" anchor="ctr"/>
-                </a:tc>
-                <a:tc>
-                  <a:txBody>
-                    <a:bodyPr/>
-                    <a:lstStyle/>
-                    <a:p>
-                      <a:pPr algn="ctr">
-                        <a:spcAft>
-                          <a:spcPts val="0"/>
-                        </a:spcAft>
-                      </a:pPr>
-                      <a:r>
-                        <a:rPr lang="en-US" sz="900" kern="100">
-                          <a:effectLst/>
-                        </a:rPr>
-                        <a:t>-25.04</a:t>
-                      </a:r>
-                      <a:endParaRPr lang="zh-CN" sz="1050" kern="100">
-                        <a:effectLst/>
-                        <a:latin typeface="Times New Roman" panose="02020603050405020304" pitchFamily="18" charset="0"/>
-                        <a:ea typeface="宋体" panose="02010600030101010101" pitchFamily="2" charset="-122"/>
-                      </a:endParaRPr>
-                    </a:p>
-                  </a:txBody>
-                  <a:tcPr marL="0" marR="0" marT="0" marB="0" anchor="ctr"/>
-                </a:tc>
-                <a:tc>
-                  <a:txBody>
-                    <a:bodyPr/>
-                    <a:lstStyle/>
-                    <a:p>
-                      <a:pPr algn="ctr">
-                        <a:spcAft>
-                          <a:spcPts val="0"/>
-                        </a:spcAft>
-                      </a:pPr>
-                      <a:r>
-                        <a:rPr lang="en-US" sz="900" kern="100">
-                          <a:effectLst/>
-                        </a:rPr>
-                        <a:t>10.37</a:t>
+                        <a:t>2.18</a:t>
                       </a:r>
                       <a:endParaRPr lang="zh-CN" sz="1050" kern="100">
                         <a:effectLst/>
@@ -10321,17 +9927,7 @@
                 </a:tc>
               </a:tr>
               <a:tr h="180340">
-                <a:tc vMerge="1">
-                  <a:txBody>
-                    <a:bodyPr/>
-                    <a:lstStyle/>
-                    <a:p>
-                      <a:endParaRPr lang="zh-CN" altLang="en-US"/>
-                    </a:p>
-                  </a:txBody>
-                  <a:tcPr/>
-                </a:tc>
-                <a:tc>
+                <a:tc rowSpan="2">
                   <a:txBody>
                     <a:bodyPr/>
                     <a:lstStyle/>
@@ -10348,7 +9944,7 @@
                         <a:rPr lang="en-US" sz="900" kern="0" dirty="0">
                           <a:effectLst/>
                         </a:rPr>
-                        <a:t>STGS4ER</a:t>
+                        <a:t>1.2</a:t>
                       </a:r>
                       <a:endParaRPr lang="zh-CN" sz="1050" kern="100" dirty="0">
                         <a:effectLst/>
@@ -10360,233 +9956,6 @@
                   <a:tcPr marL="0" marR="0" marT="0" marB="0" anchor="ctr"/>
                 </a:tc>
                 <a:tc>
-                  <a:txBody>
-                    <a:bodyPr/>
-                    <a:lstStyle/>
-                    <a:p>
-                      <a:pPr algn="ctr">
-                        <a:spcAft>
-                          <a:spcPts val="0"/>
-                        </a:spcAft>
-                      </a:pPr>
-                      <a:r>
-                        <a:rPr lang="en-US" sz="900" kern="100">
-                          <a:effectLst/>
-                        </a:rPr>
-                        <a:t>3.61</a:t>
-                      </a:r>
-                      <a:endParaRPr lang="zh-CN" sz="1050" kern="100">
-                        <a:effectLst/>
-                        <a:latin typeface="Times New Roman" panose="02020603050405020304" pitchFamily="18" charset="0"/>
-                        <a:ea typeface="宋体" panose="02010600030101010101" pitchFamily="2" charset="-122"/>
-                      </a:endParaRPr>
-                    </a:p>
-                  </a:txBody>
-                  <a:tcPr marL="0" marR="0" marT="0" marB="0" anchor="ctr"/>
-                </a:tc>
-                <a:tc>
-                  <a:txBody>
-                    <a:bodyPr/>
-                    <a:lstStyle/>
-                    <a:p>
-                      <a:pPr algn="ctr">
-                        <a:spcAft>
-                          <a:spcPts val="0"/>
-                        </a:spcAft>
-                      </a:pPr>
-                      <a:r>
-                        <a:rPr lang="en-US" sz="900" kern="100">
-                          <a:effectLst/>
-                        </a:rPr>
-                        <a:t>-5.68</a:t>
-                      </a:r>
-                      <a:endParaRPr lang="zh-CN" sz="1050" kern="100">
-                        <a:effectLst/>
-                        <a:latin typeface="Times New Roman" panose="02020603050405020304" pitchFamily="18" charset="0"/>
-                        <a:ea typeface="宋体" panose="02010600030101010101" pitchFamily="2" charset="-122"/>
-                      </a:endParaRPr>
-                    </a:p>
-                  </a:txBody>
-                  <a:tcPr marL="0" marR="0" marT="0" marB="0" anchor="ctr"/>
-                </a:tc>
-                <a:tc>
-                  <a:txBody>
-                    <a:bodyPr/>
-                    <a:lstStyle/>
-                    <a:p>
-                      <a:pPr algn="ctr">
-                        <a:spcAft>
-                          <a:spcPts val="0"/>
-                        </a:spcAft>
-                      </a:pPr>
-                      <a:r>
-                        <a:rPr lang="en-US" sz="900" kern="100">
-                          <a:effectLst/>
-                        </a:rPr>
-                        <a:t>2.26</a:t>
-                      </a:r>
-                      <a:endParaRPr lang="zh-CN" sz="1050" kern="100">
-                        <a:effectLst/>
-                        <a:latin typeface="Times New Roman" panose="02020603050405020304" pitchFamily="18" charset="0"/>
-                        <a:ea typeface="宋体" panose="02010600030101010101" pitchFamily="2" charset="-122"/>
-                      </a:endParaRPr>
-                    </a:p>
-                  </a:txBody>
-                  <a:tcPr marL="0" marR="0" marT="0" marB="0" anchor="ctr"/>
-                </a:tc>
-                <a:tc>
-                  <a:txBody>
-                    <a:bodyPr/>
-                    <a:lstStyle/>
-                    <a:p>
-                      <a:pPr algn="ctr">
-                        <a:spcAft>
-                          <a:spcPts val="0"/>
-                        </a:spcAft>
-                      </a:pPr>
-                      <a:r>
-                        <a:rPr lang="en-US" sz="900" kern="100">
-                          <a:effectLst/>
-                        </a:rPr>
-                        <a:t>3.47</a:t>
-                      </a:r>
-                      <a:endParaRPr lang="zh-CN" sz="1050" kern="100">
-                        <a:effectLst/>
-                        <a:latin typeface="Times New Roman" panose="02020603050405020304" pitchFamily="18" charset="0"/>
-                        <a:ea typeface="宋体" panose="02010600030101010101" pitchFamily="2" charset="-122"/>
-                      </a:endParaRPr>
-                    </a:p>
-                  </a:txBody>
-                  <a:tcPr marL="0" marR="0" marT="0" marB="0" anchor="ctr"/>
-                </a:tc>
-                <a:tc>
-                  <a:txBody>
-                    <a:bodyPr/>
-                    <a:lstStyle/>
-                    <a:p>
-                      <a:pPr algn="ctr">
-                        <a:spcAft>
-                          <a:spcPts val="0"/>
-                        </a:spcAft>
-                      </a:pPr>
-                      <a:r>
-                        <a:rPr lang="en-US" sz="900" kern="100">
-                          <a:effectLst/>
-                        </a:rPr>
-                        <a:t>-5.70</a:t>
-                      </a:r>
-                      <a:endParaRPr lang="zh-CN" sz="1050" kern="100">
-                        <a:effectLst/>
-                        <a:latin typeface="Times New Roman" panose="02020603050405020304" pitchFamily="18" charset="0"/>
-                        <a:ea typeface="宋体" panose="02010600030101010101" pitchFamily="2" charset="-122"/>
-                      </a:endParaRPr>
-                    </a:p>
-                  </a:txBody>
-                  <a:tcPr marL="0" marR="0" marT="0" marB="0" anchor="ctr"/>
-                </a:tc>
-                <a:tc>
-                  <a:txBody>
-                    <a:bodyPr/>
-                    <a:lstStyle/>
-                    <a:p>
-                      <a:pPr algn="ctr">
-                        <a:spcAft>
-                          <a:spcPts val="0"/>
-                        </a:spcAft>
-                      </a:pPr>
-                      <a:r>
-                        <a:rPr lang="en-US" sz="900" kern="100">
-                          <a:effectLst/>
-                        </a:rPr>
-                        <a:t>2.10</a:t>
-                      </a:r>
-                      <a:endParaRPr lang="zh-CN" sz="1050" kern="100">
-                        <a:effectLst/>
-                        <a:latin typeface="Times New Roman" panose="02020603050405020304" pitchFamily="18" charset="0"/>
-                        <a:ea typeface="宋体" panose="02010600030101010101" pitchFamily="2" charset="-122"/>
-                      </a:endParaRPr>
-                    </a:p>
-                  </a:txBody>
-                  <a:tcPr marL="0" marR="0" marT="0" marB="0" anchor="ctr"/>
-                </a:tc>
-                <a:tc>
-                  <a:txBody>
-                    <a:bodyPr/>
-                    <a:lstStyle/>
-                    <a:p>
-                      <a:pPr algn="ctr">
-                        <a:spcAft>
-                          <a:spcPts val="0"/>
-                        </a:spcAft>
-                      </a:pPr>
-                      <a:r>
-                        <a:rPr lang="en-US" sz="900" kern="100">
-                          <a:effectLst/>
-                        </a:rPr>
-                        <a:t>3.23</a:t>
-                      </a:r>
-                      <a:endParaRPr lang="zh-CN" sz="1050" kern="100">
-                        <a:effectLst/>
-                        <a:latin typeface="Times New Roman" panose="02020603050405020304" pitchFamily="18" charset="0"/>
-                        <a:ea typeface="宋体" panose="02010600030101010101" pitchFamily="2" charset="-122"/>
-                      </a:endParaRPr>
-                    </a:p>
-                  </a:txBody>
-                  <a:tcPr marL="0" marR="0" marT="0" marB="0" anchor="ctr"/>
-                </a:tc>
-                <a:tc>
-                  <a:txBody>
-                    <a:bodyPr/>
-                    <a:lstStyle/>
-                    <a:p>
-                      <a:pPr algn="ctr">
-                        <a:spcAft>
-                          <a:spcPts val="0"/>
-                        </a:spcAft>
-                      </a:pPr>
-                      <a:r>
-                        <a:rPr lang="en-US" sz="900" kern="100">
-                          <a:effectLst/>
-                        </a:rPr>
-                        <a:t>-5.13</a:t>
-                      </a:r>
-                      <a:endParaRPr lang="zh-CN" sz="1050" kern="100">
-                        <a:effectLst/>
-                        <a:latin typeface="Times New Roman" panose="02020603050405020304" pitchFamily="18" charset="0"/>
-                        <a:ea typeface="宋体" panose="02010600030101010101" pitchFamily="2" charset="-122"/>
-                      </a:endParaRPr>
-                    </a:p>
-                  </a:txBody>
-                  <a:tcPr marL="0" marR="0" marT="0" marB="0" anchor="ctr"/>
-                </a:tc>
-                <a:tc>
-                  <a:txBody>
-                    <a:bodyPr/>
-                    <a:lstStyle/>
-                    <a:p>
-                      <a:pPr algn="ctr">
-                        <a:spcAft>
-                          <a:spcPts val="0"/>
-                        </a:spcAft>
-                      </a:pPr>
-                      <a:r>
-                        <a:rPr lang="en-US" sz="900" kern="100">
-                          <a:effectLst/>
-                        </a:rPr>
-                        <a:t>1.84</a:t>
-                      </a:r>
-                      <a:endParaRPr lang="zh-CN" sz="1050" kern="100">
-                        <a:effectLst/>
-                        <a:latin typeface="Times New Roman" panose="02020603050405020304" pitchFamily="18" charset="0"/>
-                        <a:ea typeface="宋体" panose="02010600030101010101" pitchFamily="2" charset="-122"/>
-                      </a:endParaRPr>
-                    </a:p>
-                  </a:txBody>
-                  <a:tcPr marL="0" marR="0" marT="0" marB="0" anchor="ctr"/>
-                </a:tc>
-              </a:tr>
-              <a:tr h="180340">
-                <a:tc rowSpan="2">
                   <a:txBody>
                     <a:bodyPr/>
                     <a:lstStyle/>
@@ -10603,7 +9972,7 @@
                         <a:rPr lang="en-US" sz="900" kern="0">
                           <a:effectLst/>
                         </a:rPr>
-                        <a:t>0.7</a:t>
+                        <a:t>SGS</a:t>
                       </a:r>
                       <a:endParaRPr lang="zh-CN" sz="1050" kern="100">
                         <a:effectLst/>
@@ -10613,6 +9982,168 @@
                     </a:p>
                   </a:txBody>
                   <a:tcPr marL="0" marR="0" marT="0" marB="0" anchor="ctr"/>
+                </a:tc>
+                <a:tc>
+                  <a:txBody>
+                    <a:bodyPr/>
+                    <a:lstStyle/>
+                    <a:p>
+                      <a:pPr algn="ctr">
+                        <a:spcAft>
+                          <a:spcPts val="0"/>
+                        </a:spcAft>
+                      </a:pPr>
+                      <a:r>
+                        <a:rPr lang="en-US" sz="900" kern="100">
+                          <a:effectLst/>
+                        </a:rPr>
+                        <a:t>9.50</a:t>
+                      </a:r>
+                      <a:endParaRPr lang="zh-CN" sz="1050" kern="100">
+                        <a:effectLst/>
+                        <a:latin typeface="Times New Roman" panose="02020603050405020304" pitchFamily="18" charset="0"/>
+                        <a:ea typeface="宋体" panose="02010600030101010101" pitchFamily="2" charset="-122"/>
+                      </a:endParaRPr>
+                    </a:p>
+                  </a:txBody>
+                  <a:tcPr marL="0" marR="0" marT="0" marB="0" anchor="ctr"/>
+                </a:tc>
+                <a:tc>
+                  <a:txBody>
+                    <a:bodyPr/>
+                    <a:lstStyle/>
+                    <a:p>
+                      <a:pPr algn="ctr">
+                        <a:spcAft>
+                          <a:spcPts val="0"/>
+                        </a:spcAft>
+                      </a:pPr>
+                      <a:r>
+                        <a:rPr lang="en-US" sz="900" kern="100">
+                          <a:effectLst/>
+                        </a:rPr>
+                        <a:t>-10.76</a:t>
+                      </a:r>
+                      <a:endParaRPr lang="zh-CN" sz="1050" kern="100">
+                        <a:effectLst/>
+                        <a:latin typeface="Times New Roman" panose="02020603050405020304" pitchFamily="18" charset="0"/>
+                        <a:ea typeface="宋体" panose="02010600030101010101" pitchFamily="2" charset="-122"/>
+                      </a:endParaRPr>
+                    </a:p>
+                  </a:txBody>
+                  <a:tcPr marL="0" marR="0" marT="0" marB="0" anchor="ctr"/>
+                </a:tc>
+                <a:tc>
+                  <a:txBody>
+                    <a:bodyPr/>
+                    <a:lstStyle/>
+                    <a:p>
+                      <a:pPr algn="ctr">
+                        <a:spcAft>
+                          <a:spcPts val="0"/>
+                        </a:spcAft>
+                      </a:pPr>
+                      <a:r>
+                        <a:rPr lang="en-US" sz="900" kern="100">
+                          <a:effectLst/>
+                        </a:rPr>
+                        <a:t>4.65</a:t>
+                      </a:r>
+                      <a:endParaRPr lang="zh-CN" sz="1050" kern="100">
+                        <a:effectLst/>
+                        <a:latin typeface="Times New Roman" panose="02020603050405020304" pitchFamily="18" charset="0"/>
+                        <a:ea typeface="宋体" panose="02010600030101010101" pitchFamily="2" charset="-122"/>
+                      </a:endParaRPr>
+                    </a:p>
+                  </a:txBody>
+                  <a:tcPr marL="0" marR="0" marT="0" marB="0" anchor="ctr"/>
+                </a:tc>
+                <a:tc>
+                  <a:txBody>
+                    <a:bodyPr/>
+                    <a:lstStyle/>
+                    <a:p>
+                      <a:pPr algn="ctr">
+                        <a:spcAft>
+                          <a:spcPts val="0"/>
+                        </a:spcAft>
+                      </a:pPr>
+                      <a:r>
+                        <a:rPr lang="en-US" sz="900" kern="100">
+                          <a:effectLst/>
+                        </a:rPr>
+                        <a:t>6.95</a:t>
+                      </a:r>
+                      <a:endParaRPr lang="zh-CN" sz="1050" kern="100">
+                        <a:effectLst/>
+                        <a:latin typeface="Times New Roman" panose="02020603050405020304" pitchFamily="18" charset="0"/>
+                        <a:ea typeface="宋体" panose="02010600030101010101" pitchFamily="2" charset="-122"/>
+                      </a:endParaRPr>
+                    </a:p>
+                  </a:txBody>
+                  <a:tcPr marL="0" marR="0" marT="0" marB="0" anchor="ctr"/>
+                </a:tc>
+                <a:tc>
+                  <a:txBody>
+                    <a:bodyPr/>
+                    <a:lstStyle/>
+                    <a:p>
+                      <a:pPr algn="ctr">
+                        <a:spcAft>
+                          <a:spcPts val="0"/>
+                        </a:spcAft>
+                      </a:pPr>
+                      <a:r>
+                        <a:rPr lang="en-US" sz="900" kern="100">
+                          <a:effectLst/>
+                        </a:rPr>
+                        <a:t>-10.02</a:t>
+                      </a:r>
+                      <a:endParaRPr lang="zh-CN" sz="1050" kern="100">
+                        <a:effectLst/>
+                        <a:latin typeface="Times New Roman" panose="02020603050405020304" pitchFamily="18" charset="0"/>
+                        <a:ea typeface="宋体" panose="02010600030101010101" pitchFamily="2" charset="-122"/>
+                      </a:endParaRPr>
+                    </a:p>
+                  </a:txBody>
+                  <a:tcPr marL="0" marR="0" marT="0" marB="0" anchor="ctr"/>
+                </a:tc>
+                <a:tc>
+                  <a:txBody>
+                    <a:bodyPr/>
+                    <a:lstStyle/>
+                    <a:p>
+                      <a:pPr algn="ctr">
+                        <a:spcAft>
+                          <a:spcPts val="0"/>
+                        </a:spcAft>
+                      </a:pPr>
+                      <a:r>
+                        <a:rPr lang="en-US" sz="900" kern="100">
+                          <a:effectLst/>
+                        </a:rPr>
+                        <a:t>3.49</a:t>
+                      </a:r>
+                      <a:endParaRPr lang="zh-CN" sz="1050" kern="100">
+                        <a:effectLst/>
+                        <a:latin typeface="Times New Roman" panose="02020603050405020304" pitchFamily="18" charset="0"/>
+                        <a:ea typeface="宋体" panose="02010600030101010101" pitchFamily="2" charset="-122"/>
+                      </a:endParaRPr>
+                    </a:p>
+                  </a:txBody>
+                  <a:tcPr marL="0" marR="0" marT="0" marB="0" anchor="ctr"/>
+                </a:tc>
+              </a:tr>
+              <a:tr h="180340">
+                <a:tc vMerge="1">
+                  <a:txBody>
+                    <a:bodyPr/>
+                    <a:lstStyle/>
+                    <a:p>
+                      <a:endParaRPr lang="zh-CN" altLang="en-US"/>
+                    </a:p>
+                  </a:txBody>
+                  <a:tcPr/>
                 </a:tc>
                 <a:tc>
                   <a:txBody>
@@ -10631,895 +10162,7 @@
                         <a:rPr lang="en-US" sz="900" kern="0">
                           <a:effectLst/>
                         </a:rPr>
-                        <a:t>SGS</a:t>
-                      </a:r>
-                      <a:endParaRPr lang="zh-CN" sz="1050" kern="100">
-                        <a:effectLst/>
-                        <a:latin typeface="Times New Roman" panose="02020603050405020304" pitchFamily="18" charset="0"/>
-                        <a:ea typeface="宋体" panose="02010600030101010101" pitchFamily="2" charset="-122"/>
-                      </a:endParaRPr>
-                    </a:p>
-                  </a:txBody>
-                  <a:tcPr marL="0" marR="0" marT="0" marB="0" anchor="ctr"/>
-                </a:tc>
-                <a:tc>
-                  <a:txBody>
-                    <a:bodyPr/>
-                    <a:lstStyle/>
-                    <a:p>
-                      <a:pPr algn="ctr">
-                        <a:spcAft>
-                          <a:spcPts val="0"/>
-                        </a:spcAft>
-                      </a:pPr>
-                      <a:r>
-                        <a:rPr lang="en-US" sz="900" kern="100">
-                          <a:effectLst/>
-                        </a:rPr>
-                        <a:t>6.80</a:t>
-                      </a:r>
-                      <a:endParaRPr lang="zh-CN" sz="1050" kern="100">
-                        <a:effectLst/>
-                        <a:latin typeface="Times New Roman" panose="02020603050405020304" pitchFamily="18" charset="0"/>
-                        <a:ea typeface="宋体" panose="02010600030101010101" pitchFamily="2" charset="-122"/>
-                      </a:endParaRPr>
-                    </a:p>
-                  </a:txBody>
-                  <a:tcPr marL="0" marR="0" marT="0" marB="0" anchor="ctr"/>
-                </a:tc>
-                <a:tc>
-                  <a:txBody>
-                    <a:bodyPr/>
-                    <a:lstStyle/>
-                    <a:p>
-                      <a:pPr algn="ctr">
-                        <a:spcAft>
-                          <a:spcPts val="0"/>
-                        </a:spcAft>
-                      </a:pPr>
-                      <a:r>
-                        <a:rPr lang="en-US" sz="900" kern="100">
-                          <a:effectLst/>
-                        </a:rPr>
-                        <a:t>-10.21</a:t>
-                      </a:r>
-                      <a:endParaRPr lang="zh-CN" sz="1050" kern="100">
-                        <a:effectLst/>
-                        <a:latin typeface="Times New Roman" panose="02020603050405020304" pitchFamily="18" charset="0"/>
-                        <a:ea typeface="宋体" panose="02010600030101010101" pitchFamily="2" charset="-122"/>
-                      </a:endParaRPr>
-                    </a:p>
-                  </a:txBody>
-                  <a:tcPr marL="0" marR="0" marT="0" marB="0" anchor="ctr"/>
-                </a:tc>
-                <a:tc>
-                  <a:txBody>
-                    <a:bodyPr/>
-                    <a:lstStyle/>
-                    <a:p>
-                      <a:pPr algn="ctr">
-                        <a:spcAft>
-                          <a:spcPts val="0"/>
-                        </a:spcAft>
-                      </a:pPr>
-                      <a:r>
-                        <a:rPr lang="en-US" sz="900" kern="100">
-                          <a:effectLst/>
-                        </a:rPr>
-                        <a:t>3.59</a:t>
-                      </a:r>
-                      <a:endParaRPr lang="zh-CN" sz="1050" kern="100">
-                        <a:effectLst/>
-                        <a:latin typeface="Times New Roman" panose="02020603050405020304" pitchFamily="18" charset="0"/>
-                        <a:ea typeface="宋体" panose="02010600030101010101" pitchFamily="2" charset="-122"/>
-                      </a:endParaRPr>
-                    </a:p>
-                  </a:txBody>
-                  <a:tcPr marL="0" marR="0" marT="0" marB="0" anchor="ctr"/>
-                </a:tc>
-                <a:tc>
-                  <a:txBody>
-                    <a:bodyPr/>
-                    <a:lstStyle/>
-                    <a:p>
-                      <a:pPr algn="ctr">
-                        <a:spcAft>
-                          <a:spcPts val="0"/>
-                        </a:spcAft>
-                      </a:pPr>
-                      <a:r>
-                        <a:rPr lang="en-US" sz="900" kern="100">
-                          <a:effectLst/>
-                        </a:rPr>
-                        <a:t>12.16</a:t>
-                      </a:r>
-                      <a:endParaRPr lang="zh-CN" sz="1050" kern="100">
-                        <a:effectLst/>
-                        <a:latin typeface="Times New Roman" panose="02020603050405020304" pitchFamily="18" charset="0"/>
-                        <a:ea typeface="宋体" panose="02010600030101010101" pitchFamily="2" charset="-122"/>
-                      </a:endParaRPr>
-                    </a:p>
-                  </a:txBody>
-                  <a:tcPr marL="0" marR="0" marT="0" marB="0" anchor="ctr"/>
-                </a:tc>
-                <a:tc>
-                  <a:txBody>
-                    <a:bodyPr/>
-                    <a:lstStyle/>
-                    <a:p>
-                      <a:pPr algn="ctr">
-                        <a:spcAft>
-                          <a:spcPts val="0"/>
-                        </a:spcAft>
-                      </a:pPr>
-                      <a:r>
-                        <a:rPr lang="en-US" sz="900" kern="100">
-                          <a:effectLst/>
-                        </a:rPr>
-                        <a:t>-16.33</a:t>
-                      </a:r>
-                      <a:endParaRPr lang="zh-CN" sz="1050" kern="100">
-                        <a:effectLst/>
-                        <a:latin typeface="Times New Roman" panose="02020603050405020304" pitchFamily="18" charset="0"/>
-                        <a:ea typeface="宋体" panose="02010600030101010101" pitchFamily="2" charset="-122"/>
-                      </a:endParaRPr>
-                    </a:p>
-                  </a:txBody>
-                  <a:tcPr marL="0" marR="0" marT="0" marB="0" anchor="ctr"/>
-                </a:tc>
-                <a:tc>
-                  <a:txBody>
-                    <a:bodyPr/>
-                    <a:lstStyle/>
-                    <a:p>
-                      <a:pPr algn="ctr">
-                        <a:spcAft>
-                          <a:spcPts val="0"/>
-                        </a:spcAft>
-                      </a:pPr>
-                      <a:r>
-                        <a:rPr lang="en-US" sz="900" kern="100">
-                          <a:effectLst/>
-                        </a:rPr>
-                        <a:t>5.84</a:t>
-                      </a:r>
-                      <a:endParaRPr lang="zh-CN" sz="1050" kern="100">
-                        <a:effectLst/>
-                        <a:latin typeface="Times New Roman" panose="02020603050405020304" pitchFamily="18" charset="0"/>
-                        <a:ea typeface="宋体" panose="02010600030101010101" pitchFamily="2" charset="-122"/>
-                      </a:endParaRPr>
-                    </a:p>
-                  </a:txBody>
-                  <a:tcPr marL="0" marR="0" marT="0" marB="0" anchor="ctr"/>
-                </a:tc>
-                <a:tc>
-                  <a:txBody>
-                    <a:bodyPr/>
-                    <a:lstStyle/>
-                    <a:p>
-                      <a:pPr algn="ctr">
-                        <a:spcAft>
-                          <a:spcPts val="0"/>
-                        </a:spcAft>
-                      </a:pPr>
-                      <a:r>
-                        <a:rPr lang="en-US" sz="900" kern="100">
-                          <a:effectLst/>
-                        </a:rPr>
-                        <a:t>17.84</a:t>
-                      </a:r>
-                      <a:endParaRPr lang="zh-CN" sz="1050" kern="100">
-                        <a:effectLst/>
-                        <a:latin typeface="Times New Roman" panose="02020603050405020304" pitchFamily="18" charset="0"/>
-                        <a:ea typeface="宋体" panose="02010600030101010101" pitchFamily="2" charset="-122"/>
-                      </a:endParaRPr>
-                    </a:p>
-                  </a:txBody>
-                  <a:tcPr marL="0" marR="0" marT="0" marB="0" anchor="ctr"/>
-                </a:tc>
-                <a:tc>
-                  <a:txBody>
-                    <a:bodyPr/>
-                    <a:lstStyle/>
-                    <a:p>
-                      <a:pPr algn="ctr">
-                        <a:spcAft>
-                          <a:spcPts val="0"/>
-                        </a:spcAft>
-                      </a:pPr>
-                      <a:r>
-                        <a:rPr lang="en-US" sz="900" kern="100">
-                          <a:effectLst/>
-                        </a:rPr>
-                        <a:t>-19.15</a:t>
-                      </a:r>
-                      <a:endParaRPr lang="zh-CN" sz="1050" kern="100">
-                        <a:effectLst/>
-                        <a:latin typeface="Times New Roman" panose="02020603050405020304" pitchFamily="18" charset="0"/>
-                        <a:ea typeface="宋体" panose="02010600030101010101" pitchFamily="2" charset="-122"/>
-                      </a:endParaRPr>
-                    </a:p>
-                  </a:txBody>
-                  <a:tcPr marL="0" marR="0" marT="0" marB="0" anchor="ctr"/>
-                </a:tc>
-                <a:tc>
-                  <a:txBody>
-                    <a:bodyPr/>
-                    <a:lstStyle/>
-                    <a:p>
-                      <a:pPr algn="ctr">
-                        <a:spcAft>
-                          <a:spcPts val="0"/>
-                        </a:spcAft>
-                      </a:pPr>
-                      <a:r>
-                        <a:rPr lang="en-US" sz="900" kern="100">
-                          <a:effectLst/>
-                        </a:rPr>
-                        <a:t>7.43</a:t>
-                      </a:r>
-                      <a:endParaRPr lang="zh-CN" sz="1050" kern="100">
-                        <a:effectLst/>
-                        <a:latin typeface="Times New Roman" panose="02020603050405020304" pitchFamily="18" charset="0"/>
-                        <a:ea typeface="宋体" panose="02010600030101010101" pitchFamily="2" charset="-122"/>
-                      </a:endParaRPr>
-                    </a:p>
-                  </a:txBody>
-                  <a:tcPr marL="0" marR="0" marT="0" marB="0" anchor="ctr"/>
-                </a:tc>
-              </a:tr>
-              <a:tr h="180340">
-                <a:tc vMerge="1">
-                  <a:txBody>
-                    <a:bodyPr/>
-                    <a:lstStyle/>
-                    <a:p>
-                      <a:endParaRPr lang="zh-CN" altLang="en-US"/>
-                    </a:p>
-                  </a:txBody>
-                  <a:tcPr/>
-                </a:tc>
-                <a:tc>
-                  <a:txBody>
-                    <a:bodyPr/>
-                    <a:lstStyle/>
-                    <a:p>
-                      <a:pPr algn="ctr" fontAlgn="ctr">
-                        <a:lnSpc>
-                          <a:spcPts val="1500"/>
-                        </a:lnSpc>
-                        <a:spcAft>
-                          <a:spcPts val="0"/>
-                        </a:spcAft>
-                      </a:pPr>
-                      <a:r>
-                        <a:rPr lang="en-US" sz="900" kern="0">
-                          <a:effectLst/>
-                        </a:rPr>
                         <a:t>STGS4ER</a:t>
-                      </a:r>
-                      <a:endParaRPr lang="zh-CN" sz="1050" kern="100">
-                        <a:effectLst/>
-                        <a:latin typeface="Times New Roman" panose="02020603050405020304" pitchFamily="18" charset="0"/>
-                        <a:ea typeface="宋体" panose="02010600030101010101" pitchFamily="2" charset="-122"/>
-                      </a:endParaRPr>
-                    </a:p>
-                  </a:txBody>
-                  <a:tcPr marL="0" marR="0" marT="0" marB="0" anchor="ctr"/>
-                </a:tc>
-                <a:tc>
-                  <a:txBody>
-                    <a:bodyPr/>
-                    <a:lstStyle/>
-                    <a:p>
-                      <a:pPr algn="ctr">
-                        <a:spcAft>
-                          <a:spcPts val="0"/>
-                        </a:spcAft>
-                      </a:pPr>
-                      <a:r>
-                        <a:rPr lang="en-US" sz="900" kern="100">
-                          <a:effectLst/>
-                        </a:rPr>
-                        <a:t>5.03</a:t>
-                      </a:r>
-                      <a:endParaRPr lang="zh-CN" sz="1050" kern="100">
-                        <a:effectLst/>
-                        <a:latin typeface="Times New Roman" panose="02020603050405020304" pitchFamily="18" charset="0"/>
-                        <a:ea typeface="宋体" panose="02010600030101010101" pitchFamily="2" charset="-122"/>
-                      </a:endParaRPr>
-                    </a:p>
-                  </a:txBody>
-                  <a:tcPr marL="0" marR="0" marT="0" marB="0" anchor="ctr"/>
-                </a:tc>
-                <a:tc>
-                  <a:txBody>
-                    <a:bodyPr/>
-                    <a:lstStyle/>
-                    <a:p>
-                      <a:pPr algn="ctr">
-                        <a:spcAft>
-                          <a:spcPts val="0"/>
-                        </a:spcAft>
-                      </a:pPr>
-                      <a:r>
-                        <a:rPr lang="en-US" sz="900" kern="100">
-                          <a:effectLst/>
-                        </a:rPr>
-                        <a:t>-8.15</a:t>
-                      </a:r>
-                      <a:endParaRPr lang="zh-CN" sz="1050" kern="100">
-                        <a:effectLst/>
-                        <a:latin typeface="Times New Roman" panose="02020603050405020304" pitchFamily="18" charset="0"/>
-                        <a:ea typeface="宋体" panose="02010600030101010101" pitchFamily="2" charset="-122"/>
-                      </a:endParaRPr>
-                    </a:p>
-                  </a:txBody>
-                  <a:tcPr marL="0" marR="0" marT="0" marB="0" anchor="ctr"/>
-                </a:tc>
-                <a:tc>
-                  <a:txBody>
-                    <a:bodyPr/>
-                    <a:lstStyle/>
-                    <a:p>
-                      <a:pPr algn="ctr">
-                        <a:spcAft>
-                          <a:spcPts val="0"/>
-                        </a:spcAft>
-                      </a:pPr>
-                      <a:r>
-                        <a:rPr lang="en-US" sz="900" kern="100">
-                          <a:effectLst/>
-                        </a:rPr>
-                        <a:t>3.00</a:t>
-                      </a:r>
-                      <a:endParaRPr lang="zh-CN" sz="1050" kern="100">
-                        <a:effectLst/>
-                        <a:latin typeface="Times New Roman" panose="02020603050405020304" pitchFamily="18" charset="0"/>
-                        <a:ea typeface="宋体" panose="02010600030101010101" pitchFamily="2" charset="-122"/>
-                      </a:endParaRPr>
-                    </a:p>
-                  </a:txBody>
-                  <a:tcPr marL="0" marR="0" marT="0" marB="0" anchor="ctr"/>
-                </a:tc>
-                <a:tc>
-                  <a:txBody>
-                    <a:bodyPr/>
-                    <a:lstStyle/>
-                    <a:p>
-                      <a:pPr algn="ctr">
-                        <a:spcAft>
-                          <a:spcPts val="0"/>
-                        </a:spcAft>
-                      </a:pPr>
-                      <a:r>
-                        <a:rPr lang="en-US" sz="900" kern="100">
-                          <a:effectLst/>
-                        </a:rPr>
-                        <a:t>4.20</a:t>
-                      </a:r>
-                      <a:endParaRPr lang="zh-CN" sz="1050" kern="100">
-                        <a:effectLst/>
-                        <a:latin typeface="Times New Roman" panose="02020603050405020304" pitchFamily="18" charset="0"/>
-                        <a:ea typeface="宋体" panose="02010600030101010101" pitchFamily="2" charset="-122"/>
-                      </a:endParaRPr>
-                    </a:p>
-                  </a:txBody>
-                  <a:tcPr marL="0" marR="0" marT="0" marB="0" anchor="ctr"/>
-                </a:tc>
-                <a:tc>
-                  <a:txBody>
-                    <a:bodyPr/>
-                    <a:lstStyle/>
-                    <a:p>
-                      <a:pPr algn="ctr">
-                        <a:spcAft>
-                          <a:spcPts val="0"/>
-                        </a:spcAft>
-                      </a:pPr>
-                      <a:r>
-                        <a:rPr lang="en-US" sz="900" kern="100">
-                          <a:effectLst/>
-                        </a:rPr>
-                        <a:t>-6.34</a:t>
-                      </a:r>
-                      <a:endParaRPr lang="zh-CN" sz="1050" kern="100">
-                        <a:effectLst/>
-                        <a:latin typeface="Times New Roman" panose="02020603050405020304" pitchFamily="18" charset="0"/>
-                        <a:ea typeface="宋体" panose="02010600030101010101" pitchFamily="2" charset="-122"/>
-                      </a:endParaRPr>
-                    </a:p>
-                  </a:txBody>
-                  <a:tcPr marL="0" marR="0" marT="0" marB="0" anchor="ctr"/>
-                </a:tc>
-                <a:tc>
-                  <a:txBody>
-                    <a:bodyPr/>
-                    <a:lstStyle/>
-                    <a:p>
-                      <a:pPr algn="ctr">
-                        <a:spcAft>
-                          <a:spcPts val="0"/>
-                        </a:spcAft>
-                      </a:pPr>
-                      <a:r>
-                        <a:rPr lang="en-US" sz="900" kern="100">
-                          <a:effectLst/>
-                        </a:rPr>
-                        <a:t>2.58</a:t>
-                      </a:r>
-                      <a:endParaRPr lang="zh-CN" sz="1050" kern="100">
-                        <a:effectLst/>
-                        <a:latin typeface="Times New Roman" panose="02020603050405020304" pitchFamily="18" charset="0"/>
-                        <a:ea typeface="宋体" panose="02010600030101010101" pitchFamily="2" charset="-122"/>
-                      </a:endParaRPr>
-                    </a:p>
-                  </a:txBody>
-                  <a:tcPr marL="0" marR="0" marT="0" marB="0" anchor="ctr"/>
-                </a:tc>
-                <a:tc>
-                  <a:txBody>
-                    <a:bodyPr/>
-                    <a:lstStyle/>
-                    <a:p>
-                      <a:pPr algn="ctr">
-                        <a:spcAft>
-                          <a:spcPts val="0"/>
-                        </a:spcAft>
-                      </a:pPr>
-                      <a:r>
-                        <a:rPr lang="en-US" sz="900" kern="100">
-                          <a:effectLst/>
-                        </a:rPr>
-                        <a:t>3.83</a:t>
-                      </a:r>
-                      <a:endParaRPr lang="zh-CN" sz="1050" kern="100">
-                        <a:effectLst/>
-                        <a:latin typeface="Times New Roman" panose="02020603050405020304" pitchFamily="18" charset="0"/>
-                        <a:ea typeface="宋体" panose="02010600030101010101" pitchFamily="2" charset="-122"/>
-                      </a:endParaRPr>
-                    </a:p>
-                  </a:txBody>
-                  <a:tcPr marL="0" marR="0" marT="0" marB="0" anchor="ctr"/>
-                </a:tc>
-                <a:tc>
-                  <a:txBody>
-                    <a:bodyPr/>
-                    <a:lstStyle/>
-                    <a:p>
-                      <a:pPr algn="ctr">
-                        <a:spcAft>
-                          <a:spcPts val="0"/>
-                        </a:spcAft>
-                      </a:pPr>
-                      <a:r>
-                        <a:rPr lang="en-US" sz="900" kern="100">
-                          <a:effectLst/>
-                        </a:rPr>
-                        <a:t>-5.56</a:t>
-                      </a:r>
-                      <a:endParaRPr lang="zh-CN" sz="1050" kern="100">
-                        <a:effectLst/>
-                        <a:latin typeface="Times New Roman" panose="02020603050405020304" pitchFamily="18" charset="0"/>
-                        <a:ea typeface="宋体" panose="02010600030101010101" pitchFamily="2" charset="-122"/>
-                      </a:endParaRPr>
-                    </a:p>
-                  </a:txBody>
-                  <a:tcPr marL="0" marR="0" marT="0" marB="0" anchor="ctr"/>
-                </a:tc>
-                <a:tc>
-                  <a:txBody>
-                    <a:bodyPr/>
-                    <a:lstStyle/>
-                    <a:p>
-                      <a:pPr algn="ctr">
-                        <a:spcAft>
-                          <a:spcPts val="0"/>
-                        </a:spcAft>
-                      </a:pPr>
-                      <a:r>
-                        <a:rPr lang="en-US" sz="900" kern="100">
-                          <a:effectLst/>
-                        </a:rPr>
-                        <a:t>2.18</a:t>
-                      </a:r>
-                      <a:endParaRPr lang="zh-CN" sz="1050" kern="100">
-                        <a:effectLst/>
-                        <a:latin typeface="Times New Roman" panose="02020603050405020304" pitchFamily="18" charset="0"/>
-                        <a:ea typeface="宋体" panose="02010600030101010101" pitchFamily="2" charset="-122"/>
-                      </a:endParaRPr>
-                    </a:p>
-                  </a:txBody>
-                  <a:tcPr marL="0" marR="0" marT="0" marB="0" anchor="ctr"/>
-                </a:tc>
-              </a:tr>
-              <a:tr h="180340">
-                <a:tc rowSpan="2">
-                  <a:txBody>
-                    <a:bodyPr/>
-                    <a:lstStyle/>
-                    <a:p>
-                      <a:pPr algn="ctr" fontAlgn="ctr">
-                        <a:lnSpc>
-                          <a:spcPts val="1500"/>
-                        </a:lnSpc>
-                        <a:spcAft>
-                          <a:spcPts val="0"/>
-                        </a:spcAft>
-                      </a:pPr>
-                      <a:r>
-                        <a:rPr lang="en-US" sz="900" kern="0" dirty="0">
-                          <a:effectLst/>
-                        </a:rPr>
-                        <a:t>1.2</a:t>
-                      </a:r>
-                      <a:endParaRPr lang="zh-CN" sz="1050" kern="100" dirty="0">
-                        <a:effectLst/>
-                        <a:latin typeface="Times New Roman" panose="02020603050405020304" pitchFamily="18" charset="0"/>
-                        <a:ea typeface="宋体" panose="02010600030101010101" pitchFamily="2" charset="-122"/>
-                      </a:endParaRPr>
-                    </a:p>
-                  </a:txBody>
-                  <a:tcPr marL="0" marR="0" marT="0" marB="0" anchor="ctr"/>
-                </a:tc>
-                <a:tc>
-                  <a:txBody>
-                    <a:bodyPr/>
-                    <a:lstStyle/>
-                    <a:p>
-                      <a:pPr algn="ctr" fontAlgn="ctr">
-                        <a:lnSpc>
-                          <a:spcPts val="1500"/>
-                        </a:lnSpc>
-                        <a:spcAft>
-                          <a:spcPts val="0"/>
-                        </a:spcAft>
-                      </a:pPr>
-                      <a:r>
-                        <a:rPr lang="en-US" sz="900" kern="0">
-                          <a:effectLst/>
-                        </a:rPr>
-                        <a:t>SGS</a:t>
-                      </a:r>
-                      <a:endParaRPr lang="zh-CN" sz="1050" kern="100">
-                        <a:effectLst/>
-                        <a:latin typeface="Times New Roman" panose="02020603050405020304" pitchFamily="18" charset="0"/>
-                        <a:ea typeface="宋体" panose="02010600030101010101" pitchFamily="2" charset="-122"/>
-                      </a:endParaRPr>
-                    </a:p>
-                  </a:txBody>
-                  <a:tcPr marL="0" marR="0" marT="0" marB="0" anchor="ctr"/>
-                </a:tc>
-                <a:tc>
-                  <a:txBody>
-                    <a:bodyPr/>
-                    <a:lstStyle/>
-                    <a:p>
-                      <a:pPr algn="ctr">
-                        <a:spcAft>
-                          <a:spcPts val="0"/>
-                        </a:spcAft>
-                      </a:pPr>
-                      <a:r>
-                        <a:rPr lang="en-US" sz="900" kern="100">
-                          <a:effectLst/>
-                        </a:rPr>
-                        <a:t>21.84</a:t>
-                      </a:r>
-                      <a:endParaRPr lang="zh-CN" sz="1050" kern="100">
-                        <a:effectLst/>
-                        <a:latin typeface="Times New Roman" panose="02020603050405020304" pitchFamily="18" charset="0"/>
-                        <a:ea typeface="宋体" panose="02010600030101010101" pitchFamily="2" charset="-122"/>
-                      </a:endParaRPr>
-                    </a:p>
-                  </a:txBody>
-                  <a:tcPr marL="0" marR="0" marT="0" marB="0" anchor="ctr"/>
-                </a:tc>
-                <a:tc>
-                  <a:txBody>
-                    <a:bodyPr/>
-                    <a:lstStyle/>
-                    <a:p>
-                      <a:pPr algn="ctr">
-                        <a:spcAft>
-                          <a:spcPts val="0"/>
-                        </a:spcAft>
-                      </a:pPr>
-                      <a:r>
-                        <a:rPr lang="en-US" sz="900" kern="100">
-                          <a:effectLst/>
-                        </a:rPr>
-                        <a:t>-23.31</a:t>
-                      </a:r>
-                      <a:endParaRPr lang="zh-CN" sz="1050" kern="100">
-                        <a:effectLst/>
-                        <a:latin typeface="Times New Roman" panose="02020603050405020304" pitchFamily="18" charset="0"/>
-                        <a:ea typeface="宋体" panose="02010600030101010101" pitchFamily="2" charset="-122"/>
-                      </a:endParaRPr>
-                    </a:p>
-                  </a:txBody>
-                  <a:tcPr marL="0" marR="0" marT="0" marB="0" anchor="ctr"/>
-                </a:tc>
-                <a:tc>
-                  <a:txBody>
-                    <a:bodyPr/>
-                    <a:lstStyle/>
-                    <a:p>
-                      <a:pPr algn="ctr">
-                        <a:spcAft>
-                          <a:spcPts val="0"/>
-                        </a:spcAft>
-                      </a:pPr>
-                      <a:r>
-                        <a:rPr lang="en-US" sz="900" kern="100">
-                          <a:effectLst/>
-                        </a:rPr>
-                        <a:t>10.25</a:t>
-                      </a:r>
-                      <a:endParaRPr lang="zh-CN" sz="1050" kern="100">
-                        <a:effectLst/>
-                        <a:latin typeface="Times New Roman" panose="02020603050405020304" pitchFamily="18" charset="0"/>
-                        <a:ea typeface="宋体" panose="02010600030101010101" pitchFamily="2" charset="-122"/>
-                      </a:endParaRPr>
-                    </a:p>
-                  </a:txBody>
-                  <a:tcPr marL="0" marR="0" marT="0" marB="0" anchor="ctr"/>
-                </a:tc>
-                <a:tc>
-                  <a:txBody>
-                    <a:bodyPr/>
-                    <a:lstStyle/>
-                    <a:p>
-                      <a:pPr algn="ctr">
-                        <a:spcAft>
-                          <a:spcPts val="0"/>
-                        </a:spcAft>
-                      </a:pPr>
-                      <a:r>
-                        <a:rPr lang="en-US" sz="900" kern="100">
-                          <a:effectLst/>
-                        </a:rPr>
-                        <a:t>9.50</a:t>
-                      </a:r>
-                      <a:endParaRPr lang="zh-CN" sz="1050" kern="100">
-                        <a:effectLst/>
-                        <a:latin typeface="Times New Roman" panose="02020603050405020304" pitchFamily="18" charset="0"/>
-                        <a:ea typeface="宋体" panose="02010600030101010101" pitchFamily="2" charset="-122"/>
-                      </a:endParaRPr>
-                    </a:p>
-                  </a:txBody>
-                  <a:tcPr marL="0" marR="0" marT="0" marB="0" anchor="ctr"/>
-                </a:tc>
-                <a:tc>
-                  <a:txBody>
-                    <a:bodyPr/>
-                    <a:lstStyle/>
-                    <a:p>
-                      <a:pPr algn="ctr">
-                        <a:spcAft>
-                          <a:spcPts val="0"/>
-                        </a:spcAft>
-                      </a:pPr>
-                      <a:r>
-                        <a:rPr lang="en-US" sz="900" kern="100">
-                          <a:effectLst/>
-                        </a:rPr>
-                        <a:t>-10.76</a:t>
-                      </a:r>
-                      <a:endParaRPr lang="zh-CN" sz="1050" kern="100">
-                        <a:effectLst/>
-                        <a:latin typeface="Times New Roman" panose="02020603050405020304" pitchFamily="18" charset="0"/>
-                        <a:ea typeface="宋体" panose="02010600030101010101" pitchFamily="2" charset="-122"/>
-                      </a:endParaRPr>
-                    </a:p>
-                  </a:txBody>
-                  <a:tcPr marL="0" marR="0" marT="0" marB="0" anchor="ctr"/>
-                </a:tc>
-                <a:tc>
-                  <a:txBody>
-                    <a:bodyPr/>
-                    <a:lstStyle/>
-                    <a:p>
-                      <a:pPr algn="ctr">
-                        <a:spcAft>
-                          <a:spcPts val="0"/>
-                        </a:spcAft>
-                      </a:pPr>
-                      <a:r>
-                        <a:rPr lang="en-US" sz="900" kern="100">
-                          <a:effectLst/>
-                        </a:rPr>
-                        <a:t>4.65</a:t>
-                      </a:r>
-                      <a:endParaRPr lang="zh-CN" sz="1050" kern="100">
-                        <a:effectLst/>
-                        <a:latin typeface="Times New Roman" panose="02020603050405020304" pitchFamily="18" charset="0"/>
-                        <a:ea typeface="宋体" panose="02010600030101010101" pitchFamily="2" charset="-122"/>
-                      </a:endParaRPr>
-                    </a:p>
-                  </a:txBody>
-                  <a:tcPr marL="0" marR="0" marT="0" marB="0" anchor="ctr"/>
-                </a:tc>
-                <a:tc>
-                  <a:txBody>
-                    <a:bodyPr/>
-                    <a:lstStyle/>
-                    <a:p>
-                      <a:pPr algn="ctr">
-                        <a:spcAft>
-                          <a:spcPts val="0"/>
-                        </a:spcAft>
-                      </a:pPr>
-                      <a:r>
-                        <a:rPr lang="en-US" sz="900" kern="100">
-                          <a:effectLst/>
-                        </a:rPr>
-                        <a:t>6.95</a:t>
-                      </a:r>
-                      <a:endParaRPr lang="zh-CN" sz="1050" kern="100">
-                        <a:effectLst/>
-                        <a:latin typeface="Times New Roman" panose="02020603050405020304" pitchFamily="18" charset="0"/>
-                        <a:ea typeface="宋体" panose="02010600030101010101" pitchFamily="2" charset="-122"/>
-                      </a:endParaRPr>
-                    </a:p>
-                  </a:txBody>
-                  <a:tcPr marL="0" marR="0" marT="0" marB="0" anchor="ctr"/>
-                </a:tc>
-                <a:tc>
-                  <a:txBody>
-                    <a:bodyPr/>
-                    <a:lstStyle/>
-                    <a:p>
-                      <a:pPr algn="ctr">
-                        <a:spcAft>
-                          <a:spcPts val="0"/>
-                        </a:spcAft>
-                      </a:pPr>
-                      <a:r>
-                        <a:rPr lang="en-US" sz="900" kern="100">
-                          <a:effectLst/>
-                        </a:rPr>
-                        <a:t>-10.02</a:t>
-                      </a:r>
-                      <a:endParaRPr lang="zh-CN" sz="1050" kern="100">
-                        <a:effectLst/>
-                        <a:latin typeface="Times New Roman" panose="02020603050405020304" pitchFamily="18" charset="0"/>
-                        <a:ea typeface="宋体" panose="02010600030101010101" pitchFamily="2" charset="-122"/>
-                      </a:endParaRPr>
-                    </a:p>
-                  </a:txBody>
-                  <a:tcPr marL="0" marR="0" marT="0" marB="0" anchor="ctr"/>
-                </a:tc>
-                <a:tc>
-                  <a:txBody>
-                    <a:bodyPr/>
-                    <a:lstStyle/>
-                    <a:p>
-                      <a:pPr algn="ctr">
-                        <a:spcAft>
-                          <a:spcPts val="0"/>
-                        </a:spcAft>
-                      </a:pPr>
-                      <a:r>
-                        <a:rPr lang="en-US" sz="900" kern="100">
-                          <a:effectLst/>
-                        </a:rPr>
-                        <a:t>3.49</a:t>
-                      </a:r>
-                      <a:endParaRPr lang="zh-CN" sz="1050" kern="100">
-                        <a:effectLst/>
-                        <a:latin typeface="Times New Roman" panose="02020603050405020304" pitchFamily="18" charset="0"/>
-                        <a:ea typeface="宋体" panose="02010600030101010101" pitchFamily="2" charset="-122"/>
-                      </a:endParaRPr>
-                    </a:p>
-                  </a:txBody>
-                  <a:tcPr marL="0" marR="0" marT="0" marB="0" anchor="ctr"/>
-                </a:tc>
-              </a:tr>
-              <a:tr h="180340">
-                <a:tc vMerge="1">
-                  <a:txBody>
-                    <a:bodyPr/>
-                    <a:lstStyle/>
-                    <a:p>
-                      <a:endParaRPr lang="zh-CN" altLang="en-US"/>
-                    </a:p>
-                  </a:txBody>
-                  <a:tcPr/>
-                </a:tc>
-                <a:tc>
-                  <a:txBody>
-                    <a:bodyPr/>
-                    <a:lstStyle/>
-                    <a:p>
-                      <a:pPr algn="ctr" fontAlgn="ctr">
-                        <a:lnSpc>
-                          <a:spcPts val="1500"/>
-                        </a:lnSpc>
-                        <a:spcAft>
-                          <a:spcPts val="0"/>
-                        </a:spcAft>
-                      </a:pPr>
-                      <a:r>
-                        <a:rPr lang="en-US" sz="900" kern="0">
-                          <a:effectLst/>
-                        </a:rPr>
-                        <a:t>STGS4ER</a:t>
-                      </a:r>
-                      <a:endParaRPr lang="zh-CN" sz="1050" kern="100">
-                        <a:effectLst/>
-                        <a:latin typeface="Times New Roman" panose="02020603050405020304" pitchFamily="18" charset="0"/>
-                        <a:ea typeface="宋体" panose="02010600030101010101" pitchFamily="2" charset="-122"/>
-                      </a:endParaRPr>
-                    </a:p>
-                  </a:txBody>
-                  <a:tcPr marL="0" marR="0" marT="0" marB="0" anchor="ctr"/>
-                </a:tc>
-                <a:tc>
-                  <a:txBody>
-                    <a:bodyPr/>
-                    <a:lstStyle/>
-                    <a:p>
-                      <a:pPr algn="ctr">
-                        <a:spcAft>
-                          <a:spcPts val="0"/>
-                        </a:spcAft>
-                      </a:pPr>
-                      <a:r>
-                        <a:rPr lang="en-US" sz="900" kern="100">
-                          <a:effectLst/>
-                        </a:rPr>
-                        <a:t>14.49</a:t>
-                      </a:r>
-                      <a:endParaRPr lang="zh-CN" sz="1050" kern="100">
-                        <a:effectLst/>
-                        <a:latin typeface="Times New Roman" panose="02020603050405020304" pitchFamily="18" charset="0"/>
-                        <a:ea typeface="宋体" panose="02010600030101010101" pitchFamily="2" charset="-122"/>
-                      </a:endParaRPr>
-                    </a:p>
-                  </a:txBody>
-                  <a:tcPr marL="0" marR="0" marT="0" marB="0" anchor="ctr"/>
-                </a:tc>
-                <a:tc>
-                  <a:txBody>
-                    <a:bodyPr/>
-                    <a:lstStyle/>
-                    <a:p>
-                      <a:pPr algn="ctr">
-                        <a:spcAft>
-                          <a:spcPts val="0"/>
-                        </a:spcAft>
-                      </a:pPr>
-                      <a:r>
-                        <a:rPr lang="en-US" sz="900" kern="100">
-                          <a:effectLst/>
-                        </a:rPr>
-                        <a:t>-16.00</a:t>
-                      </a:r>
-                      <a:endParaRPr lang="zh-CN" sz="1050" kern="100">
-                        <a:effectLst/>
-                        <a:latin typeface="Times New Roman" panose="02020603050405020304" pitchFamily="18" charset="0"/>
-                        <a:ea typeface="宋体" panose="02010600030101010101" pitchFamily="2" charset="-122"/>
-                      </a:endParaRPr>
-                    </a:p>
-                  </a:txBody>
-                  <a:tcPr marL="0" marR="0" marT="0" marB="0" anchor="ctr"/>
-                </a:tc>
-                <a:tc>
-                  <a:txBody>
-                    <a:bodyPr/>
-                    <a:lstStyle/>
-                    <a:p>
-                      <a:pPr algn="ctr">
-                        <a:spcAft>
-                          <a:spcPts val="0"/>
-                        </a:spcAft>
-                      </a:pPr>
-                      <a:r>
-                        <a:rPr lang="en-US" sz="900" kern="100">
-                          <a:effectLst/>
-                        </a:rPr>
-                        <a:t>5.59</a:t>
                       </a:r>
                       <a:endParaRPr lang="zh-CN" sz="1050" kern="100">
                         <a:effectLst/>
@@ -12296,7 +10939,6 @@
               <a:rPr kumimoji="1" lang="zh-CN" altLang="en-US" b="1" dirty="0" smtClean="0"/>
               <a:t>报告内容</a:t>
             </a:r>
-            <a:endParaRPr kumimoji="1" lang="zh-CN" altLang="en-US" b="1" dirty="0" smtClean="0"/>
           </a:p>
         </p:txBody>
       </p:sp>
@@ -12513,8 +11155,12 @@
           <a:p>
             <a:pPr eaLnBrk="1" hangingPunct="1"/>
             <a:r>
+              <a:rPr lang="zh-CN" altLang="en-US" dirty="0"/>
+              <a:t>不同位置单点源，两种</a:t>
+            </a:r>
+            <a:r>
               <a:rPr lang="zh-CN" altLang="en-US" dirty="0" smtClean="0"/>
-              <a:t>两种核素</a:t>
+              <a:t>核素</a:t>
             </a:r>
             <a:r>
               <a:rPr lang="en-US" altLang="zh-CN" dirty="0" smtClean="0"/>
@@ -12975,14 +11621,14 @@
           <p:nvPr>
             <p:extLst>
               <p:ext uri="{D42A27DB-BD31-4B8C-83A1-F6EECF244321}">
-                <p14:modId xmlns:p14="http://schemas.microsoft.com/office/powerpoint/2010/main" val="4005357309"/>
+                <p14:modId xmlns:p14="http://schemas.microsoft.com/office/powerpoint/2010/main" val="2667471880"/>
               </p:ext>
             </p:extLst>
           </p:nvPr>
         </p:nvGraphicFramePr>
         <p:xfrm>
           <a:off x="457200" y="1496158"/>
-          <a:ext cx="5343524" cy="3065780"/>
+          <a:ext cx="3939274" cy="3065780"/>
         </p:xfrm>
         <a:graphic>
           <a:graphicData uri="http://schemas.openxmlformats.org/drawingml/2006/table">
@@ -12993,9 +11639,6 @@
               <a:tblGrid>
                 <a:gridCol w="522369"/>
                 <a:gridCol w="522369"/>
-                <a:gridCol w="505776"/>
-                <a:gridCol w="435717"/>
-                <a:gridCol w="462757"/>
                 <a:gridCol w="499630"/>
                 <a:gridCol w="499630"/>
                 <a:gridCol w="470132"/>
@@ -13093,57 +11736,12 @@
                         </a:spcAft>
                       </a:pPr>
                       <a:r>
-                        <a:rPr lang="en-US" sz="900" kern="0">
-                          <a:effectLst/>
-                        </a:rPr>
-                        <a:t>Ba-133</a:t>
-                      </a:r>
-                      <a:endParaRPr lang="zh-CN" sz="1050" kern="100">
-                        <a:effectLst/>
-                        <a:latin typeface="Times New Roman" panose="02020603050405020304" pitchFamily="18" charset="0"/>
-                        <a:ea typeface="宋体" panose="02010600030101010101" pitchFamily="2" charset="-122"/>
-                      </a:endParaRPr>
-                    </a:p>
-                  </a:txBody>
-                  <a:tcPr marL="68580" marR="68580" marT="0" marB="0" anchor="ctr"/>
-                </a:tc>
-                <a:tc hMerge="1">
-                  <a:txBody>
-                    <a:bodyPr/>
-                    <a:lstStyle/>
-                    <a:p>
-                      <a:endParaRPr lang="zh-CN" altLang="en-US"/>
-                    </a:p>
-                  </a:txBody>
-                  <a:tcPr/>
-                </a:tc>
-                <a:tc hMerge="1">
-                  <a:txBody>
-                    <a:bodyPr/>
-                    <a:lstStyle/>
-                    <a:p>
-                      <a:endParaRPr lang="zh-CN" altLang="en-US"/>
-                    </a:p>
-                  </a:txBody>
-                  <a:tcPr/>
-                </a:tc>
-                <a:tc gridSpan="3">
-                  <a:txBody>
-                    <a:bodyPr/>
-                    <a:lstStyle/>
-                    <a:p>
-                      <a:pPr indent="228600" algn="ctr" fontAlgn="ctr">
-                        <a:spcAft>
-                          <a:spcPts val="0"/>
-                        </a:spcAft>
-                      </a:pPr>
-                      <a:r>
-                        <a:rPr lang="en-US" sz="900" kern="0">
+                        <a:rPr lang="en-US" sz="900" kern="0" dirty="0">
                           <a:effectLst/>
                         </a:rPr>
                         <a:t>Cs-137</a:t>
                       </a:r>
-                      <a:endParaRPr lang="zh-CN" sz="1050" kern="100">
+                      <a:endParaRPr lang="zh-CN" sz="1050" kern="100" dirty="0">
                         <a:effectLst/>
                         <a:latin typeface="Times New Roman" panose="02020603050405020304" pitchFamily="18" charset="0"/>
                         <a:ea typeface="宋体" panose="02010600030101010101" pitchFamily="2" charset="-122"/>
@@ -13389,81 +11987,6 @@
                   </a:txBody>
                   <a:tcPr marL="68580" marR="68580" marT="0" marB="0" anchor="ctr"/>
                 </a:tc>
-                <a:tc>
-                  <a:txBody>
-                    <a:bodyPr/>
-                    <a:lstStyle/>
-                    <a:p>
-                      <a:pPr algn="ctr" fontAlgn="ctr">
-                        <a:spcAft>
-                          <a:spcPts val="0"/>
-                        </a:spcAft>
-                      </a:pPr>
-                      <a:r>
-                        <a:rPr lang="en-US" sz="900" kern="0">
-                          <a:effectLst/>
-                        </a:rPr>
-                        <a:t>Max.</a:t>
-                      </a:r>
-                      <a:endParaRPr lang="zh-CN" sz="1050" kern="100">
-                        <a:effectLst/>
-                        <a:latin typeface="Times New Roman" panose="02020603050405020304" pitchFamily="18" charset="0"/>
-                        <a:ea typeface="宋体" panose="02010600030101010101" pitchFamily="2" charset="-122"/>
-                      </a:endParaRPr>
-                    </a:p>
-                  </a:txBody>
-                  <a:tcPr marL="68580" marR="68580" marT="0" marB="0" anchor="ctr"/>
-                </a:tc>
-                <a:tc>
-                  <a:txBody>
-                    <a:bodyPr/>
-                    <a:lstStyle/>
-                    <a:p>
-                      <a:pPr algn="ctr" fontAlgn="ctr">
-                        <a:spcAft>
-                          <a:spcPts val="0"/>
-                        </a:spcAft>
-                      </a:pPr>
-                      <a:r>
-                        <a:rPr lang="en-US" sz="900" kern="0">
-                          <a:effectLst/>
-                        </a:rPr>
-                        <a:t>Min.</a:t>
-                      </a:r>
-                      <a:endParaRPr lang="zh-CN" sz="1050" kern="100">
-                        <a:effectLst/>
-                        <a:latin typeface="Times New Roman" panose="02020603050405020304" pitchFamily="18" charset="0"/>
-                        <a:ea typeface="宋体" panose="02010600030101010101" pitchFamily="2" charset="-122"/>
-                      </a:endParaRPr>
-                    </a:p>
-                  </a:txBody>
-                  <a:tcPr marL="68580" marR="68580" marT="0" marB="0" anchor="ctr"/>
-                </a:tc>
-                <a:tc>
-                  <a:txBody>
-                    <a:bodyPr/>
-                    <a:lstStyle/>
-                    <a:p>
-                      <a:pPr algn="ctr" fontAlgn="ctr">
-                        <a:spcAft>
-                          <a:spcPts val="0"/>
-                        </a:spcAft>
-                      </a:pPr>
-                      <a:r>
-                        <a:rPr lang="en-US" sz="900" kern="0">
-                          <a:effectLst/>
-                        </a:rPr>
-                        <a:t>RMS</a:t>
-                      </a:r>
-                      <a:endParaRPr lang="zh-CN" sz="1050" kern="100">
-                        <a:effectLst/>
-                        <a:latin typeface="Times New Roman" panose="02020603050405020304" pitchFamily="18" charset="0"/>
-                        <a:ea typeface="宋体" panose="02010600030101010101" pitchFamily="2" charset="-122"/>
-                      </a:endParaRPr>
-                    </a:p>
-                  </a:txBody>
-                  <a:tcPr marL="68580" marR="68580" marT="0" marB="0" anchor="ctr"/>
-                </a:tc>
               </a:tr>
               <a:tr h="180340">
                 <a:tc rowSpan="5">
@@ -13530,81 +12053,6 @@
                         <a:rPr lang="en-US" sz="900" kern="100">
                           <a:effectLst/>
                         </a:rPr>
-                        <a:t>146.18.</a:t>
-                      </a:r>
-                      <a:endParaRPr lang="zh-CN" sz="1050" kern="100">
-                        <a:effectLst/>
-                        <a:latin typeface="Times New Roman" panose="02020603050405020304" pitchFamily="18" charset="0"/>
-                        <a:ea typeface="宋体" panose="02010600030101010101" pitchFamily="2" charset="-122"/>
-                      </a:endParaRPr>
-                    </a:p>
-                  </a:txBody>
-                  <a:tcPr marL="0" marR="0" marT="0" marB="0"/>
-                </a:tc>
-                <a:tc>
-                  <a:txBody>
-                    <a:bodyPr/>
-                    <a:lstStyle/>
-                    <a:p>
-                      <a:pPr algn="ctr">
-                        <a:spcAft>
-                          <a:spcPts val="0"/>
-                        </a:spcAft>
-                      </a:pPr>
-                      <a:r>
-                        <a:rPr lang="en-US" sz="900" kern="100">
-                          <a:effectLst/>
-                        </a:rPr>
-                        <a:t>-96.78</a:t>
-                      </a:r>
-                      <a:endParaRPr lang="zh-CN" sz="1050" kern="100">
-                        <a:effectLst/>
-                        <a:latin typeface="Times New Roman" panose="02020603050405020304" pitchFamily="18" charset="0"/>
-                        <a:ea typeface="宋体" panose="02010600030101010101" pitchFamily="2" charset="-122"/>
-                      </a:endParaRPr>
-                    </a:p>
-                  </a:txBody>
-                  <a:tcPr marL="0" marR="0" marT="0" marB="0"/>
-                </a:tc>
-                <a:tc>
-                  <a:txBody>
-                    <a:bodyPr/>
-                    <a:lstStyle/>
-                    <a:p>
-                      <a:pPr algn="ctr">
-                        <a:spcAft>
-                          <a:spcPts val="0"/>
-                        </a:spcAft>
-                      </a:pPr>
-                      <a:r>
-                        <a:rPr lang="en-US" sz="900" kern="100">
-                          <a:effectLst/>
-                        </a:rPr>
-                        <a:t>88.02</a:t>
-                      </a:r>
-                      <a:endParaRPr lang="zh-CN" sz="1050" kern="100">
-                        <a:effectLst/>
-                        <a:latin typeface="Times New Roman" panose="02020603050405020304" pitchFamily="18" charset="0"/>
-                        <a:ea typeface="宋体" panose="02010600030101010101" pitchFamily="2" charset="-122"/>
-                      </a:endParaRPr>
-                    </a:p>
-                  </a:txBody>
-                  <a:tcPr marL="0" marR="0" marT="0" marB="0"/>
-                </a:tc>
-                <a:tc>
-                  <a:txBody>
-                    <a:bodyPr/>
-                    <a:lstStyle/>
-                    <a:p>
-                      <a:pPr algn="ctr">
-                        <a:spcAft>
-                          <a:spcPts val="0"/>
-                        </a:spcAft>
-                      </a:pPr>
-                      <a:r>
-                        <a:rPr lang="en-US" sz="900" kern="100">
-                          <a:effectLst/>
-                        </a:rPr>
                         <a:t>125.43</a:t>
                       </a:r>
                       <a:endParaRPr lang="zh-CN" sz="1050" kern="100">
@@ -13792,81 +12240,6 @@
                         <a:rPr lang="en-US" sz="900" kern="100">
                           <a:effectLst/>
                         </a:rPr>
-                        <a:t>39.34</a:t>
-                      </a:r>
-                      <a:endParaRPr lang="zh-CN" sz="1050" kern="100">
-                        <a:effectLst/>
-                        <a:latin typeface="Times New Roman" panose="02020603050405020304" pitchFamily="18" charset="0"/>
-                        <a:ea typeface="宋体" panose="02010600030101010101" pitchFamily="2" charset="-122"/>
-                      </a:endParaRPr>
-                    </a:p>
-                  </a:txBody>
-                  <a:tcPr marL="0" marR="0" marT="0" marB="0"/>
-                </a:tc>
-                <a:tc>
-                  <a:txBody>
-                    <a:bodyPr/>
-                    <a:lstStyle/>
-                    <a:p>
-                      <a:pPr algn="ctr">
-                        <a:spcAft>
-                          <a:spcPts val="0"/>
-                        </a:spcAft>
-                      </a:pPr>
-                      <a:r>
-                        <a:rPr lang="en-US" sz="900" kern="100">
-                          <a:effectLst/>
-                        </a:rPr>
-                        <a:t>-65.54</a:t>
-                      </a:r>
-                      <a:endParaRPr lang="zh-CN" sz="1050" kern="100">
-                        <a:effectLst/>
-                        <a:latin typeface="Times New Roman" panose="02020603050405020304" pitchFamily="18" charset="0"/>
-                        <a:ea typeface="宋体" panose="02010600030101010101" pitchFamily="2" charset="-122"/>
-                      </a:endParaRPr>
-                    </a:p>
-                  </a:txBody>
-                  <a:tcPr marL="0" marR="0" marT="0" marB="0"/>
-                </a:tc>
-                <a:tc>
-                  <a:txBody>
-                    <a:bodyPr/>
-                    <a:lstStyle/>
-                    <a:p>
-                      <a:pPr algn="ctr">
-                        <a:spcAft>
-                          <a:spcPts val="0"/>
-                        </a:spcAft>
-                      </a:pPr>
-                      <a:r>
-                        <a:rPr lang="en-US" sz="900" kern="100">
-                          <a:effectLst/>
-                        </a:rPr>
-                        <a:t>36.64</a:t>
-                      </a:r>
-                      <a:endParaRPr lang="zh-CN" sz="1050" kern="100">
-                        <a:effectLst/>
-                        <a:latin typeface="Times New Roman" panose="02020603050405020304" pitchFamily="18" charset="0"/>
-                        <a:ea typeface="宋体" panose="02010600030101010101" pitchFamily="2" charset="-122"/>
-                      </a:endParaRPr>
-                    </a:p>
-                  </a:txBody>
-                  <a:tcPr marL="0" marR="0" marT="0" marB="0"/>
-                </a:tc>
-                <a:tc>
-                  <a:txBody>
-                    <a:bodyPr/>
-                    <a:lstStyle/>
-                    <a:p>
-                      <a:pPr algn="ctr">
-                        <a:spcAft>
-                          <a:spcPts val="0"/>
-                        </a:spcAft>
-                      </a:pPr>
-                      <a:r>
-                        <a:rPr lang="en-US" sz="900" kern="100">
-                          <a:effectLst/>
-                        </a:rPr>
                         <a:t>11.92</a:t>
                       </a:r>
                       <a:endParaRPr lang="zh-CN" sz="1050" kern="100">
@@ -14054,81 +12427,6 @@
                         <a:rPr lang="en-US" sz="900" kern="100">
                           <a:effectLst/>
                         </a:rPr>
-                        <a:t>57.34</a:t>
-                      </a:r>
-                      <a:endParaRPr lang="zh-CN" sz="1050" kern="100">
-                        <a:effectLst/>
-                        <a:latin typeface="Times New Roman" panose="02020603050405020304" pitchFamily="18" charset="0"/>
-                        <a:ea typeface="宋体" panose="02010600030101010101" pitchFamily="2" charset="-122"/>
-                      </a:endParaRPr>
-                    </a:p>
-                  </a:txBody>
-                  <a:tcPr marL="0" marR="0" marT="0" marB="0"/>
-                </a:tc>
-                <a:tc>
-                  <a:txBody>
-                    <a:bodyPr/>
-                    <a:lstStyle/>
-                    <a:p>
-                      <a:pPr algn="ctr">
-                        <a:spcAft>
-                          <a:spcPts val="0"/>
-                        </a:spcAft>
-                      </a:pPr>
-                      <a:r>
-                        <a:rPr lang="en-US" sz="900" kern="100">
-                          <a:effectLst/>
-                        </a:rPr>
-                        <a:t>-26.82</a:t>
-                      </a:r>
-                      <a:endParaRPr lang="zh-CN" sz="1050" kern="100">
-                        <a:effectLst/>
-                        <a:latin typeface="Times New Roman" panose="02020603050405020304" pitchFamily="18" charset="0"/>
-                        <a:ea typeface="宋体" panose="02010600030101010101" pitchFamily="2" charset="-122"/>
-                      </a:endParaRPr>
-                    </a:p>
-                  </a:txBody>
-                  <a:tcPr marL="0" marR="0" marT="0" marB="0"/>
-                </a:tc>
-                <a:tc>
-                  <a:txBody>
-                    <a:bodyPr/>
-                    <a:lstStyle/>
-                    <a:p>
-                      <a:pPr algn="ctr">
-                        <a:spcAft>
-                          <a:spcPts val="0"/>
-                        </a:spcAft>
-                      </a:pPr>
-                      <a:r>
-                        <a:rPr lang="en-US" sz="900" kern="100">
-                          <a:effectLst/>
-                        </a:rPr>
-                        <a:t>26.48</a:t>
-                      </a:r>
-                      <a:endParaRPr lang="zh-CN" sz="1050" kern="100">
-                        <a:effectLst/>
-                        <a:latin typeface="Times New Roman" panose="02020603050405020304" pitchFamily="18" charset="0"/>
-                        <a:ea typeface="宋体" panose="02010600030101010101" pitchFamily="2" charset="-122"/>
-                      </a:endParaRPr>
-                    </a:p>
-                  </a:txBody>
-                  <a:tcPr marL="0" marR="0" marT="0" marB="0"/>
-                </a:tc>
-                <a:tc>
-                  <a:txBody>
-                    <a:bodyPr/>
-                    <a:lstStyle/>
-                    <a:p>
-                      <a:pPr algn="ctr">
-                        <a:spcAft>
-                          <a:spcPts val="0"/>
-                        </a:spcAft>
-                      </a:pPr>
-                      <a:r>
-                        <a:rPr lang="en-US" sz="900" kern="100">
-                          <a:effectLst/>
-                        </a:rPr>
                         <a:t>25.03</a:t>
                       </a:r>
                       <a:endParaRPr lang="zh-CN" sz="1050" kern="100">
@@ -14316,81 +12614,6 @@
                         <a:rPr lang="en-US" sz="900" kern="100">
                           <a:effectLst/>
                         </a:rPr>
-                        <a:t>23.30</a:t>
-                      </a:r>
-                      <a:endParaRPr lang="zh-CN" sz="1050" kern="100">
-                        <a:effectLst/>
-                        <a:latin typeface="Times New Roman" panose="02020603050405020304" pitchFamily="18" charset="0"/>
-                        <a:ea typeface="宋体" panose="02010600030101010101" pitchFamily="2" charset="-122"/>
-                      </a:endParaRPr>
-                    </a:p>
-                  </a:txBody>
-                  <a:tcPr marL="0" marR="0" marT="0" marB="0" anchor="ctr"/>
-                </a:tc>
-                <a:tc>
-                  <a:txBody>
-                    <a:bodyPr/>
-                    <a:lstStyle/>
-                    <a:p>
-                      <a:pPr algn="ctr">
-                        <a:spcAft>
-                          <a:spcPts val="0"/>
-                        </a:spcAft>
-                      </a:pPr>
-                      <a:r>
-                        <a:rPr lang="en-US" sz="900" kern="100" dirty="0">
-                          <a:effectLst/>
-                        </a:rPr>
-                        <a:t>-44.12</a:t>
-                      </a:r>
-                      <a:endParaRPr lang="zh-CN" sz="1050" kern="100" dirty="0">
-                        <a:effectLst/>
-                        <a:latin typeface="Times New Roman" panose="02020603050405020304" pitchFamily="18" charset="0"/>
-                        <a:ea typeface="宋体" panose="02010600030101010101" pitchFamily="2" charset="-122"/>
-                      </a:endParaRPr>
-                    </a:p>
-                  </a:txBody>
-                  <a:tcPr marL="0" marR="0" marT="0" marB="0" anchor="ctr"/>
-                </a:tc>
-                <a:tc>
-                  <a:txBody>
-                    <a:bodyPr/>
-                    <a:lstStyle/>
-                    <a:p>
-                      <a:pPr algn="ctr">
-                        <a:spcAft>
-                          <a:spcPts val="0"/>
-                        </a:spcAft>
-                      </a:pPr>
-                      <a:r>
-                        <a:rPr lang="en-US" sz="900" kern="100">
-                          <a:effectLst/>
-                        </a:rPr>
-                        <a:t>21.88</a:t>
-                      </a:r>
-                      <a:endParaRPr lang="zh-CN" sz="1050" kern="100">
-                        <a:effectLst/>
-                        <a:latin typeface="Times New Roman" panose="02020603050405020304" pitchFamily="18" charset="0"/>
-                        <a:ea typeface="宋体" panose="02010600030101010101" pitchFamily="2" charset="-122"/>
-                      </a:endParaRPr>
-                    </a:p>
-                  </a:txBody>
-                  <a:tcPr marL="0" marR="0" marT="0" marB="0" anchor="ctr"/>
-                </a:tc>
-                <a:tc>
-                  <a:txBody>
-                    <a:bodyPr/>
-                    <a:lstStyle/>
-                    <a:p>
-                      <a:pPr algn="ctr">
-                        <a:spcAft>
-                          <a:spcPts val="0"/>
-                        </a:spcAft>
-                      </a:pPr>
-                      <a:r>
-                        <a:rPr lang="en-US" sz="900" kern="100">
-                          <a:effectLst/>
-                        </a:rPr>
                         <a:t>12.74</a:t>
                       </a:r>
                       <a:endParaRPr lang="zh-CN" sz="1050" kern="100">
@@ -14578,81 +12801,6 @@
                         <a:rPr lang="en-US" sz="900" kern="100">
                           <a:effectLst/>
                         </a:rPr>
-                        <a:t>28.58</a:t>
-                      </a:r>
-                      <a:endParaRPr lang="zh-CN" sz="1050" kern="100">
-                        <a:effectLst/>
-                        <a:latin typeface="Times New Roman" panose="02020603050405020304" pitchFamily="18" charset="0"/>
-                        <a:ea typeface="宋体" panose="02010600030101010101" pitchFamily="2" charset="-122"/>
-                      </a:endParaRPr>
-                    </a:p>
-                  </a:txBody>
-                  <a:tcPr marL="0" marR="0" marT="0" marB="0" anchor="ctr"/>
-                </a:tc>
-                <a:tc>
-                  <a:txBody>
-                    <a:bodyPr/>
-                    <a:lstStyle/>
-                    <a:p>
-                      <a:pPr algn="ctr">
-                        <a:spcAft>
-                          <a:spcPts val="0"/>
-                        </a:spcAft>
-                      </a:pPr>
-                      <a:r>
-                        <a:rPr lang="en-US" sz="900" kern="100">
-                          <a:effectLst/>
-                        </a:rPr>
-                        <a:t>-15.42</a:t>
-                      </a:r>
-                      <a:endParaRPr lang="zh-CN" sz="1050" kern="100">
-                        <a:effectLst/>
-                        <a:latin typeface="Times New Roman" panose="02020603050405020304" pitchFamily="18" charset="0"/>
-                        <a:ea typeface="宋体" panose="02010600030101010101" pitchFamily="2" charset="-122"/>
-                      </a:endParaRPr>
-                    </a:p>
-                  </a:txBody>
-                  <a:tcPr marL="0" marR="0" marT="0" marB="0" anchor="ctr"/>
-                </a:tc>
-                <a:tc>
-                  <a:txBody>
-                    <a:bodyPr/>
-                    <a:lstStyle/>
-                    <a:p>
-                      <a:pPr algn="ctr">
-                        <a:spcAft>
-                          <a:spcPts val="0"/>
-                        </a:spcAft>
-                      </a:pPr>
-                      <a:r>
-                        <a:rPr lang="en-US" sz="900" kern="100">
-                          <a:effectLst/>
-                        </a:rPr>
-                        <a:t>13.45</a:t>
-                      </a:r>
-                      <a:endParaRPr lang="zh-CN" sz="1050" kern="100">
-                        <a:effectLst/>
-                        <a:latin typeface="Times New Roman" panose="02020603050405020304" pitchFamily="18" charset="0"/>
-                        <a:ea typeface="宋体" panose="02010600030101010101" pitchFamily="2" charset="-122"/>
-                      </a:endParaRPr>
-                    </a:p>
-                  </a:txBody>
-                  <a:tcPr marL="0" marR="0" marT="0" marB="0" anchor="ctr"/>
-                </a:tc>
-                <a:tc>
-                  <a:txBody>
-                    <a:bodyPr/>
-                    <a:lstStyle/>
-                    <a:p>
-                      <a:pPr algn="ctr">
-                        <a:spcAft>
-                          <a:spcPts val="0"/>
-                        </a:spcAft>
-                      </a:pPr>
-                      <a:r>
-                        <a:rPr lang="en-US" sz="900" kern="100">
-                          <a:effectLst/>
-                        </a:rPr>
                         <a:t>14.17</a:t>
                       </a:r>
                       <a:endParaRPr lang="zh-CN" sz="1050" kern="100">
@@ -14855,81 +13003,6 @@
                         <a:rPr lang="en-US" sz="900" kern="100">
                           <a:effectLst/>
                         </a:rPr>
-                        <a:t>157.05</a:t>
-                      </a:r>
-                      <a:endParaRPr lang="zh-CN" sz="1050" kern="100">
-                        <a:effectLst/>
-                        <a:latin typeface="Times New Roman" panose="02020603050405020304" pitchFamily="18" charset="0"/>
-                        <a:ea typeface="宋体" panose="02010600030101010101" pitchFamily="2" charset="-122"/>
-                      </a:endParaRPr>
-                    </a:p>
-                  </a:txBody>
-                  <a:tcPr marL="0" marR="0" marT="0" marB="0" anchor="ctr"/>
-                </a:tc>
-                <a:tc>
-                  <a:txBody>
-                    <a:bodyPr/>
-                    <a:lstStyle/>
-                    <a:p>
-                      <a:pPr algn="ctr">
-                        <a:spcAft>
-                          <a:spcPts val="0"/>
-                        </a:spcAft>
-                      </a:pPr>
-                      <a:r>
-                        <a:rPr lang="en-US" sz="900" kern="100">
-                          <a:effectLst/>
-                        </a:rPr>
-                        <a:t>-99.27</a:t>
-                      </a:r>
-                      <a:endParaRPr lang="zh-CN" sz="1050" kern="100">
-                        <a:effectLst/>
-                        <a:latin typeface="Times New Roman" panose="02020603050405020304" pitchFamily="18" charset="0"/>
-                        <a:ea typeface="宋体" panose="02010600030101010101" pitchFamily="2" charset="-122"/>
-                      </a:endParaRPr>
-                    </a:p>
-                  </a:txBody>
-                  <a:tcPr marL="0" marR="0" marT="0" marB="0" anchor="ctr"/>
-                </a:tc>
-                <a:tc>
-                  <a:txBody>
-                    <a:bodyPr/>
-                    <a:lstStyle/>
-                    <a:p>
-                      <a:pPr algn="ctr">
-                        <a:spcAft>
-                          <a:spcPts val="0"/>
-                        </a:spcAft>
-                      </a:pPr>
-                      <a:r>
-                        <a:rPr lang="en-US" sz="900" kern="100">
-                          <a:effectLst/>
-                        </a:rPr>
-                        <a:t>93.76</a:t>
-                      </a:r>
-                      <a:endParaRPr lang="zh-CN" sz="1050" kern="100">
-                        <a:effectLst/>
-                        <a:latin typeface="Times New Roman" panose="02020603050405020304" pitchFamily="18" charset="0"/>
-                        <a:ea typeface="宋体" panose="02010600030101010101" pitchFamily="2" charset="-122"/>
-                      </a:endParaRPr>
-                    </a:p>
-                  </a:txBody>
-                  <a:tcPr marL="0" marR="0" marT="0" marB="0" anchor="ctr"/>
-                </a:tc>
-                <a:tc>
-                  <a:txBody>
-                    <a:bodyPr/>
-                    <a:lstStyle/>
-                    <a:p>
-                      <a:pPr algn="ctr">
-                        <a:spcAft>
-                          <a:spcPts val="0"/>
-                        </a:spcAft>
-                      </a:pPr>
-                      <a:r>
-                        <a:rPr lang="en-US" sz="900" kern="100">
-                          <a:effectLst/>
-                        </a:rPr>
                         <a:t>142.53</a:t>
                       </a:r>
                       <a:endParaRPr lang="zh-CN" sz="1050" kern="100">
@@ -15117,81 +13190,6 @@
                         <a:rPr lang="en-US" sz="900" kern="100">
                           <a:effectLst/>
                         </a:rPr>
-                        <a:t>83.75</a:t>
-                      </a:r>
-                      <a:endParaRPr lang="zh-CN" sz="1050" kern="100">
-                        <a:effectLst/>
-                        <a:latin typeface="Times New Roman" panose="02020603050405020304" pitchFamily="18" charset="0"/>
-                        <a:ea typeface="宋体" panose="02010600030101010101" pitchFamily="2" charset="-122"/>
-                      </a:endParaRPr>
-                    </a:p>
-                  </a:txBody>
-                  <a:tcPr marL="0" marR="0" marT="0" marB="0" anchor="ctr"/>
-                </a:tc>
-                <a:tc>
-                  <a:txBody>
-                    <a:bodyPr/>
-                    <a:lstStyle/>
-                    <a:p>
-                      <a:pPr algn="ctr">
-                        <a:spcAft>
-                          <a:spcPts val="0"/>
-                        </a:spcAft>
-                      </a:pPr>
-                      <a:r>
-                        <a:rPr lang="en-US" sz="900" kern="100">
-                          <a:effectLst/>
-                        </a:rPr>
-                        <a:t>-79.97</a:t>
-                      </a:r>
-                      <a:endParaRPr lang="zh-CN" sz="1050" kern="100">
-                        <a:effectLst/>
-                        <a:latin typeface="Times New Roman" panose="02020603050405020304" pitchFamily="18" charset="0"/>
-                        <a:ea typeface="宋体" panose="02010600030101010101" pitchFamily="2" charset="-122"/>
-                      </a:endParaRPr>
-                    </a:p>
-                  </a:txBody>
-                  <a:tcPr marL="0" marR="0" marT="0" marB="0" anchor="ctr"/>
-                </a:tc>
-                <a:tc>
-                  <a:txBody>
-                    <a:bodyPr/>
-                    <a:lstStyle/>
-                    <a:p>
-                      <a:pPr algn="ctr">
-                        <a:spcAft>
-                          <a:spcPts val="0"/>
-                        </a:spcAft>
-                      </a:pPr>
-                      <a:r>
-                        <a:rPr lang="en-US" sz="900" kern="100">
-                          <a:effectLst/>
-                        </a:rPr>
-                        <a:t>52.49</a:t>
-                      </a:r>
-                      <a:endParaRPr lang="zh-CN" sz="1050" kern="100">
-                        <a:effectLst/>
-                        <a:latin typeface="Times New Roman" panose="02020603050405020304" pitchFamily="18" charset="0"/>
-                        <a:ea typeface="宋体" panose="02010600030101010101" pitchFamily="2" charset="-122"/>
-                      </a:endParaRPr>
-                    </a:p>
-                  </a:txBody>
-                  <a:tcPr marL="0" marR="0" marT="0" marB="0" anchor="ctr"/>
-                </a:tc>
-                <a:tc>
-                  <a:txBody>
-                    <a:bodyPr/>
-                    <a:lstStyle/>
-                    <a:p>
-                      <a:pPr algn="ctr">
-                        <a:spcAft>
-                          <a:spcPts val="0"/>
-                        </a:spcAft>
-                      </a:pPr>
-                      <a:r>
-                        <a:rPr lang="en-US" sz="900" kern="100">
-                          <a:effectLst/>
-                        </a:rPr>
                         <a:t>37.53</a:t>
                       </a:r>
                       <a:endParaRPr lang="zh-CN" sz="1050" kern="100">
@@ -15379,81 +13377,6 @@
                         <a:rPr lang="en-US" sz="900" kern="100">
                           <a:effectLst/>
                         </a:rPr>
-                        <a:t>108.22</a:t>
-                      </a:r>
-                      <a:endParaRPr lang="zh-CN" sz="1050" kern="100">
-                        <a:effectLst/>
-                        <a:latin typeface="Times New Roman" panose="02020603050405020304" pitchFamily="18" charset="0"/>
-                        <a:ea typeface="宋体" panose="02010600030101010101" pitchFamily="2" charset="-122"/>
-                      </a:endParaRPr>
-                    </a:p>
-                  </a:txBody>
-                  <a:tcPr marL="0" marR="0" marT="0" marB="0" anchor="ctr"/>
-                </a:tc>
-                <a:tc>
-                  <a:txBody>
-                    <a:bodyPr/>
-                    <a:lstStyle/>
-                    <a:p>
-                      <a:pPr algn="ctr">
-                        <a:spcAft>
-                          <a:spcPts val="0"/>
-                        </a:spcAft>
-                      </a:pPr>
-                      <a:r>
-                        <a:rPr lang="en-US" sz="900" kern="100">
-                          <a:effectLst/>
-                        </a:rPr>
-                        <a:t>-38.06</a:t>
-                      </a:r>
-                      <a:endParaRPr lang="zh-CN" sz="1050" kern="100">
-                        <a:effectLst/>
-                        <a:latin typeface="Times New Roman" panose="02020603050405020304" pitchFamily="18" charset="0"/>
-                        <a:ea typeface="宋体" panose="02010600030101010101" pitchFamily="2" charset="-122"/>
-                      </a:endParaRPr>
-                    </a:p>
-                  </a:txBody>
-                  <a:tcPr marL="0" marR="0" marT="0" marB="0" anchor="ctr"/>
-                </a:tc>
-                <a:tc>
-                  <a:txBody>
-                    <a:bodyPr/>
-                    <a:lstStyle/>
-                    <a:p>
-                      <a:pPr algn="ctr">
-                        <a:spcAft>
-                          <a:spcPts val="0"/>
-                        </a:spcAft>
-                      </a:pPr>
-                      <a:r>
-                        <a:rPr lang="en-US" sz="900" kern="100">
-                          <a:effectLst/>
-                        </a:rPr>
-                        <a:t>44.41</a:t>
-                      </a:r>
-                      <a:endParaRPr lang="zh-CN" sz="1050" kern="100">
-                        <a:effectLst/>
-                        <a:latin typeface="Times New Roman" panose="02020603050405020304" pitchFamily="18" charset="0"/>
-                        <a:ea typeface="宋体" panose="02010600030101010101" pitchFamily="2" charset="-122"/>
-                      </a:endParaRPr>
-                    </a:p>
-                  </a:txBody>
-                  <a:tcPr marL="0" marR="0" marT="0" marB="0" anchor="ctr"/>
-                </a:tc>
-                <a:tc>
-                  <a:txBody>
-                    <a:bodyPr/>
-                    <a:lstStyle/>
-                    <a:p>
-                      <a:pPr algn="ctr">
-                        <a:spcAft>
-                          <a:spcPts val="0"/>
-                        </a:spcAft>
-                      </a:pPr>
-                      <a:r>
-                        <a:rPr lang="en-US" sz="900" kern="100">
-                          <a:effectLst/>
-                        </a:rPr>
                         <a:t>49.34</a:t>
                       </a:r>
                       <a:endParaRPr lang="zh-CN" sz="1050" kern="100">
@@ -15641,81 +13564,6 @@
                         <a:rPr lang="en-US" sz="900" kern="100">
                           <a:effectLst/>
                         </a:rPr>
-                        <a:t>36.18</a:t>
-                      </a:r>
-                      <a:endParaRPr lang="zh-CN" sz="1050" kern="100">
-                        <a:effectLst/>
-                        <a:latin typeface="Times New Roman" panose="02020603050405020304" pitchFamily="18" charset="0"/>
-                        <a:ea typeface="宋体" panose="02010600030101010101" pitchFamily="2" charset="-122"/>
-                      </a:endParaRPr>
-                    </a:p>
-                  </a:txBody>
-                  <a:tcPr marL="0" marR="0" marT="0" marB="0" anchor="ctr"/>
-                </a:tc>
-                <a:tc>
-                  <a:txBody>
-                    <a:bodyPr/>
-                    <a:lstStyle/>
-                    <a:p>
-                      <a:pPr algn="ctr">
-                        <a:spcAft>
-                          <a:spcPts val="0"/>
-                        </a:spcAft>
-                      </a:pPr>
-                      <a:r>
-                        <a:rPr lang="en-US" sz="900" kern="100">
-                          <a:effectLst/>
-                        </a:rPr>
-                        <a:t>-59.50</a:t>
-                      </a:r>
-                      <a:endParaRPr lang="zh-CN" sz="1050" kern="100">
-                        <a:effectLst/>
-                        <a:latin typeface="Times New Roman" panose="02020603050405020304" pitchFamily="18" charset="0"/>
-                        <a:ea typeface="宋体" panose="02010600030101010101" pitchFamily="2" charset="-122"/>
-                      </a:endParaRPr>
-                    </a:p>
-                  </a:txBody>
-                  <a:tcPr marL="0" marR="0" marT="0" marB="0" anchor="ctr"/>
-                </a:tc>
-                <a:tc>
-                  <a:txBody>
-                    <a:bodyPr/>
-                    <a:lstStyle/>
-                    <a:p>
-                      <a:pPr algn="ctr">
-                        <a:spcAft>
-                          <a:spcPts val="0"/>
-                        </a:spcAft>
-                      </a:pPr>
-                      <a:r>
-                        <a:rPr lang="en-US" sz="900" kern="100">
-                          <a:effectLst/>
-                        </a:rPr>
-                        <a:t>29.68</a:t>
-                      </a:r>
-                      <a:endParaRPr lang="zh-CN" sz="1050" kern="100">
-                        <a:effectLst/>
-                        <a:latin typeface="Times New Roman" panose="02020603050405020304" pitchFamily="18" charset="0"/>
-                        <a:ea typeface="宋体" panose="02010600030101010101" pitchFamily="2" charset="-122"/>
-                      </a:endParaRPr>
-                    </a:p>
-                  </a:txBody>
-                  <a:tcPr marL="0" marR="0" marT="0" marB="0" anchor="ctr"/>
-                </a:tc>
-                <a:tc>
-                  <a:txBody>
-                    <a:bodyPr/>
-                    <a:lstStyle/>
-                    <a:p>
-                      <a:pPr algn="ctr">
-                        <a:spcAft>
-                          <a:spcPts val="0"/>
-                        </a:spcAft>
-                      </a:pPr>
-                      <a:r>
-                        <a:rPr lang="en-US" sz="900" kern="100">
-                          <a:effectLst/>
-                        </a:rPr>
                         <a:t>22.48</a:t>
                       </a:r>
                       <a:endParaRPr lang="zh-CN" sz="1050" kern="100">
@@ -15903,81 +13751,6 @@
                         <a:rPr lang="en-US" sz="900" kern="100">
                           <a:effectLst/>
                         </a:rPr>
-                        <a:t>52.64</a:t>
-                      </a:r>
-                      <a:endParaRPr lang="zh-CN" sz="1050" kern="100">
-                        <a:effectLst/>
-                        <a:latin typeface="Times New Roman" panose="02020603050405020304" pitchFamily="18" charset="0"/>
-                        <a:ea typeface="宋体" panose="02010600030101010101" pitchFamily="2" charset="-122"/>
-                      </a:endParaRPr>
-                    </a:p>
-                  </a:txBody>
-                  <a:tcPr marL="0" marR="0" marT="0" marB="0" anchor="ctr"/>
-                </a:tc>
-                <a:tc>
-                  <a:txBody>
-                    <a:bodyPr/>
-                    <a:lstStyle/>
-                    <a:p>
-                      <a:pPr algn="ctr">
-                        <a:spcAft>
-                          <a:spcPts val="0"/>
-                        </a:spcAft>
-                      </a:pPr>
-                      <a:r>
-                        <a:rPr lang="en-US" sz="900" kern="100">
-                          <a:effectLst/>
-                        </a:rPr>
-                        <a:t>-17.11</a:t>
-                      </a:r>
-                      <a:endParaRPr lang="zh-CN" sz="1050" kern="100">
-                        <a:effectLst/>
-                        <a:latin typeface="Times New Roman" panose="02020603050405020304" pitchFamily="18" charset="0"/>
-                        <a:ea typeface="宋体" panose="02010600030101010101" pitchFamily="2" charset="-122"/>
-                      </a:endParaRPr>
-                    </a:p>
-                  </a:txBody>
-                  <a:tcPr marL="0" marR="0" marT="0" marB="0" anchor="ctr"/>
-                </a:tc>
-                <a:tc>
-                  <a:txBody>
-                    <a:bodyPr/>
-                    <a:lstStyle/>
-                    <a:p>
-                      <a:pPr algn="ctr">
-                        <a:spcAft>
-                          <a:spcPts val="0"/>
-                        </a:spcAft>
-                      </a:pPr>
-                      <a:r>
-                        <a:rPr lang="en-US" sz="900" kern="100">
-                          <a:effectLst/>
-                        </a:rPr>
-                        <a:t>21.08</a:t>
-                      </a:r>
-                      <a:endParaRPr lang="zh-CN" sz="1050" kern="100">
-                        <a:effectLst/>
-                        <a:latin typeface="Times New Roman" panose="02020603050405020304" pitchFamily="18" charset="0"/>
-                        <a:ea typeface="宋体" panose="02010600030101010101" pitchFamily="2" charset="-122"/>
-                      </a:endParaRPr>
-                    </a:p>
-                  </a:txBody>
-                  <a:tcPr marL="0" marR="0" marT="0" marB="0" anchor="ctr"/>
-                </a:tc>
-                <a:tc>
-                  <a:txBody>
-                    <a:bodyPr/>
-                    <a:lstStyle/>
-                    <a:p>
-                      <a:pPr algn="ctr">
-                        <a:spcAft>
-                          <a:spcPts val="0"/>
-                        </a:spcAft>
-                      </a:pPr>
-                      <a:r>
-                        <a:rPr lang="en-US" sz="900" kern="100">
-                          <a:effectLst/>
-                        </a:rPr>
                         <a:t>26.36</a:t>
                       </a:r>
                       <a:endParaRPr lang="zh-CN" sz="1050" kern="100">
@@ -16180,81 +13953,6 @@
                         <a:rPr lang="en-US" sz="900" kern="100">
                           <a:effectLst/>
                         </a:rPr>
-                        <a:t>158.02</a:t>
-                      </a:r>
-                      <a:endParaRPr lang="zh-CN" sz="1050" kern="100">
-                        <a:effectLst/>
-                        <a:latin typeface="Times New Roman" panose="02020603050405020304" pitchFamily="18" charset="0"/>
-                        <a:ea typeface="宋体" panose="02010600030101010101" pitchFamily="2" charset="-122"/>
-                      </a:endParaRPr>
-                    </a:p>
-                  </a:txBody>
-                  <a:tcPr marL="0" marR="0" marT="0" marB="0" anchor="ctr"/>
-                </a:tc>
-                <a:tc>
-                  <a:txBody>
-                    <a:bodyPr/>
-                    <a:lstStyle/>
-                    <a:p>
-                      <a:pPr algn="ctr">
-                        <a:spcAft>
-                          <a:spcPts val="0"/>
-                        </a:spcAft>
-                      </a:pPr>
-                      <a:r>
-                        <a:rPr lang="en-US" sz="900" kern="100">
-                          <a:effectLst/>
-                        </a:rPr>
-                        <a:t>-99.85</a:t>
-                      </a:r>
-                      <a:endParaRPr lang="zh-CN" sz="1050" kern="100">
-                        <a:effectLst/>
-                        <a:latin typeface="Times New Roman" panose="02020603050405020304" pitchFamily="18" charset="0"/>
-                        <a:ea typeface="宋体" panose="02010600030101010101" pitchFamily="2" charset="-122"/>
-                      </a:endParaRPr>
-                    </a:p>
-                  </a:txBody>
-                  <a:tcPr marL="0" marR="0" marT="0" marB="0" anchor="ctr"/>
-                </a:tc>
-                <a:tc>
-                  <a:txBody>
-                    <a:bodyPr/>
-                    <a:lstStyle/>
-                    <a:p>
-                      <a:pPr algn="ctr">
-                        <a:spcAft>
-                          <a:spcPts val="0"/>
-                        </a:spcAft>
-                      </a:pPr>
-                      <a:r>
-                        <a:rPr lang="en-US" sz="900" kern="100">
-                          <a:effectLst/>
-                        </a:rPr>
-                        <a:t>96.44</a:t>
-                      </a:r>
-                      <a:endParaRPr lang="zh-CN" sz="1050" kern="100">
-                        <a:effectLst/>
-                        <a:latin typeface="Times New Roman" panose="02020603050405020304" pitchFamily="18" charset="0"/>
-                        <a:ea typeface="宋体" panose="02010600030101010101" pitchFamily="2" charset="-122"/>
-                      </a:endParaRPr>
-                    </a:p>
-                  </a:txBody>
-                  <a:tcPr marL="0" marR="0" marT="0" marB="0" anchor="ctr"/>
-                </a:tc>
-                <a:tc>
-                  <a:txBody>
-                    <a:bodyPr/>
-                    <a:lstStyle/>
-                    <a:p>
-                      <a:pPr algn="ctr">
-                        <a:spcAft>
-                          <a:spcPts val="0"/>
-                        </a:spcAft>
-                      </a:pPr>
-                      <a:r>
-                        <a:rPr lang="en-US" sz="900" kern="100">
-                          <a:effectLst/>
-                        </a:rPr>
                         <a:t>151.57</a:t>
                       </a:r>
                       <a:endParaRPr lang="zh-CN" sz="1050" kern="100">
@@ -16442,81 +14140,6 @@
                         <a:rPr lang="en-US" sz="900" kern="100">
                           <a:effectLst/>
                         </a:rPr>
-                        <a:t>133.30</a:t>
-                      </a:r>
-                      <a:endParaRPr lang="zh-CN" sz="1050" kern="100">
-                        <a:effectLst/>
-                        <a:latin typeface="Times New Roman" panose="02020603050405020304" pitchFamily="18" charset="0"/>
-                        <a:ea typeface="宋体" panose="02010600030101010101" pitchFamily="2" charset="-122"/>
-                      </a:endParaRPr>
-                    </a:p>
-                  </a:txBody>
-                  <a:tcPr marL="0" marR="0" marT="0" marB="0" anchor="ctr"/>
-                </a:tc>
-                <a:tc>
-                  <a:txBody>
-                    <a:bodyPr/>
-                    <a:lstStyle/>
-                    <a:p>
-                      <a:pPr algn="ctr">
-                        <a:spcAft>
-                          <a:spcPts val="0"/>
-                        </a:spcAft>
-                      </a:pPr>
-                      <a:r>
-                        <a:rPr lang="en-US" sz="900" kern="100">
-                          <a:effectLst/>
-                        </a:rPr>
-                        <a:t>-88.91</a:t>
-                      </a:r>
-                      <a:endParaRPr lang="zh-CN" sz="1050" kern="100">
-                        <a:effectLst/>
-                        <a:latin typeface="Times New Roman" panose="02020603050405020304" pitchFamily="18" charset="0"/>
-                        <a:ea typeface="宋体" panose="02010600030101010101" pitchFamily="2" charset="-122"/>
-                      </a:endParaRPr>
-                    </a:p>
-                  </a:txBody>
-                  <a:tcPr marL="0" marR="0" marT="0" marB="0" anchor="ctr"/>
-                </a:tc>
-                <a:tc>
-                  <a:txBody>
-                    <a:bodyPr/>
-                    <a:lstStyle/>
-                    <a:p>
-                      <a:pPr algn="ctr">
-                        <a:spcAft>
-                          <a:spcPts val="0"/>
-                        </a:spcAft>
-                      </a:pPr>
-                      <a:r>
-                        <a:rPr lang="en-US" sz="900" kern="100">
-                          <a:effectLst/>
-                        </a:rPr>
-                        <a:t>73.14</a:t>
-                      </a:r>
-                      <a:endParaRPr lang="zh-CN" sz="1050" kern="100">
-                        <a:effectLst/>
-                        <a:latin typeface="Times New Roman" panose="02020603050405020304" pitchFamily="18" charset="0"/>
-                        <a:ea typeface="宋体" panose="02010600030101010101" pitchFamily="2" charset="-122"/>
-                      </a:endParaRPr>
-                    </a:p>
-                  </a:txBody>
-                  <a:tcPr marL="0" marR="0" marT="0" marB="0" anchor="ctr"/>
-                </a:tc>
-                <a:tc>
-                  <a:txBody>
-                    <a:bodyPr/>
-                    <a:lstStyle/>
-                    <a:p>
-                      <a:pPr algn="ctr">
-                        <a:spcAft>
-                          <a:spcPts val="0"/>
-                        </a:spcAft>
-                      </a:pPr>
-                      <a:r>
-                        <a:rPr lang="en-US" sz="900" kern="100">
-                          <a:effectLst/>
-                        </a:rPr>
                         <a:t>70.42</a:t>
                       </a:r>
                       <a:endParaRPr lang="zh-CN" sz="1050" kern="100">
@@ -16704,81 +14327,6 @@
                         <a:rPr lang="en-US" sz="900" kern="100">
                           <a:effectLst/>
                         </a:rPr>
-                        <a:t>151.54</a:t>
-                      </a:r>
-                      <a:endParaRPr lang="zh-CN" sz="1050" kern="100">
-                        <a:effectLst/>
-                        <a:latin typeface="Times New Roman" panose="02020603050405020304" pitchFamily="18" charset="0"/>
-                        <a:ea typeface="宋体" panose="02010600030101010101" pitchFamily="2" charset="-122"/>
-                      </a:endParaRPr>
-                    </a:p>
-                  </a:txBody>
-                  <a:tcPr marL="0" marR="0" marT="0" marB="0" anchor="ctr"/>
-                </a:tc>
-                <a:tc>
-                  <a:txBody>
-                    <a:bodyPr/>
-                    <a:lstStyle/>
-                    <a:p>
-                      <a:pPr algn="ctr">
-                        <a:spcAft>
-                          <a:spcPts val="0"/>
-                        </a:spcAft>
-                      </a:pPr>
-                      <a:r>
-                        <a:rPr lang="en-US" sz="900" kern="100">
-                          <a:effectLst/>
-                        </a:rPr>
-                        <a:t>-48.75</a:t>
-                      </a:r>
-                      <a:endParaRPr lang="zh-CN" sz="1050" kern="100">
-                        <a:effectLst/>
-                        <a:latin typeface="Times New Roman" panose="02020603050405020304" pitchFamily="18" charset="0"/>
-                        <a:ea typeface="宋体" panose="02010600030101010101" pitchFamily="2" charset="-122"/>
-                      </a:endParaRPr>
-                    </a:p>
-                  </a:txBody>
-                  <a:tcPr marL="0" marR="0" marT="0" marB="0" anchor="ctr"/>
-                </a:tc>
-                <a:tc>
-                  <a:txBody>
-                    <a:bodyPr/>
-                    <a:lstStyle/>
-                    <a:p>
-                      <a:pPr algn="ctr">
-                        <a:spcAft>
-                          <a:spcPts val="0"/>
-                        </a:spcAft>
-                      </a:pPr>
-                      <a:r>
-                        <a:rPr lang="en-US" sz="900" kern="100">
-                          <a:effectLst/>
-                        </a:rPr>
-                        <a:t>67.88</a:t>
-                      </a:r>
-                      <a:endParaRPr lang="zh-CN" sz="1050" kern="100">
-                        <a:effectLst/>
-                        <a:latin typeface="Times New Roman" panose="02020603050405020304" pitchFamily="18" charset="0"/>
-                        <a:ea typeface="宋体" panose="02010600030101010101" pitchFamily="2" charset="-122"/>
-                      </a:endParaRPr>
-                    </a:p>
-                  </a:txBody>
-                  <a:tcPr marL="0" marR="0" marT="0" marB="0" anchor="ctr"/>
-                </a:tc>
-                <a:tc>
-                  <a:txBody>
-                    <a:bodyPr/>
-                    <a:lstStyle/>
-                    <a:p>
-                      <a:pPr algn="ctr">
-                        <a:spcAft>
-                          <a:spcPts val="0"/>
-                        </a:spcAft>
-                      </a:pPr>
-                      <a:r>
-                        <a:rPr lang="en-US" sz="900" kern="100">
-                          <a:effectLst/>
-                        </a:rPr>
                         <a:t>125.65</a:t>
                       </a:r>
                       <a:endParaRPr lang="zh-CN" sz="1050" kern="100">
@@ -16966,81 +14514,6 @@
                         <a:rPr lang="en-US" sz="900" kern="100">
                           <a:effectLst/>
                         </a:rPr>
-                        <a:t>48.88</a:t>
-                      </a:r>
-                      <a:endParaRPr lang="zh-CN" sz="1050" kern="100">
-                        <a:effectLst/>
-                        <a:latin typeface="Times New Roman" panose="02020603050405020304" pitchFamily="18" charset="0"/>
-                        <a:ea typeface="宋体" panose="02010600030101010101" pitchFamily="2" charset="-122"/>
-                      </a:endParaRPr>
-                    </a:p>
-                  </a:txBody>
-                  <a:tcPr marL="0" marR="0" marT="0" marB="0" anchor="ctr"/>
-                </a:tc>
-                <a:tc>
-                  <a:txBody>
-                    <a:bodyPr/>
-                    <a:lstStyle/>
-                    <a:p>
-                      <a:pPr algn="ctr">
-                        <a:spcAft>
-                          <a:spcPts val="0"/>
-                        </a:spcAft>
-                      </a:pPr>
-                      <a:r>
-                        <a:rPr lang="en-US" sz="900" kern="100">
-                          <a:effectLst/>
-                        </a:rPr>
-                        <a:t>-72.01</a:t>
-                      </a:r>
-                      <a:endParaRPr lang="zh-CN" sz="1050" kern="100">
-                        <a:effectLst/>
-                        <a:latin typeface="Times New Roman" panose="02020603050405020304" pitchFamily="18" charset="0"/>
-                        <a:ea typeface="宋体" panose="02010600030101010101" pitchFamily="2" charset="-122"/>
-                      </a:endParaRPr>
-                    </a:p>
-                  </a:txBody>
-                  <a:tcPr marL="0" marR="0" marT="0" marB="0" anchor="ctr"/>
-                </a:tc>
-                <a:tc>
-                  <a:txBody>
-                    <a:bodyPr/>
-                    <a:lstStyle/>
-                    <a:p>
-                      <a:pPr algn="ctr">
-                        <a:spcAft>
-                          <a:spcPts val="0"/>
-                        </a:spcAft>
-                      </a:pPr>
-                      <a:r>
-                        <a:rPr lang="en-US" sz="900" kern="100">
-                          <a:effectLst/>
-                        </a:rPr>
-                        <a:t>36.83</a:t>
-                      </a:r>
-                      <a:endParaRPr lang="zh-CN" sz="1050" kern="100">
-                        <a:effectLst/>
-                        <a:latin typeface="Times New Roman" panose="02020603050405020304" pitchFamily="18" charset="0"/>
-                        <a:ea typeface="宋体" panose="02010600030101010101" pitchFamily="2" charset="-122"/>
-                      </a:endParaRPr>
-                    </a:p>
-                  </a:txBody>
-                  <a:tcPr marL="0" marR="0" marT="0" marB="0" anchor="ctr"/>
-                </a:tc>
-                <a:tc>
-                  <a:txBody>
-                    <a:bodyPr/>
-                    <a:lstStyle/>
-                    <a:p>
-                      <a:pPr algn="ctr">
-                        <a:spcAft>
-                          <a:spcPts val="0"/>
-                        </a:spcAft>
-                      </a:pPr>
-                      <a:r>
-                        <a:rPr lang="en-US" sz="900" kern="100">
-                          <a:effectLst/>
-                        </a:rPr>
                         <a:t>30.50</a:t>
                       </a:r>
                       <a:endParaRPr lang="zh-CN" sz="1050" kern="100">
@@ -17213,81 +14686,6 @@
                     </a:p>
                   </a:txBody>
                   <a:tcPr marL="0" marR="0" marT="0" marB="0"/>
-                </a:tc>
-                <a:tc>
-                  <a:txBody>
-                    <a:bodyPr/>
-                    <a:lstStyle/>
-                    <a:p>
-                      <a:pPr algn="ctr">
-                        <a:spcAft>
-                          <a:spcPts val="0"/>
-                        </a:spcAft>
-                      </a:pPr>
-                      <a:r>
-                        <a:rPr lang="en-US" sz="900" kern="100">
-                          <a:effectLst/>
-                        </a:rPr>
-                        <a:t>84.63</a:t>
-                      </a:r>
-                      <a:endParaRPr lang="zh-CN" sz="1050" kern="100">
-                        <a:effectLst/>
-                        <a:latin typeface="Times New Roman" panose="02020603050405020304" pitchFamily="18" charset="0"/>
-                        <a:ea typeface="宋体" panose="02010600030101010101" pitchFamily="2" charset="-122"/>
-                      </a:endParaRPr>
-                    </a:p>
-                  </a:txBody>
-                  <a:tcPr marL="0" marR="0" marT="0" marB="0" anchor="ctr"/>
-                </a:tc>
-                <a:tc>
-                  <a:txBody>
-                    <a:bodyPr/>
-                    <a:lstStyle/>
-                    <a:p>
-                      <a:pPr algn="ctr">
-                        <a:spcAft>
-                          <a:spcPts val="0"/>
-                        </a:spcAft>
-                      </a:pPr>
-                      <a:r>
-                        <a:rPr lang="en-US" sz="900" kern="100">
-                          <a:effectLst/>
-                        </a:rPr>
-                        <a:t>-22.08</a:t>
-                      </a:r>
-                      <a:endParaRPr lang="zh-CN" sz="1050" kern="100">
-                        <a:effectLst/>
-                        <a:latin typeface="Times New Roman" panose="02020603050405020304" pitchFamily="18" charset="0"/>
-                        <a:ea typeface="宋体" panose="02010600030101010101" pitchFamily="2" charset="-122"/>
-                      </a:endParaRPr>
-                    </a:p>
-                  </a:txBody>
-                  <a:tcPr marL="0" marR="0" marT="0" marB="0" anchor="ctr"/>
-                </a:tc>
-                <a:tc>
-                  <a:txBody>
-                    <a:bodyPr/>
-                    <a:lstStyle/>
-                    <a:p>
-                      <a:pPr algn="ctr">
-                        <a:spcAft>
-                          <a:spcPts val="0"/>
-                        </a:spcAft>
-                      </a:pPr>
-                      <a:r>
-                        <a:rPr lang="en-US" sz="900" kern="100">
-                          <a:effectLst/>
-                        </a:rPr>
-                        <a:t>31.02</a:t>
-                      </a:r>
-                      <a:endParaRPr lang="zh-CN" sz="1050" kern="100">
-                        <a:effectLst/>
-                        <a:latin typeface="Times New Roman" panose="02020603050405020304" pitchFamily="18" charset="0"/>
-                        <a:ea typeface="宋体" panose="02010600030101010101" pitchFamily="2" charset="-122"/>
-                      </a:endParaRPr>
-                    </a:p>
-                  </a:txBody>
-                  <a:tcPr marL="0" marR="0" marT="0" marB="0" anchor="ctr"/>
                 </a:tc>
                 <a:tc>
                   <a:txBody>
@@ -21894,7 +19292,7 @@
               <a:buChar char="•"/>
             </a:pPr>
             <a:r>
-              <a:rPr kumimoji="1" lang="zh-CN" altLang="en-US" sz="3200">
+              <a:rPr kumimoji="1" lang="zh-CN" altLang="en-US" sz="3200" dirty="0">
                 <a:solidFill>
                   <a:srgbClr val="C81501"/>
                 </a:solidFill>
@@ -21904,7 +19302,7 @@
           </a:p>
           <a:p>
             <a:pPr marL="285750" indent="-285750"/>
-            <a:endParaRPr lang="zh-CN" altLang="en-US" sz="2000"/>
+            <a:endParaRPr lang="zh-CN" altLang="en-US" sz="2000" dirty="0"/>
           </a:p>
         </p:txBody>
       </p:sp>
@@ -22739,11 +20137,7 @@
             </a:r>
             <a:r>
               <a:rPr lang="en-US" altLang="zh-CN" sz="2400" dirty="0" smtClean="0"/>
-              <a:t>Los Alamos National </a:t>
-            </a:r>
-            <a:r>
-              <a:rPr lang="en-US" altLang="zh-CN" sz="2400" dirty="0" smtClean="0"/>
-              <a:t>Laboratory</a:t>
+              <a:t>Los Alamos National Laboratory</a:t>
             </a:r>
             <a:r>
               <a:rPr lang="zh-CN" altLang="zh-CN" sz="2400" dirty="0" smtClean="0"/>
@@ -22813,6 +20207,14 @@
               <a:rPr lang="zh-CN" altLang="en-US" sz="2400" dirty="0" smtClean="0"/>
               <a:t>公司</a:t>
             </a:r>
+            <a:endParaRPr lang="en-US" altLang="zh-CN" sz="2400" dirty="0" smtClean="0"/>
+          </a:p>
+          <a:p>
+            <a:pPr eaLnBrk="1" hangingPunct="1">
+              <a:lnSpc>
+                <a:spcPct val="80000"/>
+              </a:lnSpc>
+            </a:pPr>
             <a:endParaRPr kumimoji="1" lang="zh-CN" altLang="en-US" sz="2800" dirty="0" smtClean="0"/>
           </a:p>
         </p:txBody>
@@ -22983,15 +20385,7 @@
             <a:pPr eaLnBrk="1" hangingPunct="1"/>
             <a:r>
               <a:rPr lang="zh-CN" altLang="zh-CN" dirty="0" smtClean="0"/>
-              <a:t>中国</a:t>
-            </a:r>
-            <a:r>
-              <a:rPr lang="zh-CN" altLang="zh-CN" dirty="0" smtClean="0"/>
-              <a:t>原子能</a:t>
-            </a:r>
-            <a:r>
-              <a:rPr lang="zh-CN" altLang="zh-CN" dirty="0" smtClean="0"/>
-              <a:t>研究院</a:t>
+              <a:t>中国原子能研究院</a:t>
             </a:r>
             <a:r>
               <a:rPr lang="zh-CN" altLang="en-US" dirty="0" smtClean="0"/>
@@ -23027,15 +20421,7 @@
             <a:pPr eaLnBrk="1" hangingPunct="1"/>
             <a:r>
               <a:rPr lang="zh-CN" altLang="en-US" dirty="0" smtClean="0"/>
-              <a:t>工程</a:t>
-            </a:r>
-            <a:r>
-              <a:rPr lang="zh-CN" altLang="en-US" dirty="0" smtClean="0"/>
-              <a:t>物理研究院与</a:t>
-            </a:r>
-            <a:r>
-              <a:rPr lang="zh-CN" altLang="en-US" dirty="0" smtClean="0"/>
-              <a:t>成都理工大学、兰州大学合作，针对</a:t>
+              <a:t>工程物理研究院与成都理工大学、兰州大学合作，针对</a:t>
             </a:r>
             <a:r>
               <a:rPr lang="en-US" altLang="zh-CN" dirty="0" err="1" smtClean="0"/>
@@ -23531,7 +20917,6 @@
               <a:rPr lang="en-US" altLang="zh-CN" dirty="0"/>
               <a:t>】</a:t>
             </a:r>
-            <a:endParaRPr lang="en-US" altLang="zh-CN" dirty="0"/>
           </a:p>
         </p:txBody>
       </p:sp>

--- a/毕业答辩报告.pptx
+++ b/毕业答辩报告.pptx
@@ -278,7 +278,7 @@
               <a:pPr>
                 <a:defRPr/>
               </a:pPr>
-              <a:t>2017/12/12</a:t>
+              <a:t>2017/12/15</a:t>
             </a:fld>
             <a:endParaRPr lang="zh-CN" altLang="en-US"/>
           </a:p>
@@ -5595,7 +5595,7 @@
           <a:graphicData uri="http://schemas.openxmlformats.org/presentationml/2006/ole">
             <mc:AlternateContent xmlns:mc="http://schemas.openxmlformats.org/markup-compatibility/2006">
               <mc:Choice xmlns:v="urn:schemas-microsoft-com:vml" Requires="v">
-                <p:oleObj spid="_x0000_s58418" name="Visio" r:id="rId3" imgW="3000258" imgH="5191270" progId="Visio.Drawing.15">
+                <p:oleObj spid="_x0000_s58420" name="Visio" r:id="rId3" imgW="3000258" imgH="5191270" progId="Visio.Drawing.15">
                   <p:embed/>
                 </p:oleObj>
               </mc:Choice>
@@ -6268,15 +6268,7 @@
             </a:r>
             <a:r>
               <a:rPr lang="zh-CN" altLang="en-US" dirty="0" smtClean="0"/>
-              <a:t>废物</a:t>
-            </a:r>
-            <a:r>
-              <a:rPr lang="zh-CN" altLang="en-US" dirty="0" smtClean="0"/>
-              <a:t>桶实验</a:t>
-            </a:r>
-            <a:r>
-              <a:rPr lang="zh-CN" altLang="en-US" dirty="0" smtClean="0"/>
-              <a:t>验证</a:t>
+              <a:t>废物桶实验验证</a:t>
             </a:r>
             <a:endParaRPr lang="en-US" altLang="zh-CN" dirty="0" smtClean="0"/>
           </a:p>
@@ -6284,15 +6276,7 @@
             <a:pPr eaLnBrk="1" hangingPunct="1"/>
             <a:r>
               <a:rPr lang="zh-CN" altLang="en-US" dirty="0" smtClean="0"/>
-              <a:t>不同位置单点源，</a:t>
-            </a:r>
-            <a:r>
-              <a:rPr lang="zh-CN" altLang="en-US" dirty="0" smtClean="0"/>
-              <a:t>两种</a:t>
-            </a:r>
-            <a:r>
-              <a:rPr lang="zh-CN" altLang="en-US" dirty="0" smtClean="0"/>
-              <a:t>核素</a:t>
+              <a:t>不同位置单点源，两种核素</a:t>
             </a:r>
             <a:r>
               <a:rPr lang="en-US" altLang="zh-CN" dirty="0" smtClean="0"/>
@@ -6311,11 +6295,7 @@
             <a:pPr eaLnBrk="1" hangingPunct="1"/>
             <a:r>
               <a:rPr lang="zh-CN" altLang="en-US" dirty="0" smtClean="0"/>
-              <a:t>均匀介质</a:t>
-            </a:r>
-            <a:r>
-              <a:rPr lang="zh-CN" altLang="en-US" dirty="0" smtClean="0"/>
-              <a:t>密度为</a:t>
+              <a:t>均匀介质密度为</a:t>
             </a:r>
             <a:r>
               <a:rPr lang="en-US" altLang="zh-CN" dirty="0" smtClean="0"/>
@@ -6775,11 +6755,7 @@
             </a:r>
             <a:r>
               <a:rPr lang="zh-CN" altLang="en-US" dirty="0" smtClean="0"/>
-              <a:t>废物桶蒙</a:t>
-            </a:r>
-            <a:r>
-              <a:rPr lang="zh-CN" altLang="en-US" dirty="0" smtClean="0"/>
-              <a:t>卡计算</a:t>
+              <a:t>废物桶蒙卡计算</a:t>
             </a:r>
             <a:endParaRPr lang="en-US" altLang="zh-CN" dirty="0" smtClean="0"/>
           </a:p>
@@ -6787,15 +6763,7 @@
             <a:pPr eaLnBrk="1" hangingPunct="1"/>
             <a:r>
               <a:rPr lang="zh-CN" altLang="en-US" dirty="0" smtClean="0"/>
-              <a:t>不同位置单点源，</a:t>
-            </a:r>
-            <a:r>
-              <a:rPr lang="zh-CN" altLang="en-US" dirty="0" smtClean="0"/>
-              <a:t>两种</a:t>
-            </a:r>
-            <a:r>
-              <a:rPr lang="zh-CN" altLang="en-US" dirty="0" smtClean="0"/>
-              <a:t>核素</a:t>
+              <a:t>不同位置单点源，两种核素</a:t>
             </a:r>
             <a:r>
               <a:rPr lang="en-US" altLang="zh-CN" dirty="0" smtClean="0"/>
@@ -6814,11 +6782,7 @@
             <a:pPr eaLnBrk="1" hangingPunct="1"/>
             <a:r>
               <a:rPr lang="zh-CN" altLang="en-US" dirty="0" smtClean="0"/>
-              <a:t>均匀介质</a:t>
-            </a:r>
-            <a:r>
-              <a:rPr lang="zh-CN" altLang="en-US" dirty="0" smtClean="0"/>
-              <a:t>密度为</a:t>
+              <a:t>均匀介质密度为</a:t>
             </a:r>
             <a:r>
               <a:rPr lang="en-US" altLang="zh-CN" dirty="0" smtClean="0"/>
@@ -15235,11 +15199,7 @@
             </a:r>
             <a:r>
               <a:rPr lang="zh-CN" altLang="en-US" dirty="0" smtClean="0"/>
-              <a:t>高密度废物桶蒙</a:t>
-            </a:r>
-            <a:r>
-              <a:rPr lang="zh-CN" altLang="en-US" dirty="0" smtClean="0"/>
-              <a:t>卡计算</a:t>
+              <a:t>高密度废物桶蒙卡计算</a:t>
             </a:r>
             <a:endParaRPr lang="en-US" altLang="zh-CN" dirty="0" smtClean="0"/>
           </a:p>
@@ -19403,11 +19363,7 @@
             <a:pPr lvl="1"/>
             <a:r>
               <a:rPr lang="zh-CN" altLang="en-US" sz="2000" dirty="0" smtClean="0"/>
-              <a:t>考虑</a:t>
-            </a:r>
-            <a:r>
-              <a:rPr lang="zh-CN" altLang="en-US" sz="2000" dirty="0" smtClean="0"/>
-              <a:t>到双探测器等效半径间的误差，利用计数率之比推导等效半径与效率刻度</a:t>
+              <a:t>考虑到双探测器等效半径间的误差，利用计数率之比推导等效半径与效率刻度</a:t>
             </a:r>
             <a:endParaRPr lang="en-US" altLang="zh-CN" sz="2000" dirty="0" smtClean="0"/>
           </a:p>
@@ -24556,9 +24512,16 @@
             </a:pPr>
             <a:r>
               <a:rPr kumimoji="1" lang="zh-CN" altLang="en-US" sz="2800" dirty="0" smtClean="0"/>
-              <a:t>最近的工作主要集中于系统优化与改造，测量策略改进，兼容性程度的开发，以及新的改进型方法的研究</a:t>
-            </a:r>
-            <a:endParaRPr kumimoji="1" lang="zh-CN" altLang="en-US" sz="2800" dirty="0" smtClean="0"/>
+              <a:t>最近的工作主要集中于系统优化与改造，测量策略改进，</a:t>
+            </a:r>
+            <a:r>
+              <a:rPr kumimoji="1" lang="zh-CN" altLang="en-US" sz="2800" dirty="0" smtClean="0"/>
+              <a:t>兼容性的优化，</a:t>
+            </a:r>
+            <a:r>
+              <a:rPr kumimoji="1" lang="zh-CN" altLang="en-US" sz="2800" dirty="0" smtClean="0"/>
+              <a:t>以及新的改进型方法的研究</a:t>
+            </a:r>
           </a:p>
         </p:txBody>
       </p:sp>

--- a/毕业答辩报告.pptx
+++ b/毕业答辩报告.pptx
@@ -278,7 +278,7 @@
               <a:pPr>
                 <a:defRPr/>
               </a:pPr>
-              <a:t>2017/12/15</a:t>
+              <a:t>18/1/4</a:t>
             </a:fld>
             <a:endParaRPr lang="zh-CN" altLang="en-US"/>
           </a:p>
@@ -5595,12 +5595,12 @@
           <a:graphicData uri="http://schemas.openxmlformats.org/presentationml/2006/ole">
             <mc:AlternateContent xmlns:mc="http://schemas.openxmlformats.org/markup-compatibility/2006">
               <mc:Choice xmlns:v="urn:schemas-microsoft-com:vml" Requires="v">
-                <p:oleObj spid="_x0000_s58420" name="Visio" r:id="rId3" imgW="3000258" imgH="5191270" progId="Visio.Drawing.15">
+                <p:oleObj spid="_x0000_s58422" name="Visio" r:id="rId4" imgW="3000258" imgH="5191270" progId="Visio.Drawing.15">
                   <p:embed/>
                 </p:oleObj>
               </mc:Choice>
               <mc:Fallback>
-                <p:oleObj name="Visio" r:id="rId3" imgW="3000258" imgH="5191270" progId="Visio.Drawing.15">
+                <p:oleObj name="Visio" r:id="rId4" imgW="3000258" imgH="5191270" progId="Visio.Drawing.15">
                   <p:embed/>
                   <p:pic>
                     <p:nvPicPr>
@@ -5611,7 +5611,7 @@
                       <p:nvPr/>
                     </p:nvPicPr>
                     <p:blipFill>
-                      <a:blip r:embed="rId4">
+                      <a:blip r:embed="rId5">
                         <a:extLst>
                           <a:ext uri="{28A0092B-C50C-407E-A947-70E740481C1C}">
                             <a14:useLocalDpi xmlns:a14="http://schemas.microsoft.com/office/drawing/2010/main" val="0"/>
@@ -5649,7 +5649,7 @@
           <p:nvPr/>
         </p:nvPicPr>
         <p:blipFill>
-          <a:blip r:embed="rId5">
+          <a:blip r:embed="rId6">
             <a:extLst>
               <a:ext uri="{28A0092B-C50C-407E-A947-70E740481C1C}">
                 <a14:useLocalDpi xmlns:a14="http://schemas.microsoft.com/office/drawing/2010/main" val="0"/>
@@ -15211,11 +15211,11 @@
             </a:r>
             <a:r>
               <a:rPr lang="zh-CN" altLang="en-US" dirty="0"/>
-              <a:t>位置单点源，两种</a:t>
+              <a:t>位置单点源</a:t>
             </a:r>
             <a:r>
               <a:rPr lang="zh-CN" altLang="en-US" dirty="0" smtClean="0"/>
-              <a:t>核素</a:t>
+              <a:t>，核素</a:t>
             </a:r>
             <a:r>
               <a:rPr lang="en-US" altLang="zh-CN" dirty="0" smtClean="0"/>
@@ -24512,15 +24512,7 @@
             </a:pPr>
             <a:r>
               <a:rPr kumimoji="1" lang="zh-CN" altLang="en-US" sz="2800" dirty="0" smtClean="0"/>
-              <a:t>最近的工作主要集中于系统优化与改造，测量策略改进，</a:t>
-            </a:r>
-            <a:r>
-              <a:rPr kumimoji="1" lang="zh-CN" altLang="en-US" sz="2800" dirty="0" smtClean="0"/>
-              <a:t>兼容性的优化，</a:t>
-            </a:r>
-            <a:r>
-              <a:rPr kumimoji="1" lang="zh-CN" altLang="en-US" sz="2800" dirty="0" smtClean="0"/>
-              <a:t>以及新的改进型方法的研究</a:t>
+              <a:t>最近的工作主要集中于系统优化与改造，测量策略改进，兼容性的优化，以及新的改进型方法的研究</a:t>
             </a:r>
           </a:p>
         </p:txBody>

--- a/毕业答辩报告.pptx
+++ b/毕业答辩报告.pptx
@@ -278,7 +278,7 @@
               <a:pPr>
                 <a:defRPr/>
               </a:pPr>
-              <a:t>18/1/4</a:t>
+              <a:t>2018/1/8</a:t>
             </a:fld>
             <a:endParaRPr lang="zh-CN" altLang="en-US"/>
           </a:p>
@@ -4532,7 +4532,7 @@
                   <a:srgbClr val="004195"/>
                 </a:solidFill>
               </a:rPr>
-              <a:t>2017</a:t>
+              <a:t>2018</a:t>
             </a:r>
             <a:r>
               <a:rPr kumimoji="1" lang="zh-CN" altLang="en-US" sz="2800" dirty="0" smtClean="0">
@@ -4548,7 +4548,7 @@
                   <a:srgbClr val="004195"/>
                 </a:solidFill>
               </a:rPr>
-              <a:t>12</a:t>
+              <a:t>1</a:t>
             </a:r>
             <a:r>
               <a:rPr kumimoji="1" lang="zh-CN" altLang="en-US" sz="2800" dirty="0" smtClean="0">
@@ -4564,7 +4564,7 @@
                   <a:srgbClr val="004195"/>
                 </a:solidFill>
               </a:rPr>
-              <a:t>10</a:t>
+              <a:t>12</a:t>
             </a:r>
             <a:r>
               <a:rPr kumimoji="1" lang="zh-CN" altLang="en-US" sz="2800" dirty="0" smtClean="0">
@@ -4574,6 +4574,11 @@
               </a:rPr>
               <a:t>日</a:t>
             </a:r>
+            <a:endParaRPr kumimoji="1" lang="zh-CN" altLang="en-US" sz="2800" dirty="0" smtClean="0">
+              <a:solidFill>
+                <a:srgbClr val="004195"/>
+              </a:solidFill>
+            </a:endParaRPr>
           </a:p>
         </p:txBody>
       </p:sp>
@@ -5190,54 +5195,74 @@
           <a:bodyPr/>
           <a:lstStyle/>
           <a:p>
-            <a:pPr marL="609600" indent="-609600" eaLnBrk="1" hangingPunct="1"/>
-            <a:r>
-              <a:rPr lang="en-US" altLang="zh-CN" sz="2800" dirty="0" smtClean="0"/>
+            <a:pPr eaLnBrk="1" hangingPunct="1"/>
+            <a:r>
+              <a:rPr lang="en-US" altLang="zh-CN" dirty="0" smtClean="0"/>
               <a:t>SGS</a:t>
             </a:r>
             <a:r>
-              <a:rPr lang="zh-CN" altLang="en-US" sz="2800" dirty="0" smtClean="0"/>
+              <a:rPr lang="zh-CN" altLang="en-US" dirty="0" smtClean="0"/>
               <a:t>和</a:t>
             </a:r>
             <a:r>
-              <a:rPr lang="en-US" altLang="zh-CN" sz="2800" dirty="0" err="1" smtClean="0"/>
+              <a:rPr lang="en-US" altLang="zh-CN" dirty="0" err="1" smtClean="0"/>
               <a:t>TGS方法</a:t>
             </a:r>
             <a:r>
-              <a:rPr lang="zh-CN" altLang="en-US" sz="2800" dirty="0" smtClean="0"/>
+              <a:rPr lang="zh-CN" altLang="en-US" dirty="0" smtClean="0"/>
               <a:t>在快速准确的测量低中放废物桶上都存在一定的局限性，尤其是针对</a:t>
             </a:r>
             <a:r>
-              <a:rPr lang="en-US" altLang="zh-CN" sz="2800" dirty="0" smtClean="0"/>
+              <a:rPr lang="en-US" altLang="zh-CN" dirty="0" smtClean="0"/>
               <a:t>400L</a:t>
             </a:r>
             <a:r>
-              <a:rPr lang="zh-CN" altLang="en-US" sz="2800" dirty="0" smtClean="0"/>
+              <a:rPr lang="zh-CN" altLang="en-US" dirty="0" smtClean="0"/>
               <a:t>、</a:t>
             </a:r>
             <a:r>
-              <a:rPr lang="zh-CN" altLang="en-US" sz="2800" dirty="0"/>
+              <a:rPr lang="zh-CN" altLang="en-US" dirty="0"/>
               <a:t>密度大及放射性核素不</a:t>
             </a:r>
             <a:r>
-              <a:rPr lang="zh-CN" altLang="en-US" sz="2800" dirty="0" smtClean="0"/>
+              <a:rPr lang="zh-CN" altLang="en-US" dirty="0" smtClean="0"/>
               <a:t>均匀分布的情况；</a:t>
             </a:r>
           </a:p>
           <a:p>
-            <a:pPr marL="609600" indent="-609600" eaLnBrk="1" hangingPunct="1"/>
-            <a:r>
-              <a:rPr lang="zh-CN" altLang="en-US" sz="2800" dirty="0" smtClean="0"/>
+            <a:pPr eaLnBrk="1" hangingPunct="1"/>
+            <a:r>
+              <a:rPr lang="zh-CN" altLang="en-US" dirty="0" smtClean="0"/>
               <a:t>前述的改进型测量技术都基于一定的假设，难以满足各种类型废物桶准确测量的需要；</a:t>
             </a:r>
           </a:p>
           <a:p>
-            <a:pPr marL="609600" indent="-609600" eaLnBrk="1" hangingPunct="1"/>
-            <a:r>
-              <a:rPr lang="zh-CN" altLang="en-US" sz="2800" dirty="0" smtClean="0"/>
-              <a:t>一种在精度保证的情况下、进行快速测量的改进型方法是低中放废物桶测量技术迫切需要的</a:t>
-            </a:r>
-            <a:endParaRPr lang="zh-CN" altLang="en-US" dirty="0" smtClean="0"/>
+            <a:pPr eaLnBrk="1" hangingPunct="1"/>
+            <a:r>
+              <a:rPr lang="zh-CN" altLang="en-US" dirty="0" smtClean="0"/>
+              <a:t>一种在精度保证的情况下、进行快速测量的改进型</a:t>
+            </a:r>
+            <a:r>
+              <a:rPr lang="zh-CN" altLang="en-US" dirty="0" smtClean="0"/>
+              <a:t>方法，是</a:t>
+            </a:r>
+            <a:r>
+              <a:rPr lang="zh-CN" altLang="en-US" dirty="0" smtClean="0"/>
+              <a:t>低中放废物桶</a:t>
+            </a:r>
+            <a:r>
+              <a:rPr lang="zh-CN" altLang="en-US" dirty="0" smtClean="0"/>
+              <a:t>测量所迫切</a:t>
+            </a:r>
+            <a:r>
+              <a:rPr lang="zh-CN" altLang="en-US" dirty="0" smtClean="0"/>
+              <a:t>需要</a:t>
+            </a:r>
+            <a:r>
+              <a:rPr lang="zh-CN" altLang="en-US" dirty="0" smtClean="0"/>
+              <a:t>的技术</a:t>
+            </a:r>
+            <a:endParaRPr lang="zh-CN" altLang="en-US" sz="3600" dirty="0" smtClean="0"/>
           </a:p>
         </p:txBody>
       </p:sp>
@@ -5504,7 +5529,15 @@
           <a:p>
             <a:r>
               <a:rPr lang="zh-CN" altLang="en-US" dirty="0" smtClean="0"/>
-              <a:t>系统逻辑图与实物示意图</a:t>
+              <a:t>系统</a:t>
+            </a:r>
+            <a:r>
+              <a:rPr lang="zh-CN" altLang="en-US" dirty="0" smtClean="0"/>
+              <a:t>逻辑与</a:t>
+            </a:r>
+            <a:r>
+              <a:rPr lang="zh-CN" altLang="en-US" dirty="0" smtClean="0"/>
+              <a:t>实物示意图</a:t>
             </a:r>
             <a:endParaRPr lang="zh-CN" altLang="en-US" dirty="0"/>
           </a:p>
@@ -5595,12 +5628,12 @@
           <a:graphicData uri="http://schemas.openxmlformats.org/presentationml/2006/ole">
             <mc:AlternateContent xmlns:mc="http://schemas.openxmlformats.org/markup-compatibility/2006">
               <mc:Choice xmlns:v="urn:schemas-microsoft-com:vml" Requires="v">
-                <p:oleObj spid="_x0000_s58422" name="Visio" r:id="rId4" imgW="3000258" imgH="5191270" progId="Visio.Drawing.15">
+                <p:oleObj spid="_x0000_s58444" name="Visio" r:id="rId3" imgW="3000258" imgH="5191270" progId="Visio.Drawing.15">
                   <p:embed/>
                 </p:oleObj>
               </mc:Choice>
               <mc:Fallback>
-                <p:oleObj name="Visio" r:id="rId4" imgW="3000258" imgH="5191270" progId="Visio.Drawing.15">
+                <p:oleObj name="Visio" r:id="rId3" imgW="3000258" imgH="5191270" progId="Visio.Drawing.15">
                   <p:embed/>
                   <p:pic>
                     <p:nvPicPr>
@@ -5611,7 +5644,7 @@
                       <p:nvPr/>
                     </p:nvPicPr>
                     <p:blipFill>
-                      <a:blip r:embed="rId5">
+                      <a:blip r:embed="rId4">
                         <a:extLst>
                           <a:ext uri="{28A0092B-C50C-407E-A947-70E740481C1C}">
                             <a14:useLocalDpi xmlns:a14="http://schemas.microsoft.com/office/drawing/2010/main" val="0"/>
@@ -5649,7 +5682,7 @@
           <p:nvPr/>
         </p:nvPicPr>
         <p:blipFill>
-          <a:blip r:embed="rId6">
+          <a:blip r:embed="rId5">
             <a:extLst>
               <a:ext uri="{28A0092B-C50C-407E-A947-70E740481C1C}">
                 <a14:useLocalDpi xmlns:a14="http://schemas.microsoft.com/office/drawing/2010/main" val="0"/>
@@ -5758,7 +5791,7 @@
         </p:nvSpPr>
         <p:spPr>
           <a:xfrm>
-            <a:off x="457200" y="5287594"/>
+            <a:off x="393745" y="5621400"/>
             <a:ext cx="8229600" cy="667612"/>
           </a:xfrm>
         </p:spPr>
@@ -5768,7 +5801,11 @@
           <a:p>
             <a:r>
               <a:rPr lang="zh-CN" altLang="en-US" dirty="0" smtClean="0"/>
-              <a:t>数据采集与交互模块逻辑图与界面图</a:t>
+              <a:t>数据采集与交互模块</a:t>
+            </a:r>
+            <a:r>
+              <a:rPr lang="zh-CN" altLang="en-US" dirty="0" smtClean="0"/>
+              <a:t>逻辑设计与软件开发</a:t>
             </a:r>
             <a:endParaRPr lang="zh-CN" altLang="en-US" dirty="0"/>
           </a:p>
@@ -5882,6 +5919,80 @@
           </a:extLst>
         </p:spPr>
       </p:pic>
+      <p:sp>
+        <p:nvSpPr>
+          <p:cNvPr id="4" name="矩形 3"/>
+          <p:cNvSpPr/>
+          <p:nvPr/>
+        </p:nvSpPr>
+        <p:spPr>
+          <a:xfrm>
+            <a:off x="393745" y="5054853"/>
+            <a:ext cx="2318263" cy="369332"/>
+          </a:xfrm>
+          <a:prstGeom prst="rect">
+            <a:avLst/>
+          </a:prstGeom>
+        </p:spPr>
+        <p:txBody>
+          <a:bodyPr wrap="none">
+            <a:spAutoFit/>
+          </a:bodyPr>
+          <a:lstStyle/>
+          <a:p>
+            <a:r>
+              <a:rPr kumimoji="1" lang="en-US" altLang="zh-CN" dirty="0" smtClean="0"/>
+              <a:t>【</a:t>
+            </a:r>
+            <a:r>
+              <a:rPr kumimoji="1" lang="zh-CN" altLang="en-US" dirty="0" smtClean="0"/>
+              <a:t>系统设计逻辑图</a:t>
+            </a:r>
+            <a:r>
+              <a:rPr kumimoji="1" lang="en-US" altLang="zh-CN" dirty="0" smtClean="0"/>
+              <a:t>】</a:t>
+            </a:r>
+            <a:endParaRPr lang="zh-CN" altLang="en-US" dirty="0"/>
+          </a:p>
+        </p:txBody>
+      </p:sp>
+      <p:sp>
+        <p:nvSpPr>
+          <p:cNvPr id="7" name="矩形 6"/>
+          <p:cNvSpPr/>
+          <p:nvPr/>
+        </p:nvSpPr>
+        <p:spPr>
+          <a:xfrm>
+            <a:off x="5117618" y="5054853"/>
+            <a:ext cx="3185487" cy="369332"/>
+          </a:xfrm>
+          <a:prstGeom prst="rect">
+            <a:avLst/>
+          </a:prstGeom>
+        </p:spPr>
+        <p:txBody>
+          <a:bodyPr wrap="none">
+            <a:spAutoFit/>
+          </a:bodyPr>
+          <a:lstStyle/>
+          <a:p>
+            <a:r>
+              <a:rPr kumimoji="1" lang="en-US" altLang="zh-CN" dirty="0" smtClean="0"/>
+              <a:t>【</a:t>
+            </a:r>
+            <a:r>
+              <a:rPr kumimoji="1" lang="zh-CN" altLang="en-US" dirty="0" smtClean="0"/>
+              <a:t>系统软件模块交互界面图</a:t>
+            </a:r>
+            <a:r>
+              <a:rPr kumimoji="1" lang="en-US" altLang="zh-CN" dirty="0" smtClean="0"/>
+              <a:t>】</a:t>
+            </a:r>
+            <a:endParaRPr lang="zh-CN" altLang="en-US" dirty="0"/>
+          </a:p>
+        </p:txBody>
+      </p:sp>
     </p:spTree>
     <p:extLst>
       <p:ext uri="{BB962C8B-B14F-4D97-AF65-F5344CB8AC3E}">
@@ -6151,6 +6262,43 @@
           </a:ln>
         </p:spPr>
       </p:pic>
+      <p:sp>
+        <p:nvSpPr>
+          <p:cNvPr id="7" name="矩形 6"/>
+          <p:cNvSpPr/>
+          <p:nvPr/>
+        </p:nvSpPr>
+        <p:spPr>
+          <a:xfrm>
+            <a:off x="4048425" y="5790232"/>
+            <a:ext cx="3352200" cy="369332"/>
+          </a:xfrm>
+          <a:prstGeom prst="rect">
+            <a:avLst/>
+          </a:prstGeom>
+        </p:spPr>
+        <p:txBody>
+          <a:bodyPr wrap="none">
+            <a:spAutoFit/>
+          </a:bodyPr>
+          <a:lstStyle/>
+          <a:p>
+            <a:r>
+              <a:rPr kumimoji="1" lang="en-US" altLang="zh-CN" dirty="0" smtClean="0"/>
+              <a:t>【STGS</a:t>
+            </a:r>
+            <a:r>
+              <a:rPr kumimoji="1" lang="zh-CN" altLang="en-US" dirty="0" smtClean="0"/>
+              <a:t>方法的体素划分方式</a:t>
+            </a:r>
+            <a:r>
+              <a:rPr kumimoji="1" lang="en-US" altLang="zh-CN" dirty="0" smtClean="0"/>
+              <a:t>】</a:t>
+            </a:r>
+            <a:endParaRPr lang="zh-CN" altLang="en-US" dirty="0"/>
+          </a:p>
+        </p:txBody>
+      </p:sp>
     </p:spTree>
   </p:cSld>
   <p:clrMapOvr>
@@ -6332,7 +6480,7 @@
         </p:blipFill>
         <p:spPr bwMode="auto">
           <a:xfrm>
-            <a:off x="0" y="3173632"/>
+            <a:off x="457200" y="3173632"/>
             <a:ext cx="2638425" cy="1657350"/>
           </a:xfrm>
           <a:prstGeom prst="rect">
@@ -6386,7 +6534,7 @@
         </p:blipFill>
         <p:spPr bwMode="auto">
           <a:xfrm>
-            <a:off x="2643188" y="3173632"/>
+            <a:off x="3100388" y="3173632"/>
             <a:ext cx="2638425" cy="1657350"/>
           </a:xfrm>
           <a:prstGeom prst="rect">
@@ -6440,7 +6588,7 @@
         </p:blipFill>
         <p:spPr bwMode="auto">
           <a:xfrm>
-            <a:off x="5281613" y="3173632"/>
+            <a:off x="5738813" y="3173632"/>
             <a:ext cx="2638425" cy="1657350"/>
           </a:xfrm>
           <a:prstGeom prst="rect">
@@ -6494,7 +6642,7 @@
         </p:blipFill>
         <p:spPr bwMode="auto">
           <a:xfrm>
-            <a:off x="20529" y="4830982"/>
+            <a:off x="477729" y="4830982"/>
             <a:ext cx="2638425" cy="1657350"/>
           </a:xfrm>
           <a:prstGeom prst="rect">
@@ -6548,7 +6696,7 @@
         </p:blipFill>
         <p:spPr bwMode="auto">
           <a:xfrm>
-            <a:off x="2679483" y="4842095"/>
+            <a:off x="3136683" y="4842095"/>
             <a:ext cx="2651125" cy="1646237"/>
           </a:xfrm>
           <a:prstGeom prst="rect">
@@ -6602,7 +6750,7 @@
         </p:blipFill>
         <p:spPr bwMode="auto">
           <a:xfrm>
-            <a:off x="5351137" y="4842095"/>
+            <a:off x="5808337" y="4842095"/>
             <a:ext cx="2651125" cy="1646237"/>
           </a:xfrm>
           <a:prstGeom prst="rect">
@@ -14670,18 +14818,38 @@
             </a:r>
             <a:r>
               <a:rPr lang="zh-CN" altLang="en-US" sz="2800" dirty="0" smtClean="0"/>
-              <a:t>是四分之一</a:t>
+              <a:t>是</a:t>
+            </a:r>
+            <a:r>
+              <a:rPr lang="zh-CN" altLang="en-US" sz="2800" dirty="0" smtClean="0">
+                <a:solidFill>
+                  <a:srgbClr val="C00000"/>
+                </a:solidFill>
+              </a:rPr>
+              <a:t>四分之一</a:t>
             </a:r>
             <a:r>
               <a:rPr lang="zh-CN" altLang="en-US" sz="2800" dirty="0"/>
               <a:t>到</a:t>
             </a:r>
             <a:r>
+              <a:rPr lang="zh-CN" altLang="en-US" sz="2800" dirty="0" smtClean="0">
+                <a:solidFill>
+                  <a:srgbClr val="C00000"/>
+                </a:solidFill>
+              </a:rPr>
+              <a:t>三分之一</a:t>
+            </a:r>
+            <a:r>
               <a:rPr lang="zh-CN" altLang="en-US" sz="2800" dirty="0" smtClean="0"/>
-              <a:t>三分之一，而时间是</a:t>
-            </a:r>
-            <a:r>
-              <a:rPr lang="en-US" altLang="zh-CN" sz="2800" dirty="0" smtClean="0"/>
+              <a:t>，而时间是</a:t>
+            </a:r>
+            <a:r>
+              <a:rPr lang="en-US" altLang="zh-CN" sz="2800" dirty="0" smtClean="0">
+                <a:solidFill>
+                  <a:srgbClr val="C00000"/>
+                </a:solidFill>
+              </a:rPr>
               <a:t>2-4</a:t>
             </a:r>
             <a:r>
@@ -15194,12 +15362,28 @@
           <a:p>
             <a:pPr eaLnBrk="1" hangingPunct="1"/>
             <a:r>
-              <a:rPr lang="en-US" altLang="zh-CN" dirty="0" smtClean="0"/>
+              <a:rPr lang="en-US" altLang="zh-CN" dirty="0" smtClean="0">
+                <a:solidFill>
+                  <a:srgbClr val="C00000"/>
+                </a:solidFill>
+              </a:rPr>
               <a:t>400L</a:t>
             </a:r>
             <a:r>
+              <a:rPr lang="zh-CN" altLang="en-US" dirty="0" smtClean="0">
+                <a:solidFill>
+                  <a:srgbClr val="C00000"/>
+                </a:solidFill>
+              </a:rPr>
+              <a:t>高密度</a:t>
+            </a:r>
+            <a:r>
               <a:rPr lang="zh-CN" altLang="en-US" dirty="0" smtClean="0"/>
-              <a:t>高密度废物桶蒙卡计算</a:t>
+              <a:t>废物桶蒙卡</a:t>
+            </a:r>
+            <a:r>
+              <a:rPr lang="zh-CN" altLang="en-US" dirty="0" smtClean="0"/>
+              <a:t>计算</a:t>
             </a:r>
             <a:endParaRPr lang="en-US" altLang="zh-CN" dirty="0" smtClean="0"/>
           </a:p>
@@ -15676,13 +15860,13 @@
           <p:nvPr>
             <p:extLst>
               <p:ext uri="{D42A27DB-BD31-4B8C-83A1-F6EECF244321}">
-                <p14:modId xmlns:p14="http://schemas.microsoft.com/office/powerpoint/2010/main" val="2667471880"/>
+                <p14:modId xmlns:p14="http://schemas.microsoft.com/office/powerpoint/2010/main" val="867951411"/>
               </p:ext>
             </p:extLst>
           </p:nvPr>
         </p:nvGraphicFramePr>
         <p:xfrm>
-          <a:off x="457200" y="1496158"/>
+          <a:off x="457200" y="1653177"/>
           <a:ext cx="3939274" cy="3065780"/>
         </p:xfrm>
         <a:graphic>
@@ -17005,12 +17189,12 @@
                         </a:spcAft>
                       </a:pPr>
                       <a:r>
-                        <a:rPr lang="en-US" sz="900" kern="0">
+                        <a:rPr lang="en-US" sz="900" kern="0" dirty="0">
                           <a:effectLst/>
                         </a:rPr>
                         <a:t>2.0</a:t>
                       </a:r>
-                      <a:endParaRPr lang="zh-CN" sz="1050" kern="100">
+                      <a:endParaRPr lang="zh-CN" sz="1050" kern="100" dirty="0">
                         <a:effectLst/>
                         <a:latin typeface="Times New Roman" panose="02020603050405020304" pitchFamily="18" charset="0"/>
                         <a:ea typeface="宋体" panose="02010600030101010101" pitchFamily="2" charset="-122"/>
@@ -18908,7 +19092,7 @@
         <p:spPr bwMode="auto">
           <a:xfrm>
             <a:off x="457200" y="1017611"/>
-            <a:ext cx="6417141" cy="461665"/>
+            <a:ext cx="6186309" cy="461665"/>
           </a:xfrm>
           <a:prstGeom prst="rect">
             <a:avLst/>
@@ -19053,7 +19237,7 @@
             </a:lvl9pPr>
           </a:lstStyle>
           <a:p>
-            <a:pPr marL="0" marR="0" lvl="0" indent="228600" algn="l" defTabSz="914400" rtl="0" eaLnBrk="0" fontAlgn="base" latinLnBrk="0" hangingPunct="0">
+            <a:pPr marR="0" lvl="0" indent="0" defTabSz="914400" rtl="0" eaLnBrk="0" fontAlgn="base" latinLnBrk="0" hangingPunct="0">
               <a:lnSpc>
                 <a:spcPct val="100000"/>
               </a:lnSpc>
@@ -19065,8 +19249,6 @@
               </a:spcAft>
               <a:buClrTx/>
               <a:buSzTx/>
-              <a:buFontTx/>
-              <a:buNone/>
               <a:tabLst/>
             </a:pPr>
             <a:r>
@@ -19148,15 +19330,11 @@
           <a:p>
             <a:r>
               <a:rPr lang="zh-CN" altLang="en-US" dirty="0" smtClean="0"/>
-              <a:t>结论：</a:t>
-            </a:r>
-            <a:r>
-              <a:rPr lang="en-US" altLang="zh-CN" dirty="0"/>
-              <a:t> </a:t>
+              <a:t>结论：相比</a:t>
             </a:r>
             <a:r>
               <a:rPr lang="zh-CN" altLang="en-US" dirty="0" smtClean="0"/>
-              <a:t>相比于</a:t>
+              <a:t>于</a:t>
             </a:r>
             <a:r>
               <a:rPr lang="en-US" altLang="zh-CN" dirty="0" smtClean="0"/>
@@ -19180,7 +19358,15 @@
             </a:r>
             <a:r>
               <a:rPr lang="zh-CN" altLang="zh-CN" dirty="0" smtClean="0"/>
-              <a:t>是二分之一</a:t>
+              <a:t>是</a:t>
+            </a:r>
+            <a:r>
+              <a:rPr lang="zh-CN" altLang="zh-CN" dirty="0" smtClean="0">
+                <a:solidFill>
+                  <a:srgbClr val="C00000"/>
+                </a:solidFill>
+              </a:rPr>
+              <a:t>二分之一</a:t>
             </a:r>
             <a:r>
               <a:rPr lang="zh-CN" altLang="zh-CN" dirty="0"/>
@@ -19195,7 +19381,11 @@
               <a:t>，时间为</a:t>
             </a:r>
             <a:r>
-              <a:rPr lang="en-US" altLang="zh-CN" dirty="0" smtClean="0"/>
+              <a:rPr lang="en-US" altLang="zh-CN" dirty="0" smtClean="0">
+                <a:solidFill>
+                  <a:srgbClr val="C00000"/>
+                </a:solidFill>
+              </a:rPr>
               <a:t>4-8</a:t>
             </a:r>
             <a:r>
@@ -22637,10 +22827,26 @@
             </a:r>
             <a:r>
               <a:rPr lang="zh-CN" altLang="zh-CN" sz="2400" dirty="0"/>
-              <a:t>降低为几分之一，而平均误差降低了接近</a:t>
-            </a:r>
-            <a:r>
-              <a:rPr lang="zh-CN" altLang="zh-CN" sz="2400" dirty="0" smtClean="0"/>
+              <a:t>降低为</a:t>
+            </a:r>
+            <a:r>
+              <a:rPr lang="zh-CN" altLang="zh-CN" sz="2400" dirty="0">
+                <a:solidFill>
+                  <a:srgbClr val="C00000"/>
+                </a:solidFill>
+              </a:rPr>
+              <a:t>几分之一</a:t>
+            </a:r>
+            <a:r>
+              <a:rPr lang="zh-CN" altLang="zh-CN" sz="2400" dirty="0"/>
+              <a:t>，而平均误差降低了接近</a:t>
+            </a:r>
+            <a:r>
+              <a:rPr lang="zh-CN" altLang="zh-CN" sz="2400" dirty="0" smtClean="0">
+                <a:solidFill>
+                  <a:srgbClr val="C00000"/>
+                </a:solidFill>
+              </a:rPr>
               <a:t>一半</a:t>
             </a:r>
             <a:r>
@@ -22652,7 +22858,11 @@
               <a:t>时间为</a:t>
             </a:r>
             <a:r>
-              <a:rPr lang="en-US" altLang="zh-CN" sz="2400" dirty="0" smtClean="0"/>
+              <a:rPr lang="en-US" altLang="zh-CN" sz="2400" dirty="0" smtClean="0">
+                <a:solidFill>
+                  <a:srgbClr val="C00000"/>
+                </a:solidFill>
+              </a:rPr>
               <a:t>2</a:t>
             </a:r>
             <a:r>
@@ -23688,7 +23898,7 @@
         <p:spPr>
           <a:xfrm>
             <a:off x="457200" y="1333500"/>
-            <a:ext cx="7875588" cy="5195888"/>
+            <a:ext cx="7875588" cy="2203933"/>
           </a:xfrm>
         </p:spPr>
         <p:txBody>
@@ -24054,7 +24264,7 @@
         <p:spPr>
           <a:xfrm>
             <a:off x="457200" y="1333500"/>
-            <a:ext cx="8229600" cy="3487738"/>
+            <a:ext cx="8229600" cy="1041401"/>
           </a:xfrm>
         </p:spPr>
         <p:txBody>
@@ -24247,7 +24457,7 @@
         </p:nvSpPr>
         <p:spPr bwMode="auto">
           <a:xfrm>
-            <a:off x="457200" y="4991100"/>
+            <a:off x="457200" y="5126463"/>
             <a:ext cx="7788275" cy="1077913"/>
           </a:xfrm>
           <a:prstGeom prst="rect">
@@ -24272,7 +24482,7 @@
               <a:buChar char="•"/>
             </a:pPr>
             <a:r>
-              <a:rPr kumimoji="1" lang="zh-CN" altLang="en-US" sz="3200">
+              <a:rPr kumimoji="1" lang="zh-CN" altLang="en-US" sz="3200" dirty="0">
                 <a:solidFill>
                   <a:srgbClr val="C00000"/>
                 </a:solidFill>
@@ -24711,7 +24921,11 @@
             </a:r>
             <a:r>
               <a:rPr lang="zh-CN" altLang="en-US" dirty="0" smtClean="0"/>
-              <a:t>连续扫描方法，基于层间串扰限制的准直器优化设计</a:t>
+              <a:t>连续扫描方法，基于层间串扰限制的准直器优化</a:t>
+            </a:r>
+            <a:r>
+              <a:rPr lang="zh-CN" altLang="en-US" dirty="0" smtClean="0"/>
+              <a:t>设计等</a:t>
             </a:r>
             <a:endParaRPr lang="en-US" altLang="zh-CN" dirty="0" smtClean="0"/>
           </a:p>
@@ -24731,7 +24945,19 @@
             </a:r>
             <a:r>
               <a:rPr lang="zh-CN" altLang="en-US" dirty="0" smtClean="0"/>
-              <a:t>研究了效率刻度方法、准直器设计和迭代算法</a:t>
+              <a:t>研究了效率刻度方法、准直器设计和迭代</a:t>
+            </a:r>
+            <a:r>
+              <a:rPr lang="zh-CN" altLang="en-US" dirty="0" smtClean="0"/>
+              <a:t>算法等</a:t>
+            </a:r>
+            <a:endParaRPr lang="en-US" altLang="zh-CN" dirty="0" smtClean="0"/>
+          </a:p>
+          <a:p>
+            <a:pPr eaLnBrk="1" hangingPunct="1"/>
+            <a:r>
+              <a:rPr lang="zh-CN" altLang="en-US" dirty="0" smtClean="0"/>
+              <a:t>上海交通大学则着重于改进型重建方法的相关研究</a:t>
             </a:r>
             <a:endParaRPr lang="en-US" altLang="zh-CN" dirty="0" smtClean="0"/>
           </a:p>

--- a/毕业答辩报告.pptx
+++ b/毕业答辩报告.pptx
@@ -733,6 +733,96 @@
 </p:notes>
 </file>
 
+<file path=ppt/notesSlides/notesSlide10.xml><?xml version="1.0" encoding="utf-8"?>
+<p:notes xmlns:a="http://schemas.openxmlformats.org/drawingml/2006/main" xmlns:r="http://schemas.openxmlformats.org/officeDocument/2006/relationships" xmlns:p="http://schemas.openxmlformats.org/presentationml/2006/main">
+  <p:cSld>
+    <p:spTree>
+      <p:nvGrpSpPr>
+        <p:cNvPr id="1" name=""/>
+        <p:cNvGrpSpPr/>
+        <p:nvPr/>
+      </p:nvGrpSpPr>
+      <p:grpSpPr>
+        <a:xfrm>
+          <a:off x="0" y="0"/>
+          <a:ext cx="0" cy="0"/>
+          <a:chOff x="0" y="0"/>
+          <a:chExt cx="0" cy="0"/>
+        </a:xfrm>
+      </p:grpSpPr>
+      <p:sp>
+        <p:nvSpPr>
+          <p:cNvPr id="2" name="幻灯片图像占位符 1"/>
+          <p:cNvSpPr>
+            <a:spLocks noGrp="1" noRot="1" noChangeAspect="1"/>
+          </p:cNvSpPr>
+          <p:nvPr>
+            <p:ph type="sldImg"/>
+          </p:nvPr>
+        </p:nvSpPr>
+        <p:spPr/>
+      </p:sp>
+      <p:sp>
+        <p:nvSpPr>
+          <p:cNvPr id="3" name="备注占位符 2"/>
+          <p:cNvSpPr>
+            <a:spLocks noGrp="1"/>
+          </p:cNvSpPr>
+          <p:nvPr>
+            <p:ph type="body" idx="1"/>
+          </p:nvPr>
+        </p:nvSpPr>
+        <p:spPr/>
+        <p:txBody>
+          <a:bodyPr/>
+          <a:lstStyle/>
+          <a:p>
+            <a:endParaRPr lang="zh-CN" altLang="en-US" dirty="0"/>
+          </a:p>
+        </p:txBody>
+      </p:sp>
+      <p:sp>
+        <p:nvSpPr>
+          <p:cNvPr id="4" name="灯片编号占位符 3"/>
+          <p:cNvSpPr>
+            <a:spLocks noGrp="1"/>
+          </p:cNvSpPr>
+          <p:nvPr>
+            <p:ph type="sldNum" sz="quarter" idx="10"/>
+          </p:nvPr>
+        </p:nvSpPr>
+        <p:spPr/>
+        <p:txBody>
+          <a:bodyPr/>
+          <a:lstStyle/>
+          <a:p>
+            <a:pPr>
+              <a:defRPr/>
+            </a:pPr>
+            <a:fld id="{BAF360A8-BAF6-47EE-B971-9B2EDCBBADA4}" type="slidenum">
+              <a:rPr lang="zh-CN" altLang="en-US" smtClean="0"/>
+              <a:pPr>
+                <a:defRPr/>
+              </a:pPr>
+              <a:t>25</a:t>
+            </a:fld>
+            <a:endParaRPr lang="zh-CN" altLang="en-US"/>
+          </a:p>
+        </p:txBody>
+      </p:sp>
+    </p:spTree>
+    <p:extLst>
+      <p:ext uri="{BB962C8B-B14F-4D97-AF65-F5344CB8AC3E}">
+        <p14:creationId xmlns:p14="http://schemas.microsoft.com/office/powerpoint/2010/main" val="1184737931"/>
+      </p:ext>
+    </p:extLst>
+  </p:cSld>
+  <p:clrMapOvr>
+    <a:masterClrMapping/>
+  </p:clrMapOvr>
+</p:notes>
+</file>
+
 <file path=ppt/notesSlides/notesSlide2.xml><?xml version="1.0" encoding="utf-8"?>
 <p:notes xmlns:a="http://schemas.openxmlformats.org/drawingml/2006/main" xmlns:r="http://schemas.openxmlformats.org/officeDocument/2006/relationships" xmlns:p="http://schemas.openxmlformats.org/presentationml/2006/main">
   <p:cSld>
@@ -1129,6 +1219,107 @@
           <a:bodyPr/>
           <a:lstStyle/>
           <a:p>
+            <a:r>
+              <a:rPr lang="zh-CN" altLang="en-US" dirty="0" smtClean="0"/>
+              <a:t>系统的技术指标，以及创新点</a:t>
+            </a:r>
+            <a:endParaRPr lang="en-US" altLang="zh-CN" dirty="0" smtClean="0"/>
+          </a:p>
+          <a:p>
+            <a:r>
+              <a:rPr lang="zh-CN" altLang="en-US" dirty="0" smtClean="0"/>
+              <a:t>包括紧凑化、模块化的再设计</a:t>
+            </a:r>
+            <a:endParaRPr lang="zh-CN" altLang="en-US" dirty="0"/>
+          </a:p>
+        </p:txBody>
+      </p:sp>
+      <p:sp>
+        <p:nvSpPr>
+          <p:cNvPr id="4" name="灯片编号占位符 3"/>
+          <p:cNvSpPr>
+            <a:spLocks noGrp="1"/>
+          </p:cNvSpPr>
+          <p:nvPr>
+            <p:ph type="sldNum" sz="quarter" idx="10"/>
+          </p:nvPr>
+        </p:nvSpPr>
+        <p:spPr/>
+        <p:txBody>
+          <a:bodyPr/>
+          <a:lstStyle/>
+          <a:p>
+            <a:pPr>
+              <a:defRPr/>
+            </a:pPr>
+            <a:fld id="{BAF360A8-BAF6-47EE-B971-9B2EDCBBADA4}" type="slidenum">
+              <a:rPr lang="zh-CN" altLang="en-US" smtClean="0"/>
+              <a:pPr>
+                <a:defRPr/>
+              </a:pPr>
+              <a:t>15</a:t>
+            </a:fld>
+            <a:endParaRPr lang="zh-CN" altLang="en-US"/>
+          </a:p>
+        </p:txBody>
+      </p:sp>
+    </p:spTree>
+    <p:extLst>
+      <p:ext uri="{BB962C8B-B14F-4D97-AF65-F5344CB8AC3E}">
+        <p14:creationId xmlns:p14="http://schemas.microsoft.com/office/powerpoint/2010/main" val="2983855792"/>
+      </p:ext>
+    </p:extLst>
+  </p:cSld>
+  <p:clrMapOvr>
+    <a:masterClrMapping/>
+  </p:clrMapOvr>
+</p:notes>
+</file>
+
+<file path=ppt/notesSlides/notesSlide6.xml><?xml version="1.0" encoding="utf-8"?>
+<p:notes xmlns:a="http://schemas.openxmlformats.org/drawingml/2006/main" xmlns:r="http://schemas.openxmlformats.org/officeDocument/2006/relationships" xmlns:p="http://schemas.openxmlformats.org/presentationml/2006/main">
+  <p:cSld>
+    <p:spTree>
+      <p:nvGrpSpPr>
+        <p:cNvPr id="1" name=""/>
+        <p:cNvGrpSpPr/>
+        <p:nvPr/>
+      </p:nvGrpSpPr>
+      <p:grpSpPr>
+        <a:xfrm>
+          <a:off x="0" y="0"/>
+          <a:ext cx="0" cy="0"/>
+          <a:chOff x="0" y="0"/>
+          <a:chExt cx="0" cy="0"/>
+        </a:xfrm>
+      </p:grpSpPr>
+      <p:sp>
+        <p:nvSpPr>
+          <p:cNvPr id="2" name="幻灯片图像占位符 1"/>
+          <p:cNvSpPr>
+            <a:spLocks noGrp="1" noRot="1" noChangeAspect="1"/>
+          </p:cNvSpPr>
+          <p:nvPr>
+            <p:ph type="sldImg"/>
+          </p:nvPr>
+        </p:nvSpPr>
+        <p:spPr/>
+      </p:sp>
+      <p:sp>
+        <p:nvSpPr>
+          <p:cNvPr id="3" name="备注占位符 2"/>
+          <p:cNvSpPr>
+            <a:spLocks noGrp="1"/>
+          </p:cNvSpPr>
+          <p:nvPr>
+            <p:ph type="body" idx="1"/>
+          </p:nvPr>
+        </p:nvSpPr>
+        <p:spPr/>
+        <p:txBody>
+          <a:bodyPr/>
+          <a:lstStyle/>
+          <a:p>
             <a:endParaRPr lang="zh-CN" altLang="en-US" dirty="0"/>
           </a:p>
         </p:txBody>
@@ -1175,7 +1366,7 @@
 </p:notes>
 </file>
 
-<file path=ppt/notesSlides/notesSlide6.xml><?xml version="1.0" encoding="utf-8"?>
+<file path=ppt/notesSlides/notesSlide7.xml><?xml version="1.0" encoding="utf-8"?>
 <p:notes xmlns:a="http://schemas.openxmlformats.org/drawingml/2006/main" xmlns:r="http://schemas.openxmlformats.org/officeDocument/2006/relationships" xmlns:p="http://schemas.openxmlformats.org/presentationml/2006/main">
   <p:cSld>
     <p:spTree>
@@ -1265,7 +1456,7 @@
 </p:notes>
 </file>
 
-<file path=ppt/notesSlides/notesSlide7.xml><?xml version="1.0" encoding="utf-8"?>
+<file path=ppt/notesSlides/notesSlide8.xml><?xml version="1.0" encoding="utf-8"?>
 <p:notes xmlns:a="http://schemas.openxmlformats.org/drawingml/2006/main" xmlns:r="http://schemas.openxmlformats.org/officeDocument/2006/relationships" xmlns:p="http://schemas.openxmlformats.org/presentationml/2006/main">
   <p:cSld>
     <p:spTree>
@@ -1355,7 +1546,7 @@
 </p:notes>
 </file>
 
-<file path=ppt/notesSlides/notesSlide8.xml><?xml version="1.0" encoding="utf-8"?>
+<file path=ppt/notesSlides/notesSlide9.xml><?xml version="1.0" encoding="utf-8"?>
 <p:notes xmlns:a="http://schemas.openxmlformats.org/drawingml/2006/main" xmlns:r="http://schemas.openxmlformats.org/officeDocument/2006/relationships" xmlns:p="http://schemas.openxmlformats.org/presentationml/2006/main">
   <p:cSld>
     <p:spTree>
@@ -1436,96 +1627,6 @@
     <p:extLst>
       <p:ext uri="{BB962C8B-B14F-4D97-AF65-F5344CB8AC3E}">
         <p14:creationId xmlns:p14="http://schemas.microsoft.com/office/powerpoint/2010/main" val="2228233090"/>
-      </p:ext>
-    </p:extLst>
-  </p:cSld>
-  <p:clrMapOvr>
-    <a:masterClrMapping/>
-  </p:clrMapOvr>
-</p:notes>
-</file>
-
-<file path=ppt/notesSlides/notesSlide9.xml><?xml version="1.0" encoding="utf-8"?>
-<p:notes xmlns:a="http://schemas.openxmlformats.org/drawingml/2006/main" xmlns:r="http://schemas.openxmlformats.org/officeDocument/2006/relationships" xmlns:p="http://schemas.openxmlformats.org/presentationml/2006/main">
-  <p:cSld>
-    <p:spTree>
-      <p:nvGrpSpPr>
-        <p:cNvPr id="1" name=""/>
-        <p:cNvGrpSpPr/>
-        <p:nvPr/>
-      </p:nvGrpSpPr>
-      <p:grpSpPr>
-        <a:xfrm>
-          <a:off x="0" y="0"/>
-          <a:ext cx="0" cy="0"/>
-          <a:chOff x="0" y="0"/>
-          <a:chExt cx="0" cy="0"/>
-        </a:xfrm>
-      </p:grpSpPr>
-      <p:sp>
-        <p:nvSpPr>
-          <p:cNvPr id="2" name="幻灯片图像占位符 1"/>
-          <p:cNvSpPr>
-            <a:spLocks noGrp="1" noRot="1" noChangeAspect="1"/>
-          </p:cNvSpPr>
-          <p:nvPr>
-            <p:ph type="sldImg"/>
-          </p:nvPr>
-        </p:nvSpPr>
-        <p:spPr/>
-      </p:sp>
-      <p:sp>
-        <p:nvSpPr>
-          <p:cNvPr id="3" name="备注占位符 2"/>
-          <p:cNvSpPr>
-            <a:spLocks noGrp="1"/>
-          </p:cNvSpPr>
-          <p:nvPr>
-            <p:ph type="body" idx="1"/>
-          </p:nvPr>
-        </p:nvSpPr>
-        <p:spPr/>
-        <p:txBody>
-          <a:bodyPr/>
-          <a:lstStyle/>
-          <a:p>
-            <a:endParaRPr lang="zh-CN" altLang="en-US" dirty="0"/>
-          </a:p>
-        </p:txBody>
-      </p:sp>
-      <p:sp>
-        <p:nvSpPr>
-          <p:cNvPr id="4" name="灯片编号占位符 3"/>
-          <p:cNvSpPr>
-            <a:spLocks noGrp="1"/>
-          </p:cNvSpPr>
-          <p:nvPr>
-            <p:ph type="sldNum" sz="quarter" idx="10"/>
-          </p:nvPr>
-        </p:nvSpPr>
-        <p:spPr/>
-        <p:txBody>
-          <a:bodyPr/>
-          <a:lstStyle/>
-          <a:p>
-            <a:pPr>
-              <a:defRPr/>
-            </a:pPr>
-            <a:fld id="{BAF360A8-BAF6-47EE-B971-9B2EDCBBADA4}" type="slidenum">
-              <a:rPr lang="zh-CN" altLang="en-US" smtClean="0"/>
-              <a:pPr>
-                <a:defRPr/>
-              </a:pPr>
-              <a:t>25</a:t>
-            </a:fld>
-            <a:endParaRPr lang="zh-CN" altLang="en-US"/>
-          </a:p>
-        </p:txBody>
-      </p:sp>
-    </p:spTree>
-    <p:extLst>
-      <p:ext uri="{BB962C8B-B14F-4D97-AF65-F5344CB8AC3E}">
-        <p14:creationId xmlns:p14="http://schemas.microsoft.com/office/powerpoint/2010/main" val="1184737931"/>
       </p:ext>
     </p:extLst>
   </p:cSld>
@@ -5484,6 +5585,60 @@
           <a:chExt cx="0" cy="0"/>
         </a:xfrm>
       </p:grpSpPr>
+      <p:pic>
+        <p:nvPicPr>
+          <p:cNvPr id="58373" name="图片 3"/>
+          <p:cNvPicPr>
+            <a:picLocks noChangeAspect="1" noChangeArrowheads="1"/>
+          </p:cNvPicPr>
+          <p:nvPr/>
+        </p:nvPicPr>
+        <p:blipFill>
+          <a:blip r:embed="rId4">
+            <a:extLst>
+              <a:ext uri="{28A0092B-C50C-407E-A947-70E740481C1C}">
+                <a14:useLocalDpi xmlns:a14="http://schemas.microsoft.com/office/drawing/2010/main" val="0"/>
+              </a:ext>
+            </a:extLst>
+          </a:blip>
+          <a:srcRect/>
+          <a:stretch>
+            <a:fillRect/>
+          </a:stretch>
+        </p:blipFill>
+        <p:spPr bwMode="auto">
+          <a:xfrm>
+            <a:off x="3297839" y="830804"/>
+            <a:ext cx="5692844" cy="3583873"/>
+          </a:xfrm>
+          <a:prstGeom prst="rect">
+            <a:avLst/>
+          </a:prstGeom>
+          <a:noFill/>
+          <a:ln>
+            <a:noFill/>
+          </a:ln>
+          <a:extLst>
+            <a:ext uri="{909E8E84-426E-40DD-AFC4-6F175D3DCCD1}">
+              <a14:hiddenFill xmlns:a14="http://schemas.microsoft.com/office/drawing/2010/main">
+                <a:solidFill>
+                  <a:srgbClr val="FFFFFF"/>
+                </a:solidFill>
+              </a14:hiddenFill>
+            </a:ext>
+            <a:ext uri="{91240B29-F687-4F45-9708-019B960494DF}">
+              <a14:hiddenLine xmlns:a14="http://schemas.microsoft.com/office/drawing/2010/main" w="9525">
+                <a:solidFill>
+                  <a:srgbClr val="000000"/>
+                </a:solidFill>
+                <a:miter lim="800000"/>
+                <a:headEnd/>
+                <a:tailEnd/>
+              </a14:hiddenLine>
+            </a:ext>
+          </a:extLst>
+        </p:spPr>
+      </p:pic>
       <p:sp>
         <p:nvSpPr>
           <p:cNvPr id="2" name="标题 1"/>
@@ -5494,33 +5649,10 @@
             <p:ph type="title"/>
           </p:nvPr>
         </p:nvSpPr>
-        <p:spPr/>
-        <p:txBody>
-          <a:bodyPr/>
-          <a:lstStyle/>
-          <a:p>
-            <a:r>
-              <a:rPr lang="zh-CN" altLang="en-US" sz="3600" b="1" dirty="0" smtClean="0"/>
-              <a:t>系统设计与优化</a:t>
-            </a:r>
-            <a:endParaRPr lang="zh-CN" altLang="en-US" sz="3600" b="1" dirty="0"/>
-          </a:p>
-        </p:txBody>
-      </p:sp>
-      <p:sp>
-        <p:nvSpPr>
-          <p:cNvPr id="3" name="内容占位符 2"/>
-          <p:cNvSpPr>
-            <a:spLocks noGrp="1"/>
-          </p:cNvSpPr>
-          <p:nvPr>
-            <p:ph idx="1"/>
-          </p:nvPr>
-        </p:nvSpPr>
         <p:spPr>
           <a:xfrm>
-            <a:off x="3449052" y="5224939"/>
-            <a:ext cx="5197643" cy="835870"/>
+            <a:off x="457200" y="274638"/>
+            <a:ext cx="8686800" cy="756845"/>
           </a:xfrm>
         </p:spPr>
         <p:txBody>
@@ -5528,18 +5660,29 @@
           <a:lstStyle/>
           <a:p>
             <a:r>
-              <a:rPr lang="zh-CN" altLang="en-US" dirty="0" smtClean="0"/>
-              <a:t>系统</a:t>
-            </a:r>
-            <a:r>
-              <a:rPr lang="zh-CN" altLang="en-US" dirty="0" smtClean="0"/>
-              <a:t>逻辑与</a:t>
-            </a:r>
-            <a:r>
-              <a:rPr lang="zh-CN" altLang="en-US" dirty="0" smtClean="0"/>
-              <a:t>实物示意图</a:t>
-            </a:r>
-            <a:endParaRPr lang="zh-CN" altLang="en-US" dirty="0"/>
+              <a:rPr lang="zh-CN" altLang="en-US" sz="3600" b="1" dirty="0" smtClean="0"/>
+              <a:t>系统设计与</a:t>
+            </a:r>
+            <a:r>
+              <a:rPr lang="zh-CN" altLang="en-US" sz="3600" b="1" dirty="0" smtClean="0"/>
+              <a:t>优化</a:t>
+            </a:r>
+            <a:r>
+              <a:rPr lang="en-US" altLang="zh-CN" sz="3600" b="1" dirty="0" smtClean="0"/>
+              <a:t>-</a:t>
+            </a:r>
+            <a:r>
+              <a:rPr lang="zh-CN" altLang="en-US" sz="3600" dirty="0" smtClean="0"/>
+              <a:t>系统逻辑框架与示意图</a:t>
+            </a:r>
+            <a:r>
+              <a:rPr lang="zh-CN" altLang="en-US" sz="3600" dirty="0"/>
+              <a:t/>
+            </a:r>
+            <a:br>
+              <a:rPr lang="zh-CN" altLang="en-US" sz="3600" dirty="0"/>
+            </a:br>
+            <a:endParaRPr lang="zh-CN" altLang="en-US" sz="3600" b="1" dirty="0"/>
           </a:p>
         </p:txBody>
       </p:sp>
@@ -5628,12 +5771,12 @@
           <a:graphicData uri="http://schemas.openxmlformats.org/presentationml/2006/ole">
             <mc:AlternateContent xmlns:mc="http://schemas.openxmlformats.org/markup-compatibility/2006">
               <mc:Choice xmlns:v="urn:schemas-microsoft-com:vml" Requires="v">
-                <p:oleObj spid="_x0000_s58444" name="Visio" r:id="rId3" imgW="3000258" imgH="5191270" progId="Visio.Drawing.15">
+                <p:oleObj spid="_x0000_s58468" name="Visio" r:id="rId5" imgW="3000258" imgH="5191270" progId="Visio.Drawing.15">
                   <p:embed/>
                 </p:oleObj>
               </mc:Choice>
               <mc:Fallback>
-                <p:oleObj name="Visio" r:id="rId3" imgW="3000258" imgH="5191270" progId="Visio.Drawing.15">
+                <p:oleObj name="Visio" r:id="rId5" imgW="3000258" imgH="5191270" progId="Visio.Drawing.15">
                   <p:embed/>
                   <p:pic>
                     <p:nvPicPr>
@@ -5644,7 +5787,7 @@
                       <p:nvPr/>
                     </p:nvPicPr>
                     <p:blipFill>
-                      <a:blip r:embed="rId4">
+                      <a:blip r:embed="rId6">
                         <a:extLst>
                           <a:ext uri="{28A0092B-C50C-407E-A947-70E740481C1C}">
                             <a14:useLocalDpi xmlns:a14="http://schemas.microsoft.com/office/drawing/2010/main" val="0"/>
@@ -5673,60 +5816,755 @@
           </a:graphicData>
         </a:graphic>
       </p:graphicFrame>
-      <p:pic>
-        <p:nvPicPr>
-          <p:cNvPr id="58373" name="图片 3"/>
-          <p:cNvPicPr>
-            <a:picLocks noChangeAspect="1" noChangeArrowheads="1"/>
-          </p:cNvPicPr>
+      <p:sp>
+        <p:nvSpPr>
+          <p:cNvPr id="4" name="矩形 3"/>
+          <p:cNvSpPr/>
           <p:nvPr/>
-        </p:nvPicPr>
-        <p:blipFill>
-          <a:blip r:embed="rId5">
-            <a:extLst>
-              <a:ext uri="{28A0092B-C50C-407E-A947-70E740481C1C}">
-                <a14:useLocalDpi xmlns:a14="http://schemas.microsoft.com/office/drawing/2010/main" val="0"/>
-              </a:ext>
-            </a:extLst>
-          </a:blip>
-          <a:srcRect/>
-          <a:stretch>
-            <a:fillRect/>
-          </a:stretch>
-        </p:blipFill>
-        <p:spPr bwMode="auto">
+        </p:nvSpPr>
+        <p:spPr>
           <a:xfrm>
-            <a:off x="3294860" y="1228759"/>
-            <a:ext cx="5692844" cy="3583873"/>
+            <a:off x="3147501" y="4526971"/>
+            <a:ext cx="5993519" cy="1938992"/>
           </a:xfrm>
           <a:prstGeom prst="rect">
             <a:avLst/>
           </a:prstGeom>
-          <a:noFill/>
-          <a:ln>
-            <a:noFill/>
-          </a:ln>
-          <a:extLst>
-            <a:ext uri="{909E8E84-426E-40DD-AFC4-6F175D3DCCD1}">
-              <a14:hiddenFill xmlns:a14="http://schemas.microsoft.com/office/drawing/2010/main">
+        </p:spPr>
+        <p:txBody>
+          <a:bodyPr wrap="square">
+            <a:spAutoFit/>
+          </a:bodyPr>
+          <a:lstStyle/>
+          <a:p>
+            <a:pPr marL="171450" indent="-171450" algn="just">
+              <a:spcAft>
+                <a:spcPts val="0"/>
+              </a:spcAft>
+              <a:buFont typeface="Arial" panose="020B0604020202020204" pitchFamily="34" charset="0"/>
+              <a:buChar char="•"/>
+            </a:pPr>
+            <a:r>
+              <a:rPr lang="zh-CN" altLang="zh-CN" sz="1200" kern="100" dirty="0">
                 <a:solidFill>
-                  <a:srgbClr val="FFFFFF"/>
+                  <a:srgbClr val="C00000"/>
                 </a:solidFill>
-              </a14:hiddenFill>
-            </a:ext>
-            <a:ext uri="{91240B29-F687-4F45-9708-019B960494DF}">
-              <a14:hiddenLine xmlns:a14="http://schemas.microsoft.com/office/drawing/2010/main" w="9525">
+                <a:latin typeface="Times New Roman" panose="02020603050405020304" pitchFamily="18" charset="0"/>
+                <a:ea typeface="宋体" panose="02010600030101010101" pitchFamily="2" charset="-122"/>
+              </a:rPr>
+              <a:t>废物桶旋转</a:t>
+            </a:r>
+            <a:r>
+              <a:rPr lang="zh-CN" altLang="zh-CN" sz="1200" kern="100" dirty="0" smtClean="0">
                 <a:solidFill>
-                  <a:srgbClr val="000000"/>
+                  <a:srgbClr val="C00000"/>
                 </a:solidFill>
-                <a:miter lim="800000"/>
-                <a:headEnd/>
-                <a:tailEnd/>
-              </a14:hiddenLine>
-            </a:ext>
-          </a:extLst>
-        </p:spPr>
-      </p:pic>
+                <a:latin typeface="Times New Roman" panose="02020603050405020304" pitchFamily="18" charset="0"/>
+                <a:ea typeface="宋体" panose="02010600030101010101" pitchFamily="2" charset="-122"/>
+              </a:rPr>
+              <a:t>平台</a:t>
+            </a:r>
+            <a:r>
+              <a:rPr lang="zh-CN" altLang="zh-CN" sz="1200" kern="100" dirty="0" smtClean="0">
+                <a:solidFill>
+                  <a:srgbClr val="002060"/>
+                </a:solidFill>
+                <a:latin typeface="Times New Roman" panose="02020603050405020304" pitchFamily="18" charset="0"/>
+                <a:ea typeface="宋体" panose="02010600030101010101" pitchFamily="2" charset="-122"/>
+              </a:rPr>
+              <a:t>，其可兼容</a:t>
+            </a:r>
+            <a:r>
+              <a:rPr lang="en-US" altLang="zh-CN" sz="1200" kern="100" dirty="0">
+                <a:solidFill>
+                  <a:srgbClr val="002060"/>
+                </a:solidFill>
+                <a:latin typeface="Times New Roman" panose="02020603050405020304" pitchFamily="18" charset="0"/>
+                <a:ea typeface="宋体" panose="02010600030101010101" pitchFamily="2" charset="-122"/>
+              </a:rPr>
+              <a:t>200L</a:t>
+            </a:r>
+            <a:r>
+              <a:rPr lang="zh-CN" altLang="zh-CN" sz="1200" kern="100" dirty="0">
+                <a:solidFill>
+                  <a:srgbClr val="002060"/>
+                </a:solidFill>
+                <a:latin typeface="Times New Roman" panose="02020603050405020304" pitchFamily="18" charset="0"/>
+                <a:ea typeface="宋体" panose="02010600030101010101" pitchFamily="2" charset="-122"/>
+              </a:rPr>
+              <a:t>和</a:t>
+            </a:r>
+            <a:r>
+              <a:rPr lang="en-US" altLang="zh-CN" sz="1200" kern="100" dirty="0">
+                <a:solidFill>
+                  <a:srgbClr val="002060"/>
+                </a:solidFill>
+                <a:latin typeface="Times New Roman" panose="02020603050405020304" pitchFamily="18" charset="0"/>
+                <a:ea typeface="宋体" panose="02010600030101010101" pitchFamily="2" charset="-122"/>
+              </a:rPr>
+              <a:t>400L</a:t>
+            </a:r>
+            <a:r>
+              <a:rPr lang="zh-CN" altLang="zh-CN" sz="1200" kern="100" dirty="0">
+                <a:solidFill>
+                  <a:srgbClr val="002060"/>
+                </a:solidFill>
+                <a:latin typeface="Times New Roman" panose="02020603050405020304" pitchFamily="18" charset="0"/>
+                <a:ea typeface="宋体" panose="02010600030101010101" pitchFamily="2" charset="-122"/>
+              </a:rPr>
+              <a:t>废物桶的测量</a:t>
+            </a:r>
+            <a:r>
+              <a:rPr lang="zh-CN" altLang="zh-CN" sz="1200" kern="100" dirty="0" smtClean="0">
+                <a:solidFill>
+                  <a:srgbClr val="002060"/>
+                </a:solidFill>
+                <a:latin typeface="Times New Roman" panose="02020603050405020304" pitchFamily="18" charset="0"/>
+                <a:ea typeface="宋体" panose="02010600030101010101" pitchFamily="2" charset="-122"/>
+              </a:rPr>
+              <a:t>需要，盘直径设计为</a:t>
+            </a:r>
+            <a:r>
+              <a:rPr lang="en-US" altLang="zh-CN" sz="1200" kern="100" dirty="0" smtClean="0">
+                <a:solidFill>
+                  <a:srgbClr val="002060"/>
+                </a:solidFill>
+                <a:latin typeface="Times New Roman" panose="02020603050405020304" pitchFamily="18" charset="0"/>
+                <a:ea typeface="宋体" panose="02010600030101010101" pitchFamily="2" charset="-122"/>
+              </a:rPr>
+              <a:t>0.75m</a:t>
+            </a:r>
+            <a:r>
+              <a:rPr lang="zh-CN" altLang="zh-CN" sz="1200" kern="100" dirty="0" smtClean="0">
+                <a:solidFill>
+                  <a:srgbClr val="002060"/>
+                </a:solidFill>
+                <a:latin typeface="Times New Roman" panose="02020603050405020304" pitchFamily="18" charset="0"/>
+                <a:ea typeface="宋体" panose="02010600030101010101" pitchFamily="2" charset="-122"/>
+              </a:rPr>
+              <a:t>，承重</a:t>
+            </a:r>
+            <a:r>
+              <a:rPr lang="zh-CN" altLang="en-US" sz="1200" kern="100" dirty="0" smtClean="0">
+                <a:solidFill>
+                  <a:srgbClr val="002060"/>
+                </a:solidFill>
+                <a:latin typeface="Times New Roman" panose="02020603050405020304" pitchFamily="18" charset="0"/>
+                <a:ea typeface="宋体" panose="02010600030101010101" pitchFamily="2" charset="-122"/>
+              </a:rPr>
+              <a:t>上限</a:t>
+            </a:r>
+            <a:r>
+              <a:rPr lang="en-US" altLang="zh-CN" sz="1200" kern="100" dirty="0" smtClean="0">
+                <a:solidFill>
+                  <a:srgbClr val="002060"/>
+                </a:solidFill>
+                <a:latin typeface="Times New Roman" panose="02020603050405020304" pitchFamily="18" charset="0"/>
+                <a:ea typeface="宋体" panose="02010600030101010101" pitchFamily="2" charset="-122"/>
+              </a:rPr>
+              <a:t>1000kg</a:t>
+            </a:r>
+            <a:r>
+              <a:rPr lang="zh-CN" altLang="zh-CN" sz="1200" kern="100" dirty="0" smtClean="0">
+                <a:solidFill>
+                  <a:srgbClr val="002060"/>
+                </a:solidFill>
+                <a:latin typeface="Times New Roman" panose="02020603050405020304" pitchFamily="18" charset="0"/>
+                <a:ea typeface="宋体" panose="02010600030101010101" pitchFamily="2" charset="-122"/>
+              </a:rPr>
+              <a:t>，启动加速度大于</a:t>
+            </a:r>
+            <a:r>
+              <a:rPr lang="en-US" altLang="zh-CN" sz="1200" kern="100" dirty="0" smtClean="0">
+                <a:solidFill>
+                  <a:srgbClr val="002060"/>
+                </a:solidFill>
+                <a:latin typeface="Times New Roman" panose="02020603050405020304" pitchFamily="18" charset="0"/>
+                <a:ea typeface="宋体" panose="02010600030101010101" pitchFamily="2" charset="-122"/>
+              </a:rPr>
+              <a:t>1</a:t>
+            </a:r>
+            <a:r>
+              <a:rPr lang="zh-CN" altLang="zh-CN" sz="1200" kern="100" dirty="0" smtClean="0">
+                <a:solidFill>
+                  <a:srgbClr val="002060"/>
+                </a:solidFill>
+                <a:latin typeface="Times New Roman" panose="02020603050405020304" pitchFamily="18" charset="0"/>
+                <a:ea typeface="宋体" panose="02010600030101010101" pitchFamily="2" charset="-122"/>
+              </a:rPr>
+              <a:t>度每平方秒，定位精度误差小于</a:t>
+            </a:r>
+            <a:r>
+              <a:rPr lang="en-US" altLang="zh-CN" sz="1200" kern="100" dirty="0" smtClean="0">
+                <a:solidFill>
+                  <a:srgbClr val="002060"/>
+                </a:solidFill>
+                <a:latin typeface="Times New Roman" panose="02020603050405020304" pitchFamily="18" charset="0"/>
+                <a:ea typeface="宋体" panose="02010600030101010101" pitchFamily="2" charset="-122"/>
+              </a:rPr>
+              <a:t>1</a:t>
+            </a:r>
+            <a:r>
+              <a:rPr lang="zh-CN" altLang="zh-CN" sz="1200" kern="100" dirty="0" smtClean="0">
+                <a:solidFill>
+                  <a:srgbClr val="002060"/>
+                </a:solidFill>
+                <a:latin typeface="Times New Roman" panose="02020603050405020304" pitchFamily="18" charset="0"/>
+                <a:ea typeface="宋体" panose="02010600030101010101" pitchFamily="2" charset="-122"/>
+              </a:rPr>
+              <a:t>分。另外</a:t>
+            </a:r>
+            <a:r>
+              <a:rPr lang="zh-CN" altLang="zh-CN" sz="1200" kern="100" dirty="0">
+                <a:solidFill>
+                  <a:srgbClr val="002060"/>
+                </a:solidFill>
+                <a:latin typeface="Times New Roman" panose="02020603050405020304" pitchFamily="18" charset="0"/>
+                <a:ea typeface="宋体" panose="02010600030101010101" pitchFamily="2" charset="-122"/>
+              </a:rPr>
+              <a:t>配</a:t>
+            </a:r>
+            <a:r>
+              <a:rPr lang="zh-CN" altLang="zh-CN" sz="1200" kern="100" dirty="0" smtClean="0">
+                <a:solidFill>
+                  <a:srgbClr val="002060"/>
+                </a:solidFill>
+                <a:latin typeface="Times New Roman" panose="02020603050405020304" pitchFamily="18" charset="0"/>
+                <a:ea typeface="宋体" panose="02010600030101010101" pitchFamily="2" charset="-122"/>
+              </a:rPr>
+              <a:t>有质量</a:t>
+            </a:r>
+            <a:r>
+              <a:rPr lang="zh-CN" altLang="zh-CN" sz="1200" kern="100" dirty="0">
+                <a:solidFill>
+                  <a:srgbClr val="002060"/>
+                </a:solidFill>
+                <a:latin typeface="Times New Roman" panose="02020603050405020304" pitchFamily="18" charset="0"/>
+                <a:ea typeface="宋体" panose="02010600030101010101" pitchFamily="2" charset="-122"/>
+              </a:rPr>
+              <a:t>传感器，满刻度绝对误差小于</a:t>
+            </a:r>
+            <a:r>
+              <a:rPr lang="en-US" altLang="zh-CN" sz="1200" kern="100" dirty="0">
+                <a:solidFill>
+                  <a:srgbClr val="002060"/>
+                </a:solidFill>
+                <a:latin typeface="Times New Roman" panose="02020603050405020304" pitchFamily="18" charset="0"/>
+                <a:ea typeface="宋体" panose="02010600030101010101" pitchFamily="2" charset="-122"/>
+              </a:rPr>
+              <a:t>2.0kg</a:t>
+            </a:r>
+            <a:r>
+              <a:rPr lang="zh-CN" altLang="zh-CN" sz="1200" kern="100" dirty="0">
+                <a:solidFill>
+                  <a:srgbClr val="002060"/>
+                </a:solidFill>
+                <a:latin typeface="Times New Roman" panose="02020603050405020304" pitchFamily="18" charset="0"/>
+                <a:ea typeface="宋体" panose="02010600030101010101" pitchFamily="2" charset="-122"/>
+              </a:rPr>
+              <a:t>。</a:t>
+            </a:r>
+          </a:p>
+          <a:p>
+            <a:pPr marL="171450" indent="-171450" algn="just">
+              <a:spcAft>
+                <a:spcPts val="0"/>
+              </a:spcAft>
+              <a:buFont typeface="Arial" panose="020B0604020202020204" pitchFamily="34" charset="0"/>
+              <a:buChar char="•"/>
+            </a:pPr>
+            <a:r>
+              <a:rPr lang="zh-CN" altLang="zh-CN" sz="1200" kern="100" dirty="0">
+                <a:solidFill>
+                  <a:srgbClr val="C00000"/>
+                </a:solidFill>
+                <a:latin typeface="Times New Roman" panose="02020603050405020304" pitchFamily="18" charset="0"/>
+                <a:ea typeface="宋体" panose="02010600030101010101" pitchFamily="2" charset="-122"/>
+              </a:rPr>
+              <a:t>废物桶平移</a:t>
+            </a:r>
+            <a:r>
+              <a:rPr lang="zh-CN" altLang="zh-CN" sz="1200" kern="100" dirty="0" smtClean="0">
+                <a:solidFill>
+                  <a:srgbClr val="C00000"/>
+                </a:solidFill>
+                <a:latin typeface="Times New Roman" panose="02020603050405020304" pitchFamily="18" charset="0"/>
+                <a:ea typeface="宋体" panose="02010600030101010101" pitchFamily="2" charset="-122"/>
+              </a:rPr>
+              <a:t>平台</a:t>
+            </a:r>
+            <a:r>
+              <a:rPr lang="zh-CN" altLang="zh-CN" sz="1200" kern="100" dirty="0" smtClean="0">
+                <a:solidFill>
+                  <a:srgbClr val="002060"/>
+                </a:solidFill>
+                <a:latin typeface="Times New Roman" panose="02020603050405020304" pitchFamily="18" charset="0"/>
+                <a:ea typeface="宋体" panose="02010600030101010101" pitchFamily="2" charset="-122"/>
+              </a:rPr>
+              <a:t>，</a:t>
+            </a:r>
+            <a:r>
+              <a:rPr lang="zh-CN" altLang="zh-CN" sz="1200" kern="100" dirty="0">
+                <a:solidFill>
+                  <a:srgbClr val="002060"/>
+                </a:solidFill>
+                <a:latin typeface="Times New Roman" panose="02020603050405020304" pitchFamily="18" charset="0"/>
+                <a:ea typeface="宋体" panose="02010600030101010101" pitchFamily="2" charset="-122"/>
+              </a:rPr>
+              <a:t>行程可达</a:t>
+            </a:r>
+            <a:r>
+              <a:rPr lang="en-US" altLang="zh-CN" sz="1200" kern="100" dirty="0">
+                <a:solidFill>
+                  <a:srgbClr val="002060"/>
+                </a:solidFill>
+                <a:latin typeface="Times New Roman" panose="02020603050405020304" pitchFamily="18" charset="0"/>
+                <a:ea typeface="宋体" panose="02010600030101010101" pitchFamily="2" charset="-122"/>
+              </a:rPr>
+              <a:t>0.7m</a:t>
+            </a:r>
+            <a:r>
+              <a:rPr lang="zh-CN" altLang="zh-CN" sz="1200" kern="100" dirty="0">
+                <a:solidFill>
+                  <a:srgbClr val="002060"/>
+                </a:solidFill>
+                <a:latin typeface="Times New Roman" panose="02020603050405020304" pitchFamily="18" charset="0"/>
+                <a:ea typeface="宋体" panose="02010600030101010101" pitchFamily="2" charset="-122"/>
+              </a:rPr>
+              <a:t>，平移定位精度为</a:t>
+            </a:r>
+            <a:r>
+              <a:rPr lang="en-US" altLang="zh-CN" sz="1200" kern="100" dirty="0">
+                <a:solidFill>
+                  <a:srgbClr val="002060"/>
+                </a:solidFill>
+                <a:latin typeface="Times New Roman" panose="02020603050405020304" pitchFamily="18" charset="0"/>
+                <a:ea typeface="宋体" panose="02010600030101010101" pitchFamily="2" charset="-122"/>
+              </a:rPr>
+              <a:t>1mm</a:t>
+            </a:r>
+            <a:r>
+              <a:rPr lang="zh-CN" altLang="zh-CN" sz="1200" kern="100" dirty="0">
+                <a:solidFill>
+                  <a:srgbClr val="002060"/>
+                </a:solidFill>
+                <a:latin typeface="Times New Roman" panose="02020603050405020304" pitchFamily="18" charset="0"/>
+                <a:ea typeface="宋体" panose="02010600030101010101" pitchFamily="2" charset="-122"/>
+              </a:rPr>
+              <a:t>。</a:t>
+            </a:r>
+          </a:p>
+          <a:p>
+            <a:pPr marL="171450" indent="-171450" algn="just">
+              <a:spcAft>
+                <a:spcPts val="0"/>
+              </a:spcAft>
+              <a:buFont typeface="Arial" panose="020B0604020202020204" pitchFamily="34" charset="0"/>
+              <a:buChar char="•"/>
+            </a:pPr>
+            <a:r>
+              <a:rPr lang="zh-CN" altLang="zh-CN" sz="1200" kern="100" dirty="0">
+                <a:solidFill>
+                  <a:srgbClr val="C00000"/>
+                </a:solidFill>
+                <a:latin typeface="Times New Roman" panose="02020603050405020304" pitchFamily="18" charset="0"/>
+                <a:ea typeface="宋体" panose="02010600030101010101" pitchFamily="2" charset="-122"/>
+              </a:rPr>
+              <a:t>探测器前后滑移</a:t>
+            </a:r>
+            <a:r>
+              <a:rPr lang="zh-CN" altLang="zh-CN" sz="1200" kern="100" dirty="0" smtClean="0">
+                <a:solidFill>
+                  <a:srgbClr val="C00000"/>
+                </a:solidFill>
+                <a:latin typeface="Times New Roman" panose="02020603050405020304" pitchFamily="18" charset="0"/>
+                <a:ea typeface="宋体" panose="02010600030101010101" pitchFamily="2" charset="-122"/>
+              </a:rPr>
+              <a:t>平台</a:t>
+            </a:r>
+            <a:r>
+              <a:rPr lang="zh-CN" altLang="zh-CN" sz="1200" kern="100" dirty="0" smtClean="0">
+                <a:solidFill>
+                  <a:srgbClr val="002060"/>
+                </a:solidFill>
+                <a:latin typeface="Times New Roman" panose="02020603050405020304" pitchFamily="18" charset="0"/>
+                <a:ea typeface="宋体" panose="02010600030101010101" pitchFamily="2" charset="-122"/>
+              </a:rPr>
+              <a:t>，</a:t>
+            </a:r>
+            <a:r>
+              <a:rPr lang="zh-CN" altLang="zh-CN" sz="1200" kern="100" dirty="0">
+                <a:solidFill>
+                  <a:srgbClr val="002060"/>
+                </a:solidFill>
+                <a:latin typeface="Times New Roman" panose="02020603050405020304" pitchFamily="18" charset="0"/>
+                <a:ea typeface="宋体" panose="02010600030101010101" pitchFamily="2" charset="-122"/>
+              </a:rPr>
+              <a:t>移动行程为</a:t>
+            </a:r>
+            <a:r>
+              <a:rPr lang="en-US" altLang="zh-CN" sz="1200" kern="100" dirty="0">
+                <a:solidFill>
+                  <a:srgbClr val="002060"/>
+                </a:solidFill>
+                <a:latin typeface="Times New Roman" panose="02020603050405020304" pitchFamily="18" charset="0"/>
+                <a:ea typeface="宋体" panose="02010600030101010101" pitchFamily="2" charset="-122"/>
+              </a:rPr>
+              <a:t>0.4m</a:t>
+            </a:r>
+            <a:r>
+              <a:rPr lang="zh-CN" altLang="zh-CN" sz="1200" kern="100" dirty="0">
+                <a:solidFill>
+                  <a:srgbClr val="002060"/>
+                </a:solidFill>
+                <a:latin typeface="Times New Roman" panose="02020603050405020304" pitchFamily="18" charset="0"/>
+                <a:ea typeface="宋体" panose="02010600030101010101" pitchFamily="2" charset="-122"/>
+              </a:rPr>
+              <a:t>，误差小于</a:t>
+            </a:r>
+            <a:r>
+              <a:rPr lang="en-US" altLang="zh-CN" sz="1200" kern="100" dirty="0">
+                <a:solidFill>
+                  <a:srgbClr val="002060"/>
+                </a:solidFill>
+                <a:latin typeface="Times New Roman" panose="02020603050405020304" pitchFamily="18" charset="0"/>
+                <a:ea typeface="宋体" panose="02010600030101010101" pitchFamily="2" charset="-122"/>
+              </a:rPr>
+              <a:t>0.1mm</a:t>
+            </a:r>
+            <a:r>
+              <a:rPr lang="zh-CN" altLang="zh-CN" sz="1200" kern="100" dirty="0">
+                <a:solidFill>
+                  <a:srgbClr val="002060"/>
+                </a:solidFill>
+                <a:latin typeface="Times New Roman" panose="02020603050405020304" pitchFamily="18" charset="0"/>
+                <a:ea typeface="宋体" panose="02010600030101010101" pitchFamily="2" charset="-122"/>
+              </a:rPr>
+              <a:t>。</a:t>
+            </a:r>
+          </a:p>
+          <a:p>
+            <a:pPr marL="171450" indent="-171450" algn="just">
+              <a:spcAft>
+                <a:spcPts val="0"/>
+              </a:spcAft>
+              <a:buFont typeface="Arial" panose="020B0604020202020204" pitchFamily="34" charset="0"/>
+              <a:buChar char="•"/>
+            </a:pPr>
+            <a:r>
+              <a:rPr lang="zh-CN" altLang="zh-CN" sz="1200" kern="100" dirty="0">
+                <a:solidFill>
+                  <a:srgbClr val="C00000"/>
+                </a:solidFill>
+                <a:latin typeface="Times New Roman" panose="02020603050405020304" pitchFamily="18" charset="0"/>
+                <a:ea typeface="宋体" panose="02010600030101010101" pitchFamily="2" charset="-122"/>
+              </a:rPr>
+              <a:t>探测器、透射源垂直移动</a:t>
+            </a:r>
+            <a:r>
+              <a:rPr lang="zh-CN" altLang="zh-CN" sz="1200" kern="100" dirty="0" smtClean="0">
+                <a:solidFill>
+                  <a:srgbClr val="C00000"/>
+                </a:solidFill>
+                <a:latin typeface="Times New Roman" panose="02020603050405020304" pitchFamily="18" charset="0"/>
+                <a:ea typeface="宋体" panose="02010600030101010101" pitchFamily="2" charset="-122"/>
+              </a:rPr>
+              <a:t>平台</a:t>
+            </a:r>
+            <a:r>
+              <a:rPr lang="zh-CN" altLang="zh-CN" sz="1200" kern="100" dirty="0" smtClean="0">
+                <a:solidFill>
+                  <a:srgbClr val="002060"/>
+                </a:solidFill>
+                <a:latin typeface="Times New Roman" panose="02020603050405020304" pitchFamily="18" charset="0"/>
+                <a:ea typeface="宋体" panose="02010600030101010101" pitchFamily="2" charset="-122"/>
+              </a:rPr>
+              <a:t>，</a:t>
+            </a:r>
+            <a:r>
+              <a:rPr lang="zh-CN" altLang="zh-CN" sz="1200" kern="100" dirty="0">
+                <a:solidFill>
+                  <a:srgbClr val="002060"/>
+                </a:solidFill>
+                <a:latin typeface="Times New Roman" panose="02020603050405020304" pitchFamily="18" charset="0"/>
+                <a:ea typeface="宋体" panose="02010600030101010101" pitchFamily="2" charset="-122"/>
+              </a:rPr>
+              <a:t>总高度控制在</a:t>
+            </a:r>
+            <a:r>
+              <a:rPr lang="en-US" altLang="zh-CN" sz="1200" kern="100" dirty="0">
+                <a:solidFill>
+                  <a:srgbClr val="002060"/>
+                </a:solidFill>
+                <a:latin typeface="Times New Roman" panose="02020603050405020304" pitchFamily="18" charset="0"/>
+                <a:ea typeface="宋体" panose="02010600030101010101" pitchFamily="2" charset="-122"/>
+              </a:rPr>
+              <a:t>1.8m</a:t>
+            </a:r>
+            <a:r>
+              <a:rPr lang="zh-CN" altLang="zh-CN" sz="1200" kern="100" dirty="0">
+                <a:solidFill>
+                  <a:srgbClr val="002060"/>
+                </a:solidFill>
+                <a:latin typeface="Times New Roman" panose="02020603050405020304" pitchFamily="18" charset="0"/>
+                <a:ea typeface="宋体" panose="02010600030101010101" pitchFamily="2" charset="-122"/>
+              </a:rPr>
+              <a:t>以下，升降的运动行程可达</a:t>
+            </a:r>
+            <a:r>
+              <a:rPr lang="en-US" altLang="zh-CN" sz="1200" kern="100" dirty="0">
+                <a:solidFill>
+                  <a:srgbClr val="002060"/>
+                </a:solidFill>
+                <a:latin typeface="Times New Roman" panose="02020603050405020304" pitchFamily="18" charset="0"/>
+                <a:ea typeface="宋体" panose="02010600030101010101" pitchFamily="2" charset="-122"/>
+              </a:rPr>
+              <a:t>1.3m</a:t>
+            </a:r>
+            <a:r>
+              <a:rPr lang="zh-CN" altLang="zh-CN" sz="1200" kern="100" dirty="0">
+                <a:solidFill>
+                  <a:srgbClr val="002060"/>
+                </a:solidFill>
+                <a:latin typeface="Times New Roman" panose="02020603050405020304" pitchFamily="18" charset="0"/>
+                <a:ea typeface="宋体" panose="02010600030101010101" pitchFamily="2" charset="-122"/>
+              </a:rPr>
+              <a:t>，定位精度小于</a:t>
+            </a:r>
+            <a:r>
+              <a:rPr lang="en-US" altLang="zh-CN" sz="1200" kern="100" dirty="0">
+                <a:solidFill>
+                  <a:srgbClr val="002060"/>
+                </a:solidFill>
+                <a:latin typeface="Times New Roman" panose="02020603050405020304" pitchFamily="18" charset="0"/>
+                <a:ea typeface="宋体" panose="02010600030101010101" pitchFamily="2" charset="-122"/>
+              </a:rPr>
+              <a:t>1mm</a:t>
+            </a:r>
+            <a:r>
+              <a:rPr lang="zh-CN" altLang="zh-CN" sz="1200" kern="100" dirty="0">
+                <a:solidFill>
+                  <a:srgbClr val="002060"/>
+                </a:solidFill>
+                <a:latin typeface="Times New Roman" panose="02020603050405020304" pitchFamily="18" charset="0"/>
+                <a:ea typeface="宋体" panose="02010600030101010101" pitchFamily="2" charset="-122"/>
+              </a:rPr>
+              <a:t>，探测器平台可承重上限为</a:t>
+            </a:r>
+            <a:r>
+              <a:rPr lang="en-US" altLang="zh-CN" sz="1200" kern="100" dirty="0">
+                <a:solidFill>
+                  <a:srgbClr val="002060"/>
+                </a:solidFill>
+                <a:latin typeface="Times New Roman" panose="02020603050405020304" pitchFamily="18" charset="0"/>
+                <a:ea typeface="宋体" panose="02010600030101010101" pitchFamily="2" charset="-122"/>
+              </a:rPr>
+              <a:t>350kg</a:t>
+            </a:r>
+            <a:r>
+              <a:rPr lang="zh-CN" altLang="zh-CN" sz="1200" kern="100" dirty="0">
+                <a:solidFill>
+                  <a:srgbClr val="002060"/>
+                </a:solidFill>
+                <a:latin typeface="Times New Roman" panose="02020603050405020304" pitchFamily="18" charset="0"/>
+                <a:ea typeface="宋体" panose="02010600030101010101" pitchFamily="2" charset="-122"/>
+              </a:rPr>
+              <a:t>，透射源平台承重上限为</a:t>
+            </a:r>
+            <a:r>
+              <a:rPr lang="en-US" altLang="zh-CN" sz="1200" kern="100" dirty="0">
+                <a:solidFill>
+                  <a:srgbClr val="002060"/>
+                </a:solidFill>
+                <a:latin typeface="Times New Roman" panose="02020603050405020304" pitchFamily="18" charset="0"/>
+                <a:ea typeface="宋体" panose="02010600030101010101" pitchFamily="2" charset="-122"/>
+              </a:rPr>
+              <a:t>250kg</a:t>
+            </a:r>
+            <a:r>
+              <a:rPr lang="zh-CN" altLang="zh-CN" sz="1200" kern="100" dirty="0">
+                <a:solidFill>
+                  <a:srgbClr val="002060"/>
+                </a:solidFill>
+                <a:latin typeface="Times New Roman" panose="02020603050405020304" pitchFamily="18" charset="0"/>
+                <a:ea typeface="宋体" panose="02010600030101010101" pitchFamily="2" charset="-122"/>
+              </a:rPr>
+              <a:t>。</a:t>
+            </a:r>
+          </a:p>
+          <a:p>
+            <a:pPr marL="171450" indent="-171450" algn="just">
+              <a:spcAft>
+                <a:spcPts val="0"/>
+              </a:spcAft>
+              <a:buFont typeface="Arial" panose="020B0604020202020204" pitchFamily="34" charset="0"/>
+              <a:buChar char="•"/>
+            </a:pPr>
+            <a:r>
+              <a:rPr lang="zh-CN" altLang="zh-CN" sz="1200" kern="100" dirty="0">
+                <a:solidFill>
+                  <a:srgbClr val="C00000"/>
+                </a:solidFill>
+                <a:latin typeface="Times New Roman" panose="02020603050405020304" pitchFamily="18" charset="0"/>
+                <a:ea typeface="宋体" panose="02010600030101010101" pitchFamily="2" charset="-122"/>
+              </a:rPr>
+              <a:t>驱动和控制系统</a:t>
+            </a:r>
+            <a:r>
+              <a:rPr lang="zh-CN" altLang="zh-CN" sz="1200" kern="100" dirty="0">
+                <a:solidFill>
+                  <a:srgbClr val="002060"/>
+                </a:solidFill>
+                <a:latin typeface="Times New Roman" panose="02020603050405020304" pitchFamily="18" charset="0"/>
+                <a:ea typeface="宋体" panose="02010600030101010101" pitchFamily="2" charset="-122"/>
+              </a:rPr>
+              <a:t>中，采用的电机为伺服电机，采用运动控制器作为主要控制方式。</a:t>
+            </a:r>
+          </a:p>
+          <a:p>
+            <a:pPr marL="171450" indent="-171450">
+              <a:buFont typeface="Arial" panose="020B0604020202020204" pitchFamily="34" charset="0"/>
+              <a:buChar char="•"/>
+            </a:pPr>
+            <a:r>
+              <a:rPr lang="zh-CN" altLang="zh-CN" sz="1200" kern="100" dirty="0" smtClean="0">
+                <a:solidFill>
+                  <a:srgbClr val="C00000"/>
+                </a:solidFill>
+                <a:latin typeface="Times New Roman" panose="02020603050405020304" pitchFamily="18" charset="0"/>
+                <a:ea typeface="宋体" panose="02010600030101010101" pitchFamily="2" charset="-122"/>
+                <a:cs typeface="Times New Roman" panose="02020603050405020304" pitchFamily="18" charset="0"/>
+              </a:rPr>
+              <a:t>流水线</a:t>
+            </a:r>
+            <a:r>
+              <a:rPr lang="zh-CN" altLang="zh-CN" sz="1200" kern="100" dirty="0">
+                <a:solidFill>
+                  <a:srgbClr val="C00000"/>
+                </a:solidFill>
+                <a:latin typeface="Times New Roman" panose="02020603050405020304" pitchFamily="18" charset="0"/>
+                <a:ea typeface="宋体" panose="02010600030101010101" pitchFamily="2" charset="-122"/>
+                <a:cs typeface="Times New Roman" panose="02020603050405020304" pitchFamily="18" charset="0"/>
+              </a:rPr>
+              <a:t>系统</a:t>
+            </a:r>
+            <a:r>
+              <a:rPr lang="zh-CN" altLang="zh-CN" sz="1200" kern="100" dirty="0" smtClean="0">
+                <a:solidFill>
+                  <a:srgbClr val="002060"/>
+                </a:solidFill>
+                <a:latin typeface="Times New Roman" panose="02020603050405020304" pitchFamily="18" charset="0"/>
+                <a:ea typeface="宋体" panose="02010600030101010101" pitchFamily="2" charset="-122"/>
+                <a:cs typeface="Times New Roman" panose="02020603050405020304" pitchFamily="18" charset="0"/>
+              </a:rPr>
+              <a:t>，</a:t>
+            </a:r>
+            <a:r>
+              <a:rPr lang="zh-CN" altLang="en-US" sz="1200" kern="100" dirty="0" smtClean="0">
+                <a:solidFill>
+                  <a:srgbClr val="002060"/>
+                </a:solidFill>
+                <a:latin typeface="Times New Roman" panose="02020603050405020304" pitchFamily="18" charset="0"/>
+                <a:ea typeface="宋体" panose="02010600030101010101" pitchFamily="2" charset="-122"/>
+                <a:cs typeface="Times New Roman" panose="02020603050405020304" pitchFamily="18" charset="0"/>
+              </a:rPr>
+              <a:t>作为</a:t>
+            </a:r>
+            <a:r>
+              <a:rPr lang="zh-CN" altLang="zh-CN" sz="1200" kern="100" dirty="0" smtClean="0">
+                <a:solidFill>
+                  <a:srgbClr val="002060"/>
+                </a:solidFill>
+                <a:latin typeface="Times New Roman" panose="02020603050405020304" pitchFamily="18" charset="0"/>
+                <a:ea typeface="宋体" panose="02010600030101010101" pitchFamily="2" charset="-122"/>
+                <a:cs typeface="Times New Roman" panose="02020603050405020304" pitchFamily="18" charset="0"/>
+              </a:rPr>
+              <a:t>可</a:t>
+            </a:r>
+            <a:r>
+              <a:rPr lang="zh-CN" altLang="zh-CN" sz="1200" kern="100" dirty="0">
+                <a:solidFill>
+                  <a:srgbClr val="002060"/>
+                </a:solidFill>
+                <a:latin typeface="Times New Roman" panose="02020603050405020304" pitchFamily="18" charset="0"/>
+                <a:ea typeface="宋体" panose="02010600030101010101" pitchFamily="2" charset="-122"/>
+                <a:cs typeface="Times New Roman" panose="02020603050405020304" pitchFamily="18" charset="0"/>
+              </a:rPr>
+              <a:t>选择性的</a:t>
+            </a:r>
+            <a:r>
+              <a:rPr lang="zh-CN" altLang="zh-CN" sz="1200" kern="100" dirty="0" smtClean="0">
+                <a:solidFill>
+                  <a:srgbClr val="002060"/>
+                </a:solidFill>
+                <a:latin typeface="Times New Roman" panose="02020603050405020304" pitchFamily="18" charset="0"/>
+                <a:ea typeface="宋体" panose="02010600030101010101" pitchFamily="2" charset="-122"/>
+                <a:cs typeface="Times New Roman" panose="02020603050405020304" pitchFamily="18" charset="0"/>
+              </a:rPr>
+              <a:t>附加</a:t>
+            </a:r>
+            <a:r>
+              <a:rPr lang="zh-CN" altLang="en-US" sz="1200" kern="100" dirty="0" smtClean="0">
+                <a:solidFill>
+                  <a:srgbClr val="002060"/>
+                </a:solidFill>
+                <a:latin typeface="Times New Roman" panose="02020603050405020304" pitchFamily="18" charset="0"/>
+                <a:ea typeface="宋体" panose="02010600030101010101" pitchFamily="2" charset="-122"/>
+                <a:cs typeface="Times New Roman" panose="02020603050405020304" pitchFamily="18" charset="0"/>
+              </a:rPr>
+              <a:t>，</a:t>
+            </a:r>
+            <a:r>
+              <a:rPr lang="zh-CN" altLang="zh-CN" sz="1200" kern="100" dirty="0" smtClean="0">
+                <a:solidFill>
+                  <a:srgbClr val="002060"/>
+                </a:solidFill>
+                <a:latin typeface="Times New Roman" panose="02020603050405020304" pitchFamily="18" charset="0"/>
+                <a:ea typeface="宋体" panose="02010600030101010101" pitchFamily="2" charset="-122"/>
+                <a:cs typeface="Times New Roman" panose="02020603050405020304" pitchFamily="18" charset="0"/>
+              </a:rPr>
+              <a:t>可</a:t>
+            </a:r>
+            <a:r>
+              <a:rPr lang="zh-CN" altLang="zh-CN" sz="1200" kern="100" dirty="0">
+                <a:solidFill>
+                  <a:srgbClr val="002060"/>
+                </a:solidFill>
+                <a:latin typeface="Times New Roman" panose="02020603050405020304" pitchFamily="18" charset="0"/>
+                <a:ea typeface="宋体" panose="02010600030101010101" pitchFamily="2" charset="-122"/>
+                <a:cs typeface="Times New Roman" panose="02020603050405020304" pitchFamily="18" charset="0"/>
+              </a:rPr>
+              <a:t>实现一次吊装</a:t>
+            </a:r>
+            <a:r>
+              <a:rPr lang="en-US" altLang="zh-CN" sz="1200" kern="100" dirty="0">
+                <a:solidFill>
+                  <a:srgbClr val="002060"/>
+                </a:solidFill>
+                <a:latin typeface="Times New Roman" panose="02020603050405020304" pitchFamily="18" charset="0"/>
+                <a:ea typeface="宋体" panose="02010600030101010101" pitchFamily="2" charset="-122"/>
+              </a:rPr>
+              <a:t>4-8</a:t>
+            </a:r>
+            <a:r>
+              <a:rPr lang="zh-CN" altLang="zh-CN" sz="1200" kern="100" dirty="0">
+                <a:solidFill>
+                  <a:srgbClr val="002060"/>
+                </a:solidFill>
+                <a:latin typeface="Times New Roman" panose="02020603050405020304" pitchFamily="18" charset="0"/>
+                <a:ea typeface="宋体" panose="02010600030101010101" pitchFamily="2" charset="-122"/>
+                <a:cs typeface="Times New Roman" panose="02020603050405020304" pitchFamily="18" charset="0"/>
+              </a:rPr>
+              <a:t>个废物桶，实现无人干预的自动化测量。</a:t>
+            </a:r>
+            <a:endParaRPr lang="zh-CN" altLang="en-US" sz="1200" dirty="0">
+              <a:solidFill>
+                <a:srgbClr val="002060"/>
+              </a:solidFill>
+            </a:endParaRPr>
+          </a:p>
+        </p:txBody>
+      </p:sp>
     </p:spTree>
     <p:extLst>
       <p:ext uri="{BB962C8B-B14F-4D97-AF65-F5344CB8AC3E}">
@@ -5767,15 +6605,33 @@
             <p:ph type="title"/>
           </p:nvPr>
         </p:nvSpPr>
-        <p:spPr/>
+        <p:spPr>
+          <a:xfrm>
+            <a:off x="457200" y="274638"/>
+            <a:ext cx="7978462" cy="756845"/>
+          </a:xfrm>
+        </p:spPr>
         <p:txBody>
           <a:bodyPr/>
           <a:lstStyle/>
           <a:p>
             <a:r>
               <a:rPr lang="zh-CN" altLang="en-US" sz="3600" b="1" dirty="0"/>
-              <a:t>系统设计与优化</a:t>
-            </a:r>
+              <a:t>系统设计与</a:t>
+            </a:r>
+            <a:r>
+              <a:rPr lang="zh-CN" altLang="en-US" sz="3600" b="1" dirty="0" smtClean="0"/>
+              <a:t>优化</a:t>
+            </a:r>
+            <a:r>
+              <a:rPr lang="en-US" altLang="zh-CN" sz="3600" b="1" dirty="0" smtClean="0"/>
+              <a:t>-</a:t>
+            </a:r>
+            <a:r>
+              <a:rPr lang="zh-CN" altLang="en-US" sz="3600" dirty="0"/>
+              <a:t>数据采集与交互模块</a:t>
+            </a:r>
+            <a:endParaRPr lang="zh-CN" altLang="en-US" sz="3600" b="1" dirty="0"/>
           </a:p>
         </p:txBody>
       </p:sp>
@@ -5791,8 +6647,8 @@
         </p:nvSpPr>
         <p:spPr>
           <a:xfrm>
-            <a:off x="393745" y="5621400"/>
-            <a:ext cx="8229600" cy="667612"/>
+            <a:off x="457200" y="5522775"/>
+            <a:ext cx="8229600" cy="1101372"/>
           </a:xfrm>
         </p:spPr>
         <p:txBody>
@@ -5800,14 +6656,10 @@
           <a:lstStyle/>
           <a:p>
             <a:r>
-              <a:rPr lang="zh-CN" altLang="en-US" dirty="0" smtClean="0"/>
-              <a:t>数据采集与交互模块</a:t>
-            </a:r>
-            <a:r>
-              <a:rPr lang="zh-CN" altLang="en-US" dirty="0" smtClean="0"/>
-              <a:t>逻辑设计与软件开发</a:t>
-            </a:r>
-            <a:endParaRPr lang="zh-CN" altLang="en-US" dirty="0"/>
+              <a:rPr lang="zh-CN" altLang="en-US" sz="2400" dirty="0" smtClean="0"/>
+              <a:t>系统所有模块的设计与开发都严格遵循了简单易用，紧凑、隔离、可扩展的创新原则，是改进型方法的基础</a:t>
+            </a:r>
+            <a:endParaRPr lang="zh-CN" altLang="en-US" sz="2400" dirty="0"/>
           </a:p>
         </p:txBody>
       </p:sp>
@@ -5834,7 +6686,7 @@
         </p:blipFill>
         <p:spPr bwMode="auto">
           <a:xfrm>
-            <a:off x="0" y="1332815"/>
+            <a:off x="115910" y="1399489"/>
             <a:ext cx="4048125" cy="3514725"/>
           </a:xfrm>
           <a:prstGeom prst="rect">
@@ -5928,7 +6780,7 @@
         <p:spPr>
           <a:xfrm>
             <a:off x="393745" y="5054853"/>
-            <a:ext cx="2318263" cy="369332"/>
+            <a:ext cx="3185487" cy="369332"/>
           </a:xfrm>
           <a:prstGeom prst="rect">
             <a:avLst/>
@@ -5946,7 +6798,7 @@
             </a:r>
             <a:r>
               <a:rPr kumimoji="1" lang="zh-CN" altLang="en-US" dirty="0" smtClean="0"/>
-              <a:t>系统设计逻辑图</a:t>
+              <a:t>系统软件模块设计逻辑图</a:t>
             </a:r>
             <a:r>
               <a:rPr kumimoji="1" lang="en-US" altLang="zh-CN" dirty="0" smtClean="0"/>
@@ -7418,7 +8270,19 @@
             </a:r>
             <a:r>
               <a:rPr kumimoji="1" lang="zh-CN" altLang="en-US" dirty="0" smtClean="0"/>
-              <a:t>方法研究与验证</a:t>
+              <a:t>方法研究与</a:t>
+            </a:r>
+            <a:r>
+              <a:rPr kumimoji="1" lang="zh-CN" altLang="en-US" dirty="0" smtClean="0"/>
+              <a:t>验证</a:t>
+            </a:r>
+            <a:endParaRPr kumimoji="1" lang="en-US" altLang="zh-CN" dirty="0" smtClean="0"/>
+          </a:p>
+          <a:p>
+            <a:pPr eaLnBrk="1" hangingPunct="1"/>
+            <a:r>
+              <a:rPr kumimoji="1" lang="zh-CN" altLang="en-US" dirty="0" smtClean="0"/>
+              <a:t>主要工作与创新点、后续的研究工作</a:t>
             </a:r>
             <a:endParaRPr kumimoji="1" lang="en-US" altLang="zh-CN" dirty="0" smtClean="0"/>
           </a:p>
@@ -7475,7 +8339,7 @@
         <p:spPr bwMode="auto">
           <a:xfrm>
             <a:off x="457200" y="1016317"/>
-            <a:ext cx="6186309" cy="461665"/>
+            <a:ext cx="5570756" cy="461665"/>
           </a:xfrm>
           <a:prstGeom prst="rect">
             <a:avLst/>
@@ -7552,7 +8416,37 @@
                 <a:ea typeface="楷体" panose="02010609060101010101" pitchFamily="49" charset="-122"/>
                 <a:cs typeface="Arial" panose="020B0604020202020204" pitchFamily="34" charset="0"/>
               </a:rPr>
-              <a:t>均匀介质中点源的仿真统计结果（单位：</a:t>
+              <a:t>均匀介质中点源</a:t>
+            </a:r>
+            <a:r>
+              <a:rPr kumimoji="0" lang="zh-CN" altLang="en-US" sz="2400" b="0" i="0" u="none" strike="noStrike" cap="none" normalizeH="0" baseline="0" dirty="0" smtClean="0" bmk="_Toc500356296">
+                <a:ln>
+                  <a:noFill/>
+                </a:ln>
+                <a:solidFill>
+                  <a:schemeClr val="tx1"/>
+                </a:solidFill>
+                <a:effectLst/>
+                <a:latin typeface="楷体" panose="02010609060101010101" pitchFamily="49" charset="-122"/>
+                <a:ea typeface="楷体" panose="02010609060101010101" pitchFamily="49" charset="-122"/>
+                <a:cs typeface="Arial" panose="020B0604020202020204" pitchFamily="34" charset="0"/>
+              </a:rPr>
+              <a:t>的统计</a:t>
+            </a:r>
+            <a:r>
+              <a:rPr kumimoji="0" lang="zh-CN" altLang="en-US" sz="2400" b="0" i="0" u="none" strike="noStrike" cap="none" normalizeH="0" baseline="0" dirty="0" smtClean="0" bmk="_Toc500356296">
+                <a:ln>
+                  <a:noFill/>
+                </a:ln>
+                <a:solidFill>
+                  <a:schemeClr val="tx1"/>
+                </a:solidFill>
+                <a:effectLst/>
+                <a:latin typeface="楷体" panose="02010609060101010101" pitchFamily="49" charset="-122"/>
+                <a:ea typeface="楷体" panose="02010609060101010101" pitchFamily="49" charset="-122"/>
+                <a:cs typeface="Arial" panose="020B0604020202020204" pitchFamily="34" charset="0"/>
+              </a:rPr>
+              <a:t>结果（单位：</a:t>
             </a:r>
             <a:r>
               <a:rPr kumimoji="0" lang="en-US" altLang="zh-CN" sz="2400" b="0" i="0" u="none" strike="noStrike" cap="none" normalizeH="0" baseline="0" dirty="0" smtClean="0" bmk="_Toc500356296">
@@ -19553,7 +20447,19 @@
             <a:pPr lvl="1"/>
             <a:r>
               <a:rPr lang="zh-CN" altLang="en-US" sz="2000" dirty="0" smtClean="0"/>
-              <a:t>考虑到双探测器等效半径间的误差，利用计数率之比推导等效半径与效率刻度</a:t>
+              <a:t>考虑到</a:t>
+            </a:r>
+            <a:r>
+              <a:rPr lang="zh-CN" altLang="en-US" sz="2000" dirty="0" smtClean="0">
+                <a:solidFill>
+                  <a:srgbClr val="C00000"/>
+                </a:solidFill>
+              </a:rPr>
+              <a:t>双探测器等效半径间的误差</a:t>
+            </a:r>
+            <a:r>
+              <a:rPr lang="zh-CN" altLang="en-US" sz="2000" dirty="0" smtClean="0"/>
+              <a:t>，利用计数率之比推导等效半径与效率刻度</a:t>
             </a:r>
             <a:endParaRPr lang="en-US" altLang="zh-CN" sz="2000" dirty="0" smtClean="0"/>
           </a:p>
@@ -19572,12 +20478,24 @@
               <a:t>一个</a:t>
             </a:r>
             <a:r>
-              <a:rPr lang="zh-CN" altLang="zh-CN" sz="2000" dirty="0" smtClean="0"/>
+              <a:rPr lang="zh-CN" altLang="zh-CN" sz="2000" dirty="0" smtClean="0">
+                <a:solidFill>
+                  <a:srgbClr val="C00000"/>
+                </a:solidFill>
+              </a:rPr>
               <a:t>等效</a:t>
             </a:r>
             <a:r>
+              <a:rPr lang="zh-CN" altLang="zh-CN" sz="2000" dirty="0">
+                <a:solidFill>
+                  <a:srgbClr val="C00000"/>
+                </a:solidFill>
+              </a:rPr>
+              <a:t>层</a:t>
+            </a:r>
+            <a:r>
               <a:rPr lang="zh-CN" altLang="zh-CN" sz="2000" dirty="0"/>
-              <a:t>层内，以</a:t>
+              <a:t>内，以</a:t>
             </a:r>
             <a:r>
               <a:rPr lang="zh-CN" altLang="zh-CN" sz="2000" dirty="0" smtClean="0"/>
@@ -23801,12 +24719,16 @@
               <a:buChar char="•"/>
             </a:pPr>
             <a:r>
+              <a:rPr kumimoji="1" lang="zh-CN" altLang="en-US" sz="3200" dirty="0"/>
+              <a:t>废物检测技术的研究有很大的</a:t>
+            </a:r>
+            <a:r>
               <a:rPr kumimoji="1" lang="zh-CN" altLang="en-US" sz="3200" dirty="0">
                 <a:solidFill>
-                  <a:srgbClr val="C81501"/>
+                  <a:srgbClr val="C00000"/>
                 </a:solidFill>
               </a:rPr>
-              <a:t>废物检测技术的研究有很大的应用价值</a:t>
+              <a:t>应用价值</a:t>
             </a:r>
           </a:p>
           <a:p>
@@ -24482,12 +25404,16 @@
               <a:buChar char="•"/>
             </a:pPr>
             <a:r>
+              <a:rPr kumimoji="1" lang="zh-CN" altLang="en-US" sz="3200" dirty="0"/>
+              <a:t>开展兼具快速、准确的废物桶测量技术具有</a:t>
+            </a:r>
+            <a:r>
               <a:rPr kumimoji="1" lang="zh-CN" altLang="en-US" sz="3200" dirty="0">
                 <a:solidFill>
                   <a:srgbClr val="C00000"/>
                 </a:solidFill>
               </a:rPr>
-              <a:t>开展兼具快速、准确的废物桶测量技术具有理论研究价值</a:t>
+              <a:t>理论研究价值</a:t>
             </a:r>
           </a:p>
         </p:txBody>
@@ -25104,12 +26030,10 @@
               <a:t>Tran Ha Anh</a:t>
             </a:r>
             <a:r>
-              <a:rPr lang="en-US" altLang="zh-CN" dirty="0"/>
+              <a:rPr lang="en-US" altLang="zh-CN" dirty="0" smtClean="0"/>
               <a:t>】</a:t>
             </a:r>
-          </a:p>
-          <a:p>
-            <a:endParaRPr lang="zh-CN" altLang="en-US" dirty="0"/>
+            <a:endParaRPr lang="en-US" altLang="zh-CN" dirty="0"/>
           </a:p>
         </p:txBody>
       </p:sp>
